--- a/Midterm-PPT.pptx
+++ b/Midterm-PPT.pptx
@@ -5639,7 +5639,7 @@
         </p:nvSpPr>
         <p:spPr>
           <a:xfrm>
-            <a:off x="7737277" y="3290211"/>
+            <a:off x="7737277" y="3271161"/>
             <a:ext cx="3438659" cy="2059658"/>
           </a:xfrm>
           <a:prstGeom prst="rect">

--- a/Midterm-PPT.pptx
+++ b/Midterm-PPT.pptx
@@ -4,9 +4,13 @@
   <p:sldMasterIdLst>
     <p:sldMasterId id="2147483648" r:id="rId1"/>
   </p:sldMasterIdLst>
+  <p:notesMasterIdLst>
+    <p:notesMasterId r:id="rId5"/>
+  </p:notesMasterIdLst>
   <p:sldIdLst>
     <p:sldId id="256" r:id="rId2"/>
     <p:sldId id="257" r:id="rId3"/>
+    <p:sldId id="258" r:id="rId4"/>
   </p:sldIdLst>
   <p:sldSz cx="12192000" cy="6858000"/>
   <p:notesSz cx="6858000" cy="9144000"/>
@@ -116,12 +120,461 @@
         <p14:section name="Untitled Section" id="{80206FF1-4BD9-4359-9271-01B9BD5DF555}">
           <p14:sldIdLst>
             <p14:sldId id="257"/>
+            <p14:sldId id="258"/>
           </p14:sldIdLst>
         </p14:section>
       </p14:sectionLst>
     </p:ext>
   </p:extLst>
 </p:presentation>
+</file>
+
+<file path=ppt/notesMasters/notesMaster1.xml><?xml version="1.0" encoding="utf-8"?>
+<p:notesMaster xmlns:a="http://schemas.openxmlformats.org/drawingml/2006/main" xmlns:r="http://schemas.openxmlformats.org/officeDocument/2006/relationships" xmlns:p="http://schemas.openxmlformats.org/presentationml/2006/main">
+  <p:cSld>
+    <p:bg>
+      <p:bgRef idx="1001">
+        <a:schemeClr val="bg1"/>
+      </p:bgRef>
+    </p:bg>
+    <p:spTree>
+      <p:nvGrpSpPr>
+        <p:cNvPr id="1" name=""/>
+        <p:cNvGrpSpPr/>
+        <p:nvPr/>
+      </p:nvGrpSpPr>
+      <p:grpSpPr>
+        <a:xfrm>
+          <a:off x="0" y="0"/>
+          <a:ext cx="0" cy="0"/>
+          <a:chOff x="0" y="0"/>
+          <a:chExt cx="0" cy="0"/>
+        </a:xfrm>
+      </p:grpSpPr>
+      <p:sp>
+        <p:nvSpPr>
+          <p:cNvPr id="2" name="Header Placeholder 1"/>
+          <p:cNvSpPr>
+            <a:spLocks noGrp="1"/>
+          </p:cNvSpPr>
+          <p:nvPr>
+            <p:ph type="hdr" sz="quarter"/>
+          </p:nvPr>
+        </p:nvSpPr>
+        <p:spPr>
+          <a:xfrm>
+            <a:off x="0" y="0"/>
+            <a:ext cx="2971800" cy="458788"/>
+          </a:xfrm>
+          <a:prstGeom prst="rect">
+            <a:avLst/>
+          </a:prstGeom>
+        </p:spPr>
+        <p:txBody>
+          <a:bodyPr vert="horz" lIns="91440" tIns="45720" rIns="91440" bIns="45720" rtlCol="0"/>
+          <a:lstStyle>
+            <a:lvl1pPr algn="l">
+              <a:defRPr sz="1200"/>
+            </a:lvl1pPr>
+          </a:lstStyle>
+          <a:p>
+            <a:endParaRPr lang="en-PH"/>
+          </a:p>
+        </p:txBody>
+      </p:sp>
+      <p:sp>
+        <p:nvSpPr>
+          <p:cNvPr id="3" name="Date Placeholder 2"/>
+          <p:cNvSpPr>
+            <a:spLocks noGrp="1"/>
+          </p:cNvSpPr>
+          <p:nvPr>
+            <p:ph type="dt" idx="1"/>
+          </p:nvPr>
+        </p:nvSpPr>
+        <p:spPr>
+          <a:xfrm>
+            <a:off x="3884613" y="0"/>
+            <a:ext cx="2971800" cy="458788"/>
+          </a:xfrm>
+          <a:prstGeom prst="rect">
+            <a:avLst/>
+          </a:prstGeom>
+        </p:spPr>
+        <p:txBody>
+          <a:bodyPr vert="horz" lIns="91440" tIns="45720" rIns="91440" bIns="45720" rtlCol="0"/>
+          <a:lstStyle>
+            <a:lvl1pPr algn="r">
+              <a:defRPr sz="1200"/>
+            </a:lvl1pPr>
+          </a:lstStyle>
+          <a:p>
+            <a:fld id="{F4631967-8B9B-44C2-92EE-FE51D5F979CC}" type="datetimeFigureOut">
+              <a:rPr lang="en-PH" smtClean="0"/>
+              <a:t>7/24/2017</a:t>
+            </a:fld>
+            <a:endParaRPr lang="en-PH"/>
+          </a:p>
+        </p:txBody>
+      </p:sp>
+      <p:sp>
+        <p:nvSpPr>
+          <p:cNvPr id="4" name="Slide Image Placeholder 3"/>
+          <p:cNvSpPr>
+            <a:spLocks noGrp="1" noRot="1" noChangeAspect="1"/>
+          </p:cNvSpPr>
+          <p:nvPr>
+            <p:ph type="sldImg" idx="2"/>
+          </p:nvPr>
+        </p:nvSpPr>
+        <p:spPr>
+          <a:xfrm>
+            <a:off x="685800" y="1143000"/>
+            <a:ext cx="5486400" cy="3086100"/>
+          </a:xfrm>
+          <a:prstGeom prst="rect">
+            <a:avLst/>
+          </a:prstGeom>
+          <a:noFill/>
+          <a:ln w="12700">
+            <a:solidFill>
+              <a:prstClr val="black"/>
+            </a:solidFill>
+          </a:ln>
+        </p:spPr>
+        <p:txBody>
+          <a:bodyPr vert="horz" lIns="91440" tIns="45720" rIns="91440" bIns="45720" rtlCol="0" anchor="ctr"/>
+          <a:lstStyle/>
+          <a:p>
+            <a:endParaRPr lang="en-PH"/>
+          </a:p>
+        </p:txBody>
+      </p:sp>
+      <p:sp>
+        <p:nvSpPr>
+          <p:cNvPr id="5" name="Notes Placeholder 4"/>
+          <p:cNvSpPr>
+            <a:spLocks noGrp="1"/>
+          </p:cNvSpPr>
+          <p:nvPr>
+            <p:ph type="body" sz="quarter" idx="3"/>
+          </p:nvPr>
+        </p:nvSpPr>
+        <p:spPr>
+          <a:xfrm>
+            <a:off x="685800" y="4400550"/>
+            <a:ext cx="5486400" cy="3600450"/>
+          </a:xfrm>
+          <a:prstGeom prst="rect">
+            <a:avLst/>
+          </a:prstGeom>
+        </p:spPr>
+        <p:txBody>
+          <a:bodyPr vert="horz" lIns="91440" tIns="45720" rIns="91440" bIns="45720" rtlCol="0"/>
+          <a:lstStyle/>
+          <a:p>
+            <a:pPr lvl="0"/>
+            <a:r>
+              <a:rPr lang="en-US"/>
+              <a:t>Edit Master text styles</a:t>
+            </a:r>
+          </a:p>
+          <a:p>
+            <a:pPr lvl="1"/>
+            <a:r>
+              <a:rPr lang="en-US"/>
+              <a:t>Second level</a:t>
+            </a:r>
+          </a:p>
+          <a:p>
+            <a:pPr lvl="2"/>
+            <a:r>
+              <a:rPr lang="en-US"/>
+              <a:t>Third level</a:t>
+            </a:r>
+          </a:p>
+          <a:p>
+            <a:pPr lvl="3"/>
+            <a:r>
+              <a:rPr lang="en-US"/>
+              <a:t>Fourth level</a:t>
+            </a:r>
+          </a:p>
+          <a:p>
+            <a:pPr lvl="4"/>
+            <a:r>
+              <a:rPr lang="en-US"/>
+              <a:t>Fifth level</a:t>
+            </a:r>
+            <a:endParaRPr lang="en-PH"/>
+          </a:p>
+        </p:txBody>
+      </p:sp>
+      <p:sp>
+        <p:nvSpPr>
+          <p:cNvPr id="6" name="Footer Placeholder 5"/>
+          <p:cNvSpPr>
+            <a:spLocks noGrp="1"/>
+          </p:cNvSpPr>
+          <p:nvPr>
+            <p:ph type="ftr" sz="quarter" idx="4"/>
+          </p:nvPr>
+        </p:nvSpPr>
+        <p:spPr>
+          <a:xfrm>
+            <a:off x="0" y="8685213"/>
+            <a:ext cx="2971800" cy="458787"/>
+          </a:xfrm>
+          <a:prstGeom prst="rect">
+            <a:avLst/>
+          </a:prstGeom>
+        </p:spPr>
+        <p:txBody>
+          <a:bodyPr vert="horz" lIns="91440" tIns="45720" rIns="91440" bIns="45720" rtlCol="0" anchor="b"/>
+          <a:lstStyle>
+            <a:lvl1pPr algn="l">
+              <a:defRPr sz="1200"/>
+            </a:lvl1pPr>
+          </a:lstStyle>
+          <a:p>
+            <a:endParaRPr lang="en-PH"/>
+          </a:p>
+        </p:txBody>
+      </p:sp>
+      <p:sp>
+        <p:nvSpPr>
+          <p:cNvPr id="7" name="Slide Number Placeholder 6"/>
+          <p:cNvSpPr>
+            <a:spLocks noGrp="1"/>
+          </p:cNvSpPr>
+          <p:nvPr>
+            <p:ph type="sldNum" sz="quarter" idx="5"/>
+          </p:nvPr>
+        </p:nvSpPr>
+        <p:spPr>
+          <a:xfrm>
+            <a:off x="3884613" y="8685213"/>
+            <a:ext cx="2971800" cy="458787"/>
+          </a:xfrm>
+          <a:prstGeom prst="rect">
+            <a:avLst/>
+          </a:prstGeom>
+        </p:spPr>
+        <p:txBody>
+          <a:bodyPr vert="horz" lIns="91440" tIns="45720" rIns="91440" bIns="45720" rtlCol="0" anchor="b"/>
+          <a:lstStyle>
+            <a:lvl1pPr algn="r">
+              <a:defRPr sz="1200"/>
+            </a:lvl1pPr>
+          </a:lstStyle>
+          <a:p>
+            <a:fld id="{29C2648A-57CB-401D-BF5C-708A59FB5531}" type="slidenum">
+              <a:rPr lang="en-PH" smtClean="0"/>
+              <a:t>‹#›</a:t>
+            </a:fld>
+            <a:endParaRPr lang="en-PH"/>
+          </a:p>
+        </p:txBody>
+      </p:sp>
+    </p:spTree>
+    <p:extLst>
+      <p:ext uri="{BB962C8B-B14F-4D97-AF65-F5344CB8AC3E}">
+        <p14:creationId xmlns:p14="http://schemas.microsoft.com/office/powerpoint/2010/main" val="4005735679"/>
+      </p:ext>
+    </p:extLst>
+  </p:cSld>
+  <p:clrMap bg1="lt1" tx1="dk1" bg2="lt2" tx2="dk2" accent1="accent1" accent2="accent2" accent3="accent3" accent4="accent4" accent5="accent5" accent6="accent6" hlink="hlink" folHlink="folHlink"/>
+  <p:notesStyle>
+    <a:lvl1pPr marL="0" algn="l" defTabSz="914400" rtl="0" eaLnBrk="1" latinLnBrk="0" hangingPunct="1">
+      <a:defRPr sz="1200" kern="1200">
+        <a:solidFill>
+          <a:schemeClr val="tx1"/>
+        </a:solidFill>
+        <a:latin typeface="+mn-lt"/>
+        <a:ea typeface="+mn-ea"/>
+        <a:cs typeface="+mn-cs"/>
+      </a:defRPr>
+    </a:lvl1pPr>
+    <a:lvl2pPr marL="457200" algn="l" defTabSz="914400" rtl="0" eaLnBrk="1" latinLnBrk="0" hangingPunct="1">
+      <a:defRPr sz="1200" kern="1200">
+        <a:solidFill>
+          <a:schemeClr val="tx1"/>
+        </a:solidFill>
+        <a:latin typeface="+mn-lt"/>
+        <a:ea typeface="+mn-ea"/>
+        <a:cs typeface="+mn-cs"/>
+      </a:defRPr>
+    </a:lvl2pPr>
+    <a:lvl3pPr marL="914400" algn="l" defTabSz="914400" rtl="0" eaLnBrk="1" latinLnBrk="0" hangingPunct="1">
+      <a:defRPr sz="1200" kern="1200">
+        <a:solidFill>
+          <a:schemeClr val="tx1"/>
+        </a:solidFill>
+        <a:latin typeface="+mn-lt"/>
+        <a:ea typeface="+mn-ea"/>
+        <a:cs typeface="+mn-cs"/>
+      </a:defRPr>
+    </a:lvl3pPr>
+    <a:lvl4pPr marL="1371600" algn="l" defTabSz="914400" rtl="0" eaLnBrk="1" latinLnBrk="0" hangingPunct="1">
+      <a:defRPr sz="1200" kern="1200">
+        <a:solidFill>
+          <a:schemeClr val="tx1"/>
+        </a:solidFill>
+        <a:latin typeface="+mn-lt"/>
+        <a:ea typeface="+mn-ea"/>
+        <a:cs typeface="+mn-cs"/>
+      </a:defRPr>
+    </a:lvl4pPr>
+    <a:lvl5pPr marL="1828800" algn="l" defTabSz="914400" rtl="0" eaLnBrk="1" latinLnBrk="0" hangingPunct="1">
+      <a:defRPr sz="1200" kern="1200">
+        <a:solidFill>
+          <a:schemeClr val="tx1"/>
+        </a:solidFill>
+        <a:latin typeface="+mn-lt"/>
+        <a:ea typeface="+mn-ea"/>
+        <a:cs typeface="+mn-cs"/>
+      </a:defRPr>
+    </a:lvl5pPr>
+    <a:lvl6pPr marL="2286000" algn="l" defTabSz="914400" rtl="0" eaLnBrk="1" latinLnBrk="0" hangingPunct="1">
+      <a:defRPr sz="1200" kern="1200">
+        <a:solidFill>
+          <a:schemeClr val="tx1"/>
+        </a:solidFill>
+        <a:latin typeface="+mn-lt"/>
+        <a:ea typeface="+mn-ea"/>
+        <a:cs typeface="+mn-cs"/>
+      </a:defRPr>
+    </a:lvl6pPr>
+    <a:lvl7pPr marL="2743200" algn="l" defTabSz="914400" rtl="0" eaLnBrk="1" latinLnBrk="0" hangingPunct="1">
+      <a:defRPr sz="1200" kern="1200">
+        <a:solidFill>
+          <a:schemeClr val="tx1"/>
+        </a:solidFill>
+        <a:latin typeface="+mn-lt"/>
+        <a:ea typeface="+mn-ea"/>
+        <a:cs typeface="+mn-cs"/>
+      </a:defRPr>
+    </a:lvl7pPr>
+    <a:lvl8pPr marL="3200400" algn="l" defTabSz="914400" rtl="0" eaLnBrk="1" latinLnBrk="0" hangingPunct="1">
+      <a:defRPr sz="1200" kern="1200">
+        <a:solidFill>
+          <a:schemeClr val="tx1"/>
+        </a:solidFill>
+        <a:latin typeface="+mn-lt"/>
+        <a:ea typeface="+mn-ea"/>
+        <a:cs typeface="+mn-cs"/>
+      </a:defRPr>
+    </a:lvl8pPr>
+    <a:lvl9pPr marL="3657600" algn="l" defTabSz="914400" rtl="0" eaLnBrk="1" latinLnBrk="0" hangingPunct="1">
+      <a:defRPr sz="1200" kern="1200">
+        <a:solidFill>
+          <a:schemeClr val="tx1"/>
+        </a:solidFill>
+        <a:latin typeface="+mn-lt"/>
+        <a:ea typeface="+mn-ea"/>
+        <a:cs typeface="+mn-cs"/>
+      </a:defRPr>
+    </a:lvl9pPr>
+  </p:notesStyle>
+</p:notesMaster>
+</file>
+
+<file path=ppt/notesSlides/notesSlide1.xml><?xml version="1.0" encoding="utf-8"?>
+<p:notes xmlns:a="http://schemas.openxmlformats.org/drawingml/2006/main" xmlns:r="http://schemas.openxmlformats.org/officeDocument/2006/relationships" xmlns:p="http://schemas.openxmlformats.org/presentationml/2006/main">
+  <p:cSld>
+    <p:spTree>
+      <p:nvGrpSpPr>
+        <p:cNvPr id="1" name=""/>
+        <p:cNvGrpSpPr/>
+        <p:nvPr/>
+      </p:nvGrpSpPr>
+      <p:grpSpPr>
+        <a:xfrm>
+          <a:off x="0" y="0"/>
+          <a:ext cx="0" cy="0"/>
+          <a:chOff x="0" y="0"/>
+          <a:chExt cx="0" cy="0"/>
+        </a:xfrm>
+      </p:grpSpPr>
+      <p:sp>
+        <p:nvSpPr>
+          <p:cNvPr id="2" name="Slide Image Placeholder 1"/>
+          <p:cNvSpPr>
+            <a:spLocks noGrp="1" noRot="1" noChangeAspect="1"/>
+          </p:cNvSpPr>
+          <p:nvPr>
+            <p:ph type="sldImg"/>
+          </p:nvPr>
+        </p:nvSpPr>
+        <p:spPr/>
+      </p:sp>
+      <p:sp>
+        <p:nvSpPr>
+          <p:cNvPr id="3" name="Notes Placeholder 2"/>
+          <p:cNvSpPr>
+            <a:spLocks noGrp="1"/>
+          </p:cNvSpPr>
+          <p:nvPr>
+            <p:ph type="body" idx="1"/>
+          </p:nvPr>
+        </p:nvSpPr>
+        <p:spPr/>
+        <p:txBody>
+          <a:bodyPr/>
+          <a:lstStyle/>
+          <a:p>
+            <a:r>
+              <a:rPr lang="en-PH" dirty="0"/>
+              <a:t>Wider</a:t>
+            </a:r>
+            <a:r>
+              <a:rPr lang="en-PH" baseline="0" dirty="0"/>
+              <a:t> scope compared to the previous title </a:t>
+            </a:r>
+            <a:r>
+              <a:rPr lang="en-PH" sz="1600" baseline="0" dirty="0"/>
+              <a:t>“The Effect of Palmar Hyperhidrosis on Smartphone Usage in Metro Manila”</a:t>
+            </a:r>
+          </a:p>
+          <a:p>
+            <a:endParaRPr lang="en-PH" dirty="0"/>
+          </a:p>
+        </p:txBody>
+      </p:sp>
+      <p:sp>
+        <p:nvSpPr>
+          <p:cNvPr id="4" name="Slide Number Placeholder 3"/>
+          <p:cNvSpPr>
+            <a:spLocks noGrp="1"/>
+          </p:cNvSpPr>
+          <p:nvPr>
+            <p:ph type="sldNum" sz="quarter" idx="10"/>
+          </p:nvPr>
+        </p:nvSpPr>
+        <p:spPr/>
+        <p:txBody>
+          <a:bodyPr/>
+          <a:lstStyle/>
+          <a:p>
+            <a:fld id="{29C2648A-57CB-401D-BF5C-708A59FB5531}" type="slidenum">
+              <a:rPr lang="en-PH" smtClean="0"/>
+              <a:t>1</a:t>
+            </a:fld>
+            <a:endParaRPr lang="en-PH"/>
+          </a:p>
+        </p:txBody>
+      </p:sp>
+    </p:spTree>
+    <p:extLst>
+      <p:ext uri="{BB962C8B-B14F-4D97-AF65-F5344CB8AC3E}">
+        <p14:creationId xmlns:p14="http://schemas.microsoft.com/office/powerpoint/2010/main" val="3712670181"/>
+      </p:ext>
+    </p:extLst>
+  </p:cSld>
+  <p:clrMapOvr>
+    <a:masterClrMapping/>
+  </p:clrMapOvr>
+</p:notes>
 </file>
 
 <file path=ppt/slideLayouts/slideLayout1.xml><?xml version="1.0" encoding="utf-8"?>
@@ -5550,8 +6003,8 @@
           <a:p>
             <a:pPr lvl="1"/>
             <a:r>
-              <a:rPr lang="en-PH" sz="2000" dirty="0"/>
-              <a:t>Cause of Mistake?</a:t>
+              <a:rPr lang="en-PH" sz="2000"/>
+              <a:t>Root Cause?</a:t>
             </a:r>
             <a:endParaRPr lang="en-PH" sz="2800" dirty="0"/>
           </a:p>
@@ -5687,7 +6140,7 @@
         </p:nvSpPr>
         <p:spPr>
           <a:xfrm>
-            <a:off x="309093" y="3290211"/>
+            <a:off x="309093" y="3271161"/>
             <a:ext cx="3438659" cy="2059658"/>
           </a:xfrm>
           <a:prstGeom prst="rect">
@@ -6668,6 +7121,443 @@
 </p:sld>
 </file>
 
+<file path=ppt/slides/slide3.xml><?xml version="1.0" encoding="utf-8"?>
+<p:sld xmlns:a="http://schemas.openxmlformats.org/drawingml/2006/main" xmlns:r="http://schemas.openxmlformats.org/officeDocument/2006/relationships" xmlns:p="http://schemas.openxmlformats.org/presentationml/2006/main">
+  <p:cSld>
+    <p:spTree>
+      <p:nvGrpSpPr>
+        <p:cNvPr id="1" name=""/>
+        <p:cNvGrpSpPr/>
+        <p:nvPr/>
+      </p:nvGrpSpPr>
+      <p:grpSpPr>
+        <a:xfrm>
+          <a:off x="0" y="0"/>
+          <a:ext cx="0" cy="0"/>
+          <a:chOff x="0" y="0"/>
+          <a:chExt cx="0" cy="0"/>
+        </a:xfrm>
+      </p:grpSpPr>
+      <p:sp>
+        <p:nvSpPr>
+          <p:cNvPr id="2" name="Title 1"/>
+          <p:cNvSpPr>
+            <a:spLocks noGrp="1"/>
+          </p:cNvSpPr>
+          <p:nvPr>
+            <p:ph type="title"/>
+          </p:nvPr>
+        </p:nvSpPr>
+        <p:spPr>
+          <a:xfrm>
+            <a:off x="752850" y="599588"/>
+            <a:ext cx="10571998" cy="970450"/>
+          </a:xfrm>
+        </p:spPr>
+        <p:txBody>
+          <a:bodyPr/>
+          <a:lstStyle/>
+          <a:p>
+            <a:r>
+              <a:rPr lang="en-PH" sz="6600" dirty="0"/>
+              <a:t>Objectives</a:t>
+            </a:r>
+          </a:p>
+        </p:txBody>
+      </p:sp>
+      <p:sp>
+        <p:nvSpPr>
+          <p:cNvPr id="3" name="Content Placeholder 2"/>
+          <p:cNvSpPr>
+            <a:spLocks noGrp="1"/>
+          </p:cNvSpPr>
+          <p:nvPr>
+            <p:ph idx="1"/>
+          </p:nvPr>
+        </p:nvSpPr>
+        <p:spPr>
+          <a:xfrm>
+            <a:off x="1104462" y="2050837"/>
+            <a:ext cx="10554574" cy="3636511"/>
+          </a:xfrm>
+        </p:spPr>
+        <p:txBody>
+          <a:bodyPr>
+            <a:normAutofit/>
+          </a:bodyPr>
+          <a:lstStyle/>
+          <a:p>
+            <a:r>
+              <a:rPr lang="en-PH" sz="4800" dirty="0"/>
+              <a:t>Increase User Satisfaction</a:t>
+            </a:r>
+          </a:p>
+          <a:p>
+            <a:r>
+              <a:rPr lang="en-PH" sz="4800" dirty="0"/>
+              <a:t>Touch Calibrating Software</a:t>
+            </a:r>
+          </a:p>
+          <a:p>
+            <a:r>
+              <a:rPr lang="en-PH" sz="4800" dirty="0"/>
+              <a:t>Root Cause</a:t>
+            </a:r>
+          </a:p>
+        </p:txBody>
+      </p:sp>
+    </p:spTree>
+    <p:extLst>
+      <p:ext uri="{BB962C8B-B14F-4D97-AF65-F5344CB8AC3E}">
+        <p14:creationId xmlns:p14="http://schemas.microsoft.com/office/powerpoint/2010/main" val="2222870096"/>
+      </p:ext>
+    </p:extLst>
+  </p:cSld>
+  <p:clrMapOvr>
+    <a:masterClrMapping/>
+  </p:clrMapOvr>
+  <p:timing>
+    <p:tnLst>
+      <p:par>
+        <p:cTn id="1" dur="indefinite" restart="never" nodeType="tmRoot">
+          <p:childTnLst>
+            <p:seq concurrent="1" nextAc="seek">
+              <p:cTn id="2" dur="indefinite" nodeType="mainSeq">
+                <p:childTnLst>
+                  <p:par>
+                    <p:cTn id="3" fill="hold">
+                      <p:stCondLst>
+                        <p:cond delay="indefinite"/>
+                      </p:stCondLst>
+                      <p:childTnLst>
+                        <p:par>
+                          <p:cTn id="4" fill="hold">
+                            <p:stCondLst>
+                              <p:cond delay="0"/>
+                            </p:stCondLst>
+                            <p:childTnLst>
+                              <p:par>
+                                <p:cTn id="5" presetID="2" presetClass="entr" presetSubtype="4" fill="hold" nodeType="clickEffect">
+                                  <p:stCondLst>
+                                    <p:cond delay="0"/>
+                                  </p:stCondLst>
+                                  <p:childTnLst>
+                                    <p:set>
+                                      <p:cBhvr>
+                                        <p:cTn id="6" dur="1" fill="hold">
+                                          <p:stCondLst>
+                                            <p:cond delay="0"/>
+                                          </p:stCondLst>
+                                        </p:cTn>
+                                        <p:tgtEl>
+                                          <p:spTgt spid="3">
+                                            <p:txEl>
+                                              <p:pRg st="0" end="0"/>
+                                            </p:txEl>
+                                          </p:spTgt>
+                                        </p:tgtEl>
+                                        <p:attrNameLst>
+                                          <p:attrName>style.visibility</p:attrName>
+                                        </p:attrNameLst>
+                                      </p:cBhvr>
+                                      <p:to>
+                                        <p:strVal val="visible"/>
+                                      </p:to>
+                                    </p:set>
+                                    <p:anim calcmode="lin" valueType="num">
+                                      <p:cBhvr additive="base">
+                                        <p:cTn id="7" dur="500" fill="hold"/>
+                                        <p:tgtEl>
+                                          <p:spTgt spid="3">
+                                            <p:txEl>
+                                              <p:pRg st="0" end="0"/>
+                                            </p:txEl>
+                                          </p:spTgt>
+                                        </p:tgtEl>
+                                        <p:attrNameLst>
+                                          <p:attrName>ppt_x</p:attrName>
+                                        </p:attrNameLst>
+                                      </p:cBhvr>
+                                      <p:tavLst>
+                                        <p:tav tm="0">
+                                          <p:val>
+                                            <p:strVal val="#ppt_x"/>
+                                          </p:val>
+                                        </p:tav>
+                                        <p:tav tm="100000">
+                                          <p:val>
+                                            <p:strVal val="#ppt_x"/>
+                                          </p:val>
+                                        </p:tav>
+                                      </p:tavLst>
+                                    </p:anim>
+                                    <p:anim calcmode="lin" valueType="num">
+                                      <p:cBhvr additive="base">
+                                        <p:cTn id="8" dur="500" fill="hold"/>
+                                        <p:tgtEl>
+                                          <p:spTgt spid="3">
+                                            <p:txEl>
+                                              <p:pRg st="0" end="0"/>
+                                            </p:txEl>
+                                          </p:spTgt>
+                                        </p:tgtEl>
+                                        <p:attrNameLst>
+                                          <p:attrName>ppt_y</p:attrName>
+                                        </p:attrNameLst>
+                                      </p:cBhvr>
+                                      <p:tavLst>
+                                        <p:tav tm="0">
+                                          <p:val>
+                                            <p:strVal val="1+#ppt_h/2"/>
+                                          </p:val>
+                                        </p:tav>
+                                        <p:tav tm="100000">
+                                          <p:val>
+                                            <p:strVal val="#ppt_y"/>
+                                          </p:val>
+                                        </p:tav>
+                                      </p:tavLst>
+                                    </p:anim>
+                                  </p:childTnLst>
+                                </p:cTn>
+                              </p:par>
+                            </p:childTnLst>
+                          </p:cTn>
+                        </p:par>
+                      </p:childTnLst>
+                    </p:cTn>
+                  </p:par>
+                  <p:par>
+                    <p:cTn id="9" fill="hold">
+                      <p:stCondLst>
+                        <p:cond delay="indefinite"/>
+                      </p:stCondLst>
+                      <p:childTnLst>
+                        <p:par>
+                          <p:cTn id="10" fill="hold">
+                            <p:stCondLst>
+                              <p:cond delay="0"/>
+                            </p:stCondLst>
+                            <p:childTnLst>
+                              <p:par>
+                                <p:cTn id="11" presetID="2" presetClass="entr" presetSubtype="4" fill="hold" nodeType="clickEffect">
+                                  <p:stCondLst>
+                                    <p:cond delay="0"/>
+                                  </p:stCondLst>
+                                  <p:childTnLst>
+                                    <p:set>
+                                      <p:cBhvr>
+                                        <p:cTn id="12" dur="1" fill="hold">
+                                          <p:stCondLst>
+                                            <p:cond delay="0"/>
+                                          </p:stCondLst>
+                                        </p:cTn>
+                                        <p:tgtEl>
+                                          <p:spTgt spid="3">
+                                            <p:txEl>
+                                              <p:pRg st="1" end="1"/>
+                                            </p:txEl>
+                                          </p:spTgt>
+                                        </p:tgtEl>
+                                        <p:attrNameLst>
+                                          <p:attrName>style.visibility</p:attrName>
+                                        </p:attrNameLst>
+                                      </p:cBhvr>
+                                      <p:to>
+                                        <p:strVal val="visible"/>
+                                      </p:to>
+                                    </p:set>
+                                    <p:anim calcmode="lin" valueType="num">
+                                      <p:cBhvr additive="base">
+                                        <p:cTn id="13" dur="500" fill="hold"/>
+                                        <p:tgtEl>
+                                          <p:spTgt spid="3">
+                                            <p:txEl>
+                                              <p:pRg st="1" end="1"/>
+                                            </p:txEl>
+                                          </p:spTgt>
+                                        </p:tgtEl>
+                                        <p:attrNameLst>
+                                          <p:attrName>ppt_x</p:attrName>
+                                        </p:attrNameLst>
+                                      </p:cBhvr>
+                                      <p:tavLst>
+                                        <p:tav tm="0">
+                                          <p:val>
+                                            <p:strVal val="#ppt_x"/>
+                                          </p:val>
+                                        </p:tav>
+                                        <p:tav tm="100000">
+                                          <p:val>
+                                            <p:strVal val="#ppt_x"/>
+                                          </p:val>
+                                        </p:tav>
+                                      </p:tavLst>
+                                    </p:anim>
+                                    <p:anim calcmode="lin" valueType="num">
+                                      <p:cBhvr additive="base">
+                                        <p:cTn id="14" dur="500" fill="hold"/>
+                                        <p:tgtEl>
+                                          <p:spTgt spid="3">
+                                            <p:txEl>
+                                              <p:pRg st="1" end="1"/>
+                                            </p:txEl>
+                                          </p:spTgt>
+                                        </p:tgtEl>
+                                        <p:attrNameLst>
+                                          <p:attrName>ppt_y</p:attrName>
+                                        </p:attrNameLst>
+                                      </p:cBhvr>
+                                      <p:tavLst>
+                                        <p:tav tm="0">
+                                          <p:val>
+                                            <p:strVal val="1+#ppt_h/2"/>
+                                          </p:val>
+                                        </p:tav>
+                                        <p:tav tm="100000">
+                                          <p:val>
+                                            <p:strVal val="#ppt_y"/>
+                                          </p:val>
+                                        </p:tav>
+                                      </p:tavLst>
+                                    </p:anim>
+                                  </p:childTnLst>
+                                </p:cTn>
+                              </p:par>
+                            </p:childTnLst>
+                          </p:cTn>
+                        </p:par>
+                      </p:childTnLst>
+                    </p:cTn>
+                  </p:par>
+                  <p:par>
+                    <p:cTn id="15" fill="hold">
+                      <p:stCondLst>
+                        <p:cond delay="indefinite"/>
+                      </p:stCondLst>
+                      <p:childTnLst>
+                        <p:par>
+                          <p:cTn id="16" fill="hold">
+                            <p:stCondLst>
+                              <p:cond delay="0"/>
+                            </p:stCondLst>
+                            <p:childTnLst>
+                              <p:par>
+                                <p:cTn id="17" presetID="2" presetClass="entr" presetSubtype="4" fill="hold" nodeType="clickEffect">
+                                  <p:stCondLst>
+                                    <p:cond delay="0"/>
+                                  </p:stCondLst>
+                                  <p:childTnLst>
+                                    <p:set>
+                                      <p:cBhvr>
+                                        <p:cTn id="18" dur="1" fill="hold">
+                                          <p:stCondLst>
+                                            <p:cond delay="0"/>
+                                          </p:stCondLst>
+                                        </p:cTn>
+                                        <p:tgtEl>
+                                          <p:spTgt spid="3">
+                                            <p:txEl>
+                                              <p:pRg st="2" end="2"/>
+                                            </p:txEl>
+                                          </p:spTgt>
+                                        </p:tgtEl>
+                                        <p:attrNameLst>
+                                          <p:attrName>style.visibility</p:attrName>
+                                        </p:attrNameLst>
+                                      </p:cBhvr>
+                                      <p:to>
+                                        <p:strVal val="visible"/>
+                                      </p:to>
+                                    </p:set>
+                                    <p:anim calcmode="lin" valueType="num">
+                                      <p:cBhvr additive="base">
+                                        <p:cTn id="19" dur="500" fill="hold"/>
+                                        <p:tgtEl>
+                                          <p:spTgt spid="3">
+                                            <p:txEl>
+                                              <p:pRg st="2" end="2"/>
+                                            </p:txEl>
+                                          </p:spTgt>
+                                        </p:tgtEl>
+                                        <p:attrNameLst>
+                                          <p:attrName>ppt_x</p:attrName>
+                                        </p:attrNameLst>
+                                      </p:cBhvr>
+                                      <p:tavLst>
+                                        <p:tav tm="0">
+                                          <p:val>
+                                            <p:strVal val="#ppt_x"/>
+                                          </p:val>
+                                        </p:tav>
+                                        <p:tav tm="100000">
+                                          <p:val>
+                                            <p:strVal val="#ppt_x"/>
+                                          </p:val>
+                                        </p:tav>
+                                      </p:tavLst>
+                                    </p:anim>
+                                    <p:anim calcmode="lin" valueType="num">
+                                      <p:cBhvr additive="base">
+                                        <p:cTn id="20" dur="500" fill="hold"/>
+                                        <p:tgtEl>
+                                          <p:spTgt spid="3">
+                                            <p:txEl>
+                                              <p:pRg st="2" end="2"/>
+                                            </p:txEl>
+                                          </p:spTgt>
+                                        </p:tgtEl>
+                                        <p:attrNameLst>
+                                          <p:attrName>ppt_y</p:attrName>
+                                        </p:attrNameLst>
+                                      </p:cBhvr>
+                                      <p:tavLst>
+                                        <p:tav tm="0">
+                                          <p:val>
+                                            <p:strVal val="1+#ppt_h/2"/>
+                                          </p:val>
+                                        </p:tav>
+                                        <p:tav tm="100000">
+                                          <p:val>
+                                            <p:strVal val="#ppt_y"/>
+                                          </p:val>
+                                        </p:tav>
+                                      </p:tavLst>
+                                    </p:anim>
+                                  </p:childTnLst>
+                                </p:cTn>
+                              </p:par>
+                            </p:childTnLst>
+                          </p:cTn>
+                        </p:par>
+                      </p:childTnLst>
+                    </p:cTn>
+                  </p:par>
+                </p:childTnLst>
+              </p:cTn>
+              <p:prevCondLst>
+                <p:cond evt="onPrev" delay="0">
+                  <p:tgtEl>
+                    <p:sldTgt/>
+                  </p:tgtEl>
+                </p:cond>
+              </p:prevCondLst>
+              <p:nextCondLst>
+                <p:cond evt="onNext" delay="0">
+                  <p:tgtEl>
+                    <p:sldTgt/>
+                  </p:tgtEl>
+                </p:cond>
+              </p:nextCondLst>
+            </p:seq>
+          </p:childTnLst>
+        </p:cTn>
+      </p:par>
+    </p:tnLst>
+  </p:timing>
+</p:sld>
+</file>
+
 <file path=ppt/theme/theme1.xml><?xml version="1.0" encoding="utf-8"?>
 <a:theme xmlns:a="http://schemas.openxmlformats.org/drawingml/2006/main" name="Quotable">
   <a:themeElements>
@@ -6903,4 +7793,299 @@
     </a:ext>
   </a:extLst>
 </a:theme>
+</file>
+
+<file path=ppt/theme/theme2.xml><?xml version="1.0" encoding="utf-8"?>
+<a:theme xmlns:a="http://schemas.openxmlformats.org/drawingml/2006/main" name="Office Theme">
+  <a:themeElements>
+    <a:clrScheme name="Office">
+      <a:dk1>
+        <a:sysClr val="windowText" lastClr="000000"/>
+      </a:dk1>
+      <a:lt1>
+        <a:sysClr val="window" lastClr="FFFFFF"/>
+      </a:lt1>
+      <a:dk2>
+        <a:srgbClr val="44546A"/>
+      </a:dk2>
+      <a:lt2>
+        <a:srgbClr val="E7E6E6"/>
+      </a:lt2>
+      <a:accent1>
+        <a:srgbClr val="4472C4"/>
+      </a:accent1>
+      <a:accent2>
+        <a:srgbClr val="ED7D31"/>
+      </a:accent2>
+      <a:accent3>
+        <a:srgbClr val="A5A5A5"/>
+      </a:accent3>
+      <a:accent4>
+        <a:srgbClr val="FFC000"/>
+      </a:accent4>
+      <a:accent5>
+        <a:srgbClr val="5B9BD5"/>
+      </a:accent5>
+      <a:accent6>
+        <a:srgbClr val="70AD47"/>
+      </a:accent6>
+      <a:hlink>
+        <a:srgbClr val="0563C1"/>
+      </a:hlink>
+      <a:folHlink>
+        <a:srgbClr val="954F72"/>
+      </a:folHlink>
+    </a:clrScheme>
+    <a:fontScheme name="Office">
+      <a:majorFont>
+        <a:latin typeface="Calibri Light" panose="020F0302020204030204"/>
+        <a:ea typeface=""/>
+        <a:cs typeface=""/>
+        <a:font script="Jpan" typeface="游ゴシック Light"/>
+        <a:font script="Hang" typeface="맑은 고딕"/>
+        <a:font script="Hans" typeface="等线 Light"/>
+        <a:font script="Hant" typeface="新細明體"/>
+        <a:font script="Arab" typeface="Times New Roman"/>
+        <a:font script="Hebr" typeface="Times New Roman"/>
+        <a:font script="Thai" typeface="Angsana New"/>
+        <a:font script="Ethi" typeface="Nyala"/>
+        <a:font script="Beng" typeface="Vrinda"/>
+        <a:font script="Gujr" typeface="Shruti"/>
+        <a:font script="Khmr" typeface="MoolBoran"/>
+        <a:font script="Knda" typeface="Tunga"/>
+        <a:font script="Guru" typeface="Raavi"/>
+        <a:font script="Cans" typeface="Euphemia"/>
+        <a:font script="Cher" typeface="Plantagenet Cherokee"/>
+        <a:font script="Yiii" typeface="Microsoft Yi Baiti"/>
+        <a:font script="Tibt" typeface="Microsoft Himalaya"/>
+        <a:font script="Thaa" typeface="MV Boli"/>
+        <a:font script="Deva" typeface="Mangal"/>
+        <a:font script="Telu" typeface="Gautami"/>
+        <a:font script="Taml" typeface="Latha"/>
+        <a:font script="Syrc" typeface="Estrangelo Edessa"/>
+        <a:font script="Orya" typeface="Kalinga"/>
+        <a:font script="Mlym" typeface="Kartika"/>
+        <a:font script="Laoo" typeface="DokChampa"/>
+        <a:font script="Sinh" typeface="Iskoola Pota"/>
+        <a:font script="Mong" typeface="Mongolian Baiti"/>
+        <a:font script="Viet" typeface="Times New Roman"/>
+        <a:font script="Uigh" typeface="Microsoft Uighur"/>
+        <a:font script="Geor" typeface="Sylfaen"/>
+        <a:font script="Armn" typeface="Arial"/>
+        <a:font script="Bugi" typeface="Leelawadee UI"/>
+        <a:font script="Bopo" typeface="Microsoft JhengHei"/>
+        <a:font script="Java" typeface="Javanese Text"/>
+        <a:font script="Lisu" typeface="Segoe UI"/>
+        <a:font script="Mymr" typeface="Myanmar Text"/>
+        <a:font script="Nkoo" typeface="Ebrima"/>
+        <a:font script="Olck" typeface="Nirmala UI"/>
+        <a:font script="Osma" typeface="Ebrima"/>
+        <a:font script="Phag" typeface="Phagspa"/>
+        <a:font script="Syrn" typeface="Estrangelo Edessa"/>
+        <a:font script="Syrj" typeface="Estrangelo Edessa"/>
+        <a:font script="Syre" typeface="Estrangelo Edessa"/>
+        <a:font script="Sora" typeface="Nirmala UI"/>
+        <a:font script="Tale" typeface="Microsoft Tai Le"/>
+        <a:font script="Talu" typeface="Microsoft New Tai Lue"/>
+        <a:font script="Tfng" typeface="Ebrima"/>
+      </a:majorFont>
+      <a:minorFont>
+        <a:latin typeface="Calibri" panose="020F0502020204030204"/>
+        <a:ea typeface=""/>
+        <a:cs typeface=""/>
+        <a:font script="Jpan" typeface="游ゴシック"/>
+        <a:font script="Hang" typeface="맑은 고딕"/>
+        <a:font script="Hans" typeface="等线"/>
+        <a:font script="Hant" typeface="新細明體"/>
+        <a:font script="Arab" typeface="Arial"/>
+        <a:font script="Hebr" typeface="Arial"/>
+        <a:font script="Thai" typeface="Cordia New"/>
+        <a:font script="Ethi" typeface="Nyala"/>
+        <a:font script="Beng" typeface="Vrinda"/>
+        <a:font script="Gujr" typeface="Shruti"/>
+        <a:font script="Khmr" typeface="DaunPenh"/>
+        <a:font script="Knda" typeface="Tunga"/>
+        <a:font script="Guru" typeface="Raavi"/>
+        <a:font script="Cans" typeface="Euphemia"/>
+        <a:font script="Cher" typeface="Plantagenet Cherokee"/>
+        <a:font script="Yiii" typeface="Microsoft Yi Baiti"/>
+        <a:font script="Tibt" typeface="Microsoft Himalaya"/>
+        <a:font script="Thaa" typeface="MV Boli"/>
+        <a:font script="Deva" typeface="Mangal"/>
+        <a:font script="Telu" typeface="Gautami"/>
+        <a:font script="Taml" typeface="Latha"/>
+        <a:font script="Syrc" typeface="Estrangelo Edessa"/>
+        <a:font script="Orya" typeface="Kalinga"/>
+        <a:font script="Mlym" typeface="Kartika"/>
+        <a:font script="Laoo" typeface="DokChampa"/>
+        <a:font script="Sinh" typeface="Iskoola Pota"/>
+        <a:font script="Mong" typeface="Mongolian Baiti"/>
+        <a:font script="Viet" typeface="Arial"/>
+        <a:font script="Uigh" typeface="Microsoft Uighur"/>
+        <a:font script="Geor" typeface="Sylfaen"/>
+        <a:font script="Armn" typeface="Arial"/>
+        <a:font script="Bugi" typeface="Leelawadee UI"/>
+        <a:font script="Bopo" typeface="Microsoft JhengHei"/>
+        <a:font script="Java" typeface="Javanese Text"/>
+        <a:font script="Lisu" typeface="Segoe UI"/>
+        <a:font script="Mymr" typeface="Myanmar Text"/>
+        <a:font script="Nkoo" typeface="Ebrima"/>
+        <a:font script="Olck" typeface="Nirmala UI"/>
+        <a:font script="Osma" typeface="Ebrima"/>
+        <a:font script="Phag" typeface="Phagspa"/>
+        <a:font script="Syrn" typeface="Estrangelo Edessa"/>
+        <a:font script="Syrj" typeface="Estrangelo Edessa"/>
+        <a:font script="Syre" typeface="Estrangelo Edessa"/>
+        <a:font script="Sora" typeface="Nirmala UI"/>
+        <a:font script="Tale" typeface="Microsoft Tai Le"/>
+        <a:font script="Talu" typeface="Microsoft New Tai Lue"/>
+        <a:font script="Tfng" typeface="Ebrima"/>
+      </a:minorFont>
+    </a:fontScheme>
+    <a:fmtScheme name="Office">
+      <a:fillStyleLst>
+        <a:solidFill>
+          <a:schemeClr val="phClr"/>
+        </a:solidFill>
+        <a:gradFill rotWithShape="1">
+          <a:gsLst>
+            <a:gs pos="0">
+              <a:schemeClr val="phClr">
+                <a:lumMod val="110000"/>
+                <a:satMod val="105000"/>
+                <a:tint val="67000"/>
+              </a:schemeClr>
+            </a:gs>
+            <a:gs pos="50000">
+              <a:schemeClr val="phClr">
+                <a:lumMod val="105000"/>
+                <a:satMod val="103000"/>
+                <a:tint val="73000"/>
+              </a:schemeClr>
+            </a:gs>
+            <a:gs pos="100000">
+              <a:schemeClr val="phClr">
+                <a:lumMod val="105000"/>
+                <a:satMod val="109000"/>
+                <a:tint val="81000"/>
+              </a:schemeClr>
+            </a:gs>
+          </a:gsLst>
+          <a:lin ang="5400000" scaled="0"/>
+        </a:gradFill>
+        <a:gradFill rotWithShape="1">
+          <a:gsLst>
+            <a:gs pos="0">
+              <a:schemeClr val="phClr">
+                <a:satMod val="103000"/>
+                <a:lumMod val="102000"/>
+                <a:tint val="94000"/>
+              </a:schemeClr>
+            </a:gs>
+            <a:gs pos="50000">
+              <a:schemeClr val="phClr">
+                <a:satMod val="110000"/>
+                <a:lumMod val="100000"/>
+                <a:shade val="100000"/>
+              </a:schemeClr>
+            </a:gs>
+            <a:gs pos="100000">
+              <a:schemeClr val="phClr">
+                <a:lumMod val="99000"/>
+                <a:satMod val="120000"/>
+                <a:shade val="78000"/>
+              </a:schemeClr>
+            </a:gs>
+          </a:gsLst>
+          <a:lin ang="5400000" scaled="0"/>
+        </a:gradFill>
+      </a:fillStyleLst>
+      <a:lnStyleLst>
+        <a:ln w="6350" cap="flat" cmpd="sng" algn="ctr">
+          <a:solidFill>
+            <a:schemeClr val="phClr"/>
+          </a:solidFill>
+          <a:prstDash val="solid"/>
+          <a:miter lim="800000"/>
+        </a:ln>
+        <a:ln w="12700" cap="flat" cmpd="sng" algn="ctr">
+          <a:solidFill>
+            <a:schemeClr val="phClr"/>
+          </a:solidFill>
+          <a:prstDash val="solid"/>
+          <a:miter lim="800000"/>
+        </a:ln>
+        <a:ln w="19050" cap="flat" cmpd="sng" algn="ctr">
+          <a:solidFill>
+            <a:schemeClr val="phClr"/>
+          </a:solidFill>
+          <a:prstDash val="solid"/>
+          <a:miter lim="800000"/>
+        </a:ln>
+      </a:lnStyleLst>
+      <a:effectStyleLst>
+        <a:effectStyle>
+          <a:effectLst/>
+        </a:effectStyle>
+        <a:effectStyle>
+          <a:effectLst/>
+        </a:effectStyle>
+        <a:effectStyle>
+          <a:effectLst>
+            <a:outerShdw blurRad="57150" dist="19050" dir="5400000" algn="ctr" rotWithShape="0">
+              <a:srgbClr val="000000">
+                <a:alpha val="63000"/>
+              </a:srgbClr>
+            </a:outerShdw>
+          </a:effectLst>
+        </a:effectStyle>
+      </a:effectStyleLst>
+      <a:bgFillStyleLst>
+        <a:solidFill>
+          <a:schemeClr val="phClr"/>
+        </a:solidFill>
+        <a:solidFill>
+          <a:schemeClr val="phClr">
+            <a:tint val="95000"/>
+            <a:satMod val="170000"/>
+          </a:schemeClr>
+        </a:solidFill>
+        <a:gradFill rotWithShape="1">
+          <a:gsLst>
+            <a:gs pos="0">
+              <a:schemeClr val="phClr">
+                <a:tint val="93000"/>
+                <a:satMod val="150000"/>
+                <a:shade val="98000"/>
+                <a:lumMod val="102000"/>
+              </a:schemeClr>
+            </a:gs>
+            <a:gs pos="50000">
+              <a:schemeClr val="phClr">
+                <a:tint val="98000"/>
+                <a:satMod val="130000"/>
+                <a:shade val="90000"/>
+                <a:lumMod val="103000"/>
+              </a:schemeClr>
+            </a:gs>
+            <a:gs pos="100000">
+              <a:schemeClr val="phClr">
+                <a:shade val="63000"/>
+                <a:satMod val="120000"/>
+              </a:schemeClr>
+            </a:gs>
+          </a:gsLst>
+          <a:lin ang="5400000" scaled="0"/>
+        </a:gradFill>
+      </a:bgFillStyleLst>
+    </a:fmtScheme>
+  </a:themeElements>
+  <a:objectDefaults/>
+  <a:extraClrSchemeLst/>
+  <a:extLst>
+    <a:ext uri="{05A4C25C-085E-4340-85A3-A5531E510DB2}">
+      <thm15:themeFamily xmlns:thm15="http://schemas.microsoft.com/office/thememl/2012/main" name="Office Theme" id="{62F939B6-93AF-4DB8-9C6B-D6C7DFDC589F}" vid="{4A3C46E8-61CC-4603-A589-7422A47A8E4A}"/>
+    </a:ext>
+  </a:extLst>
+</a:theme>
 </file>
--- a/Midterm-PPT.pptx
+++ b/Midterm-PPT.pptx
@@ -5,12 +5,26 @@
     <p:sldMasterId id="2147483648" r:id="rId1"/>
   </p:sldMasterIdLst>
   <p:notesMasterIdLst>
-    <p:notesMasterId r:id="rId5"/>
+    <p:notesMasterId r:id="rId19"/>
   </p:notesMasterIdLst>
   <p:sldIdLst>
     <p:sldId id="256" r:id="rId2"/>
     <p:sldId id="257" r:id="rId3"/>
     <p:sldId id="258" r:id="rId4"/>
+    <p:sldId id="260" r:id="rId5"/>
+    <p:sldId id="261" r:id="rId6"/>
+    <p:sldId id="259" r:id="rId7"/>
+    <p:sldId id="262" r:id="rId8"/>
+    <p:sldId id="263" r:id="rId9"/>
+    <p:sldId id="264" r:id="rId10"/>
+    <p:sldId id="265" r:id="rId11"/>
+    <p:sldId id="268" r:id="rId12"/>
+    <p:sldId id="267" r:id="rId13"/>
+    <p:sldId id="266" r:id="rId14"/>
+    <p:sldId id="269" r:id="rId15"/>
+    <p:sldId id="272" r:id="rId16"/>
+    <p:sldId id="271" r:id="rId17"/>
+    <p:sldId id="270" r:id="rId18"/>
   </p:sldIdLst>
   <p:sldSz cx="12192000" cy="6858000"/>
   <p:notesSz cx="6858000" cy="9144000"/>
@@ -121,6 +135,20 @@
           <p14:sldIdLst>
             <p14:sldId id="257"/>
             <p14:sldId id="258"/>
+            <p14:sldId id="260"/>
+            <p14:sldId id="261"/>
+            <p14:sldId id="259"/>
+            <p14:sldId id="262"/>
+            <p14:sldId id="263"/>
+            <p14:sldId id="264"/>
+            <p14:sldId id="265"/>
+            <p14:sldId id="268"/>
+            <p14:sldId id="267"/>
+            <p14:sldId id="266"/>
+            <p14:sldId id="269"/>
+            <p14:sldId id="272"/>
+            <p14:sldId id="271"/>
+            <p14:sldId id="270"/>
           </p14:sldIdLst>
         </p14:section>
       </p14:sectionLst>
@@ -5874,6 +5902,422 @@
 </p:sld>
 </file>
 
+<file path=ppt/slides/slide10.xml><?xml version="1.0" encoding="utf-8"?>
+<p:sld xmlns:a="http://schemas.openxmlformats.org/drawingml/2006/main" xmlns:r="http://schemas.openxmlformats.org/officeDocument/2006/relationships" xmlns:p="http://schemas.openxmlformats.org/presentationml/2006/main">
+  <p:cSld>
+    <p:spTree>
+      <p:nvGrpSpPr>
+        <p:cNvPr id="1" name=""/>
+        <p:cNvGrpSpPr/>
+        <p:nvPr/>
+      </p:nvGrpSpPr>
+      <p:grpSpPr>
+        <a:xfrm>
+          <a:off x="0" y="0"/>
+          <a:ext cx="0" cy="0"/>
+          <a:chOff x="0" y="0"/>
+          <a:chExt cx="0" cy="0"/>
+        </a:xfrm>
+      </p:grpSpPr>
+      <p:sp>
+        <p:nvSpPr>
+          <p:cNvPr id="2" name="Title 1"/>
+          <p:cNvSpPr>
+            <a:spLocks noGrp="1"/>
+          </p:cNvSpPr>
+          <p:nvPr>
+            <p:ph type="title"/>
+          </p:nvPr>
+        </p:nvSpPr>
+        <p:spPr/>
+        <p:txBody>
+          <a:bodyPr/>
+          <a:lstStyle/>
+          <a:p>
+            <a:r>
+              <a:rPr lang="en-PH" sz="6600" dirty="0"/>
+              <a:t>Sequence Diagram</a:t>
+            </a:r>
+          </a:p>
+        </p:txBody>
+      </p:sp>
+    </p:spTree>
+    <p:extLst>
+      <p:ext uri="{BB962C8B-B14F-4D97-AF65-F5344CB8AC3E}">
+        <p14:creationId xmlns:p14="http://schemas.microsoft.com/office/powerpoint/2010/main" val="1948076556"/>
+      </p:ext>
+    </p:extLst>
+  </p:cSld>
+  <p:clrMapOvr>
+    <a:masterClrMapping/>
+  </p:clrMapOvr>
+</p:sld>
+</file>
+
+<file path=ppt/slides/slide11.xml><?xml version="1.0" encoding="utf-8"?>
+<p:sld xmlns:a="http://schemas.openxmlformats.org/drawingml/2006/main" xmlns:r="http://schemas.openxmlformats.org/officeDocument/2006/relationships" xmlns:p="http://schemas.openxmlformats.org/presentationml/2006/main">
+  <p:cSld>
+    <p:spTree>
+      <p:nvGrpSpPr>
+        <p:cNvPr id="1" name=""/>
+        <p:cNvGrpSpPr/>
+        <p:nvPr/>
+      </p:nvGrpSpPr>
+      <p:grpSpPr>
+        <a:xfrm>
+          <a:off x="0" y="0"/>
+          <a:ext cx="0" cy="0"/>
+          <a:chOff x="0" y="0"/>
+          <a:chExt cx="0" cy="0"/>
+        </a:xfrm>
+      </p:grpSpPr>
+      <p:sp>
+        <p:nvSpPr>
+          <p:cNvPr id="2" name="Title 1"/>
+          <p:cNvSpPr>
+            <a:spLocks noGrp="1"/>
+          </p:cNvSpPr>
+          <p:nvPr>
+            <p:ph type="title"/>
+          </p:nvPr>
+        </p:nvSpPr>
+        <p:spPr/>
+        <p:txBody>
+          <a:bodyPr/>
+          <a:lstStyle/>
+          <a:p>
+            <a:r>
+              <a:rPr lang="en-PH" sz="6600" dirty="0"/>
+              <a:t>Communication Diagram</a:t>
+            </a:r>
+          </a:p>
+        </p:txBody>
+      </p:sp>
+    </p:spTree>
+    <p:extLst>
+      <p:ext uri="{BB962C8B-B14F-4D97-AF65-F5344CB8AC3E}">
+        <p14:creationId xmlns:p14="http://schemas.microsoft.com/office/powerpoint/2010/main" val="1300898589"/>
+      </p:ext>
+    </p:extLst>
+  </p:cSld>
+  <p:clrMapOvr>
+    <a:masterClrMapping/>
+  </p:clrMapOvr>
+</p:sld>
+</file>
+
+<file path=ppt/slides/slide12.xml><?xml version="1.0" encoding="utf-8"?>
+<p:sld xmlns:a="http://schemas.openxmlformats.org/drawingml/2006/main" xmlns:r="http://schemas.openxmlformats.org/officeDocument/2006/relationships" xmlns:p="http://schemas.openxmlformats.org/presentationml/2006/main">
+  <p:cSld>
+    <p:spTree>
+      <p:nvGrpSpPr>
+        <p:cNvPr id="1" name=""/>
+        <p:cNvGrpSpPr/>
+        <p:nvPr/>
+      </p:nvGrpSpPr>
+      <p:grpSpPr>
+        <a:xfrm>
+          <a:off x="0" y="0"/>
+          <a:ext cx="0" cy="0"/>
+          <a:chOff x="0" y="0"/>
+          <a:chExt cx="0" cy="0"/>
+        </a:xfrm>
+      </p:grpSpPr>
+      <p:sp>
+        <p:nvSpPr>
+          <p:cNvPr id="2" name="Title 1"/>
+          <p:cNvSpPr>
+            <a:spLocks noGrp="1"/>
+          </p:cNvSpPr>
+          <p:nvPr>
+            <p:ph type="title"/>
+          </p:nvPr>
+        </p:nvSpPr>
+        <p:spPr/>
+        <p:txBody>
+          <a:bodyPr/>
+          <a:lstStyle/>
+          <a:p>
+            <a:r>
+              <a:rPr lang="en-PH" sz="6600" dirty="0"/>
+              <a:t>State Diagram</a:t>
+            </a:r>
+          </a:p>
+        </p:txBody>
+      </p:sp>
+    </p:spTree>
+    <p:extLst>
+      <p:ext uri="{BB962C8B-B14F-4D97-AF65-F5344CB8AC3E}">
+        <p14:creationId xmlns:p14="http://schemas.microsoft.com/office/powerpoint/2010/main" val="908242491"/>
+      </p:ext>
+    </p:extLst>
+  </p:cSld>
+  <p:clrMapOvr>
+    <a:masterClrMapping/>
+  </p:clrMapOvr>
+</p:sld>
+</file>
+
+<file path=ppt/slides/slide13.xml><?xml version="1.0" encoding="utf-8"?>
+<p:sld xmlns:a="http://schemas.openxmlformats.org/drawingml/2006/main" xmlns:r="http://schemas.openxmlformats.org/officeDocument/2006/relationships" xmlns:p="http://schemas.openxmlformats.org/presentationml/2006/main">
+  <p:cSld>
+    <p:spTree>
+      <p:nvGrpSpPr>
+        <p:cNvPr id="1" name=""/>
+        <p:cNvGrpSpPr/>
+        <p:nvPr/>
+      </p:nvGrpSpPr>
+      <p:grpSpPr>
+        <a:xfrm>
+          <a:off x="0" y="0"/>
+          <a:ext cx="0" cy="0"/>
+          <a:chOff x="0" y="0"/>
+          <a:chExt cx="0" cy="0"/>
+        </a:xfrm>
+      </p:grpSpPr>
+      <p:sp>
+        <p:nvSpPr>
+          <p:cNvPr id="2" name="Title 1"/>
+          <p:cNvSpPr>
+            <a:spLocks noGrp="1"/>
+          </p:cNvSpPr>
+          <p:nvPr>
+            <p:ph type="title"/>
+          </p:nvPr>
+        </p:nvSpPr>
+        <p:spPr/>
+        <p:txBody>
+          <a:bodyPr/>
+          <a:lstStyle/>
+          <a:p>
+            <a:r>
+              <a:rPr lang="en-PH" sz="6600" dirty="0"/>
+              <a:t>Timing Diagram</a:t>
+            </a:r>
+          </a:p>
+        </p:txBody>
+      </p:sp>
+    </p:spTree>
+    <p:extLst>
+      <p:ext uri="{BB962C8B-B14F-4D97-AF65-F5344CB8AC3E}">
+        <p14:creationId xmlns:p14="http://schemas.microsoft.com/office/powerpoint/2010/main" val="3192796430"/>
+      </p:ext>
+    </p:extLst>
+  </p:cSld>
+  <p:clrMapOvr>
+    <a:masterClrMapping/>
+  </p:clrMapOvr>
+</p:sld>
+</file>
+
+<file path=ppt/slides/slide14.xml><?xml version="1.0" encoding="utf-8"?>
+<p:sld xmlns:a="http://schemas.openxmlformats.org/drawingml/2006/main" xmlns:r="http://schemas.openxmlformats.org/officeDocument/2006/relationships" xmlns:p="http://schemas.openxmlformats.org/presentationml/2006/main">
+  <p:cSld>
+    <p:spTree>
+      <p:nvGrpSpPr>
+        <p:cNvPr id="1" name=""/>
+        <p:cNvGrpSpPr/>
+        <p:nvPr/>
+      </p:nvGrpSpPr>
+      <p:grpSpPr>
+        <a:xfrm>
+          <a:off x="0" y="0"/>
+          <a:ext cx="0" cy="0"/>
+          <a:chOff x="0" y="0"/>
+          <a:chExt cx="0" cy="0"/>
+        </a:xfrm>
+      </p:grpSpPr>
+      <p:sp>
+        <p:nvSpPr>
+          <p:cNvPr id="2" name="Title 1"/>
+          <p:cNvSpPr>
+            <a:spLocks noGrp="1"/>
+          </p:cNvSpPr>
+          <p:nvPr>
+            <p:ph type="title"/>
+          </p:nvPr>
+        </p:nvSpPr>
+        <p:spPr/>
+        <p:txBody>
+          <a:bodyPr/>
+          <a:lstStyle/>
+          <a:p>
+            <a:r>
+              <a:rPr lang="en-PH" sz="6600" dirty="0"/>
+              <a:t>Class Diagram</a:t>
+            </a:r>
+          </a:p>
+        </p:txBody>
+      </p:sp>
+    </p:spTree>
+    <p:extLst>
+      <p:ext uri="{BB962C8B-B14F-4D97-AF65-F5344CB8AC3E}">
+        <p14:creationId xmlns:p14="http://schemas.microsoft.com/office/powerpoint/2010/main" val="57061685"/>
+      </p:ext>
+    </p:extLst>
+  </p:cSld>
+  <p:clrMapOvr>
+    <a:masterClrMapping/>
+  </p:clrMapOvr>
+</p:sld>
+</file>
+
+<file path=ppt/slides/slide15.xml><?xml version="1.0" encoding="utf-8"?>
+<p:sld xmlns:a="http://schemas.openxmlformats.org/drawingml/2006/main" xmlns:r="http://schemas.openxmlformats.org/officeDocument/2006/relationships" xmlns:p="http://schemas.openxmlformats.org/presentationml/2006/main">
+  <p:cSld>
+    <p:spTree>
+      <p:nvGrpSpPr>
+        <p:cNvPr id="1" name=""/>
+        <p:cNvGrpSpPr/>
+        <p:nvPr/>
+      </p:nvGrpSpPr>
+      <p:grpSpPr>
+        <a:xfrm>
+          <a:off x="0" y="0"/>
+          <a:ext cx="0" cy="0"/>
+          <a:chOff x="0" y="0"/>
+          <a:chExt cx="0" cy="0"/>
+        </a:xfrm>
+      </p:grpSpPr>
+      <p:sp>
+        <p:nvSpPr>
+          <p:cNvPr id="2" name="Title 1"/>
+          <p:cNvSpPr>
+            <a:spLocks noGrp="1"/>
+          </p:cNvSpPr>
+          <p:nvPr>
+            <p:ph type="title"/>
+          </p:nvPr>
+        </p:nvSpPr>
+        <p:spPr/>
+        <p:txBody>
+          <a:bodyPr/>
+          <a:lstStyle/>
+          <a:p>
+            <a:r>
+              <a:rPr lang="en-PH" sz="6600" dirty="0"/>
+              <a:t>Component Diagram</a:t>
+            </a:r>
+          </a:p>
+        </p:txBody>
+      </p:sp>
+    </p:spTree>
+    <p:extLst>
+      <p:ext uri="{BB962C8B-B14F-4D97-AF65-F5344CB8AC3E}">
+        <p14:creationId xmlns:p14="http://schemas.microsoft.com/office/powerpoint/2010/main" val="2023632543"/>
+      </p:ext>
+    </p:extLst>
+  </p:cSld>
+  <p:clrMapOvr>
+    <a:masterClrMapping/>
+  </p:clrMapOvr>
+</p:sld>
+</file>
+
+<file path=ppt/slides/slide16.xml><?xml version="1.0" encoding="utf-8"?>
+<p:sld xmlns:a="http://schemas.openxmlformats.org/drawingml/2006/main" xmlns:r="http://schemas.openxmlformats.org/officeDocument/2006/relationships" xmlns:p="http://schemas.openxmlformats.org/presentationml/2006/main">
+  <p:cSld>
+    <p:spTree>
+      <p:nvGrpSpPr>
+        <p:cNvPr id="1" name=""/>
+        <p:cNvGrpSpPr/>
+        <p:nvPr/>
+      </p:nvGrpSpPr>
+      <p:grpSpPr>
+        <a:xfrm>
+          <a:off x="0" y="0"/>
+          <a:ext cx="0" cy="0"/>
+          <a:chOff x="0" y="0"/>
+          <a:chExt cx="0" cy="0"/>
+        </a:xfrm>
+      </p:grpSpPr>
+      <p:sp>
+        <p:nvSpPr>
+          <p:cNvPr id="2" name="Title 1"/>
+          <p:cNvSpPr>
+            <a:spLocks noGrp="1"/>
+          </p:cNvSpPr>
+          <p:nvPr>
+            <p:ph type="title"/>
+          </p:nvPr>
+        </p:nvSpPr>
+        <p:spPr/>
+        <p:txBody>
+          <a:bodyPr/>
+          <a:lstStyle/>
+          <a:p>
+            <a:r>
+              <a:rPr lang="en-PH" sz="6600" dirty="0"/>
+              <a:t>Package Diagram</a:t>
+            </a:r>
+          </a:p>
+        </p:txBody>
+      </p:sp>
+    </p:spTree>
+    <p:extLst>
+      <p:ext uri="{BB962C8B-B14F-4D97-AF65-F5344CB8AC3E}">
+        <p14:creationId xmlns:p14="http://schemas.microsoft.com/office/powerpoint/2010/main" val="2247691583"/>
+      </p:ext>
+    </p:extLst>
+  </p:cSld>
+  <p:clrMapOvr>
+    <a:masterClrMapping/>
+  </p:clrMapOvr>
+</p:sld>
+</file>
+
+<file path=ppt/slides/slide17.xml><?xml version="1.0" encoding="utf-8"?>
+<p:sld xmlns:a="http://schemas.openxmlformats.org/drawingml/2006/main" xmlns:r="http://schemas.openxmlformats.org/officeDocument/2006/relationships" xmlns:p="http://schemas.openxmlformats.org/presentationml/2006/main">
+  <p:cSld>
+    <p:spTree>
+      <p:nvGrpSpPr>
+        <p:cNvPr id="1" name=""/>
+        <p:cNvGrpSpPr/>
+        <p:nvPr/>
+      </p:nvGrpSpPr>
+      <p:grpSpPr>
+        <a:xfrm>
+          <a:off x="0" y="0"/>
+          <a:ext cx="0" cy="0"/>
+          <a:chOff x="0" y="0"/>
+          <a:chExt cx="0" cy="0"/>
+        </a:xfrm>
+      </p:grpSpPr>
+      <p:sp>
+        <p:nvSpPr>
+          <p:cNvPr id="2" name="Title 1"/>
+          <p:cNvSpPr>
+            <a:spLocks noGrp="1"/>
+          </p:cNvSpPr>
+          <p:nvPr>
+            <p:ph type="title"/>
+          </p:nvPr>
+        </p:nvSpPr>
+        <p:spPr/>
+        <p:txBody>
+          <a:bodyPr/>
+          <a:lstStyle/>
+          <a:p>
+            <a:r>
+              <a:rPr lang="en-PH" sz="6600" dirty="0"/>
+              <a:t>Composite Diagram</a:t>
+            </a:r>
+          </a:p>
+        </p:txBody>
+      </p:sp>
+    </p:spTree>
+    <p:extLst>
+      <p:ext uri="{BB962C8B-B14F-4D97-AF65-F5344CB8AC3E}">
+        <p14:creationId xmlns:p14="http://schemas.microsoft.com/office/powerpoint/2010/main" val="1042779950"/>
+      </p:ext>
+    </p:extLst>
+  </p:cSld>
+  <p:clrMapOvr>
+    <a:masterClrMapping/>
+  </p:clrMapOvr>
+</p:sld>
+</file>
+
 <file path=ppt/slides/slide2.xml><?xml version="1.0" encoding="utf-8"?>
 <p:sld xmlns:a="http://schemas.openxmlformats.org/drawingml/2006/main" xmlns:r="http://schemas.openxmlformats.org/officeDocument/2006/relationships" xmlns:p="http://schemas.openxmlformats.org/presentationml/2006/main">
   <p:cSld>
@@ -6003,7 +6447,7 @@
           <a:p>
             <a:pPr lvl="1"/>
             <a:r>
-              <a:rPr lang="en-PH" sz="2000"/>
+              <a:rPr lang="en-PH" sz="2000" dirty="0"/>
               <a:t>Root Cause?</a:t>
             </a:r>
             <a:endParaRPr lang="en-PH" sz="2800" dirty="0"/>
@@ -7558,6 +8002,623 @@
 </p:sld>
 </file>
 
+<file path=ppt/slides/slide4.xml><?xml version="1.0" encoding="utf-8"?>
+<p:sld xmlns:a="http://schemas.openxmlformats.org/drawingml/2006/main" xmlns:r="http://schemas.openxmlformats.org/officeDocument/2006/relationships" xmlns:p="http://schemas.openxmlformats.org/presentationml/2006/main">
+  <p:cSld>
+    <p:spTree>
+      <p:nvGrpSpPr>
+        <p:cNvPr id="1" name=""/>
+        <p:cNvGrpSpPr/>
+        <p:nvPr/>
+      </p:nvGrpSpPr>
+      <p:grpSpPr>
+        <a:xfrm>
+          <a:off x="0" y="0"/>
+          <a:ext cx="0" cy="0"/>
+          <a:chOff x="0" y="0"/>
+          <a:chExt cx="0" cy="0"/>
+        </a:xfrm>
+      </p:grpSpPr>
+      <p:sp>
+        <p:nvSpPr>
+          <p:cNvPr id="2" name="Title 1"/>
+          <p:cNvSpPr>
+            <a:spLocks noGrp="1"/>
+          </p:cNvSpPr>
+          <p:nvPr>
+            <p:ph type="title"/>
+          </p:nvPr>
+        </p:nvSpPr>
+        <p:spPr>
+          <a:xfrm>
+            <a:off x="752850" y="599588"/>
+            <a:ext cx="10571998" cy="970450"/>
+          </a:xfrm>
+        </p:spPr>
+        <p:txBody>
+          <a:bodyPr/>
+          <a:lstStyle/>
+          <a:p>
+            <a:r>
+              <a:rPr lang="en-PH" sz="6600" dirty="0"/>
+              <a:t>Scope and Limitation</a:t>
+            </a:r>
+          </a:p>
+        </p:txBody>
+      </p:sp>
+      <p:sp>
+        <p:nvSpPr>
+          <p:cNvPr id="3" name="Content Placeholder 2"/>
+          <p:cNvSpPr>
+            <a:spLocks noGrp="1"/>
+          </p:cNvSpPr>
+          <p:nvPr>
+            <p:ph idx="1"/>
+          </p:nvPr>
+        </p:nvSpPr>
+        <p:spPr>
+          <a:xfrm>
+            <a:off x="1104462" y="2050837"/>
+            <a:ext cx="10554574" cy="3636511"/>
+          </a:xfrm>
+        </p:spPr>
+        <p:txBody>
+          <a:bodyPr>
+            <a:normAutofit/>
+          </a:bodyPr>
+          <a:lstStyle/>
+          <a:p>
+            <a:r>
+              <a:rPr lang="en-PH" sz="4800" dirty="0"/>
+              <a:t>Touch Calibration </a:t>
+            </a:r>
+            <a:r>
+              <a:rPr lang="en-PH" sz="4800" dirty="0">
+                <a:sym typeface="Wingdings" panose="05000000000000000000" pitchFamily="2" charset="2"/>
+              </a:rPr>
+              <a:t></a:t>
+            </a:r>
+            <a:r>
+              <a:rPr lang="en-PH" sz="4800" dirty="0"/>
+              <a:t> Android only</a:t>
+            </a:r>
+          </a:p>
+          <a:p>
+            <a:r>
+              <a:rPr lang="en-PH" sz="4800" dirty="0"/>
+              <a:t>Touch Screen HCI</a:t>
+            </a:r>
+          </a:p>
+        </p:txBody>
+      </p:sp>
+    </p:spTree>
+    <p:extLst>
+      <p:ext uri="{BB962C8B-B14F-4D97-AF65-F5344CB8AC3E}">
+        <p14:creationId xmlns:p14="http://schemas.microsoft.com/office/powerpoint/2010/main" val="2127987547"/>
+      </p:ext>
+    </p:extLst>
+  </p:cSld>
+  <p:clrMapOvr>
+    <a:masterClrMapping/>
+  </p:clrMapOvr>
+  <p:timing>
+    <p:tnLst>
+      <p:par>
+        <p:cTn id="1" dur="indefinite" restart="never" nodeType="tmRoot">
+          <p:childTnLst>
+            <p:seq concurrent="1" nextAc="seek">
+              <p:cTn id="2" dur="indefinite" nodeType="mainSeq">
+                <p:childTnLst>
+                  <p:par>
+                    <p:cTn id="3" fill="hold">
+                      <p:stCondLst>
+                        <p:cond delay="indefinite"/>
+                      </p:stCondLst>
+                      <p:childTnLst>
+                        <p:par>
+                          <p:cTn id="4" fill="hold">
+                            <p:stCondLst>
+                              <p:cond delay="0"/>
+                            </p:stCondLst>
+                            <p:childTnLst>
+                              <p:par>
+                                <p:cTn id="5" presetID="2" presetClass="entr" presetSubtype="4" fill="hold" nodeType="clickEffect">
+                                  <p:stCondLst>
+                                    <p:cond delay="0"/>
+                                  </p:stCondLst>
+                                  <p:childTnLst>
+                                    <p:set>
+                                      <p:cBhvr>
+                                        <p:cTn id="6" dur="1" fill="hold">
+                                          <p:stCondLst>
+                                            <p:cond delay="0"/>
+                                          </p:stCondLst>
+                                        </p:cTn>
+                                        <p:tgtEl>
+                                          <p:spTgt spid="3">
+                                            <p:txEl>
+                                              <p:pRg st="0" end="0"/>
+                                            </p:txEl>
+                                          </p:spTgt>
+                                        </p:tgtEl>
+                                        <p:attrNameLst>
+                                          <p:attrName>style.visibility</p:attrName>
+                                        </p:attrNameLst>
+                                      </p:cBhvr>
+                                      <p:to>
+                                        <p:strVal val="visible"/>
+                                      </p:to>
+                                    </p:set>
+                                    <p:anim calcmode="lin" valueType="num">
+                                      <p:cBhvr additive="base">
+                                        <p:cTn id="7" dur="500" fill="hold"/>
+                                        <p:tgtEl>
+                                          <p:spTgt spid="3">
+                                            <p:txEl>
+                                              <p:pRg st="0" end="0"/>
+                                            </p:txEl>
+                                          </p:spTgt>
+                                        </p:tgtEl>
+                                        <p:attrNameLst>
+                                          <p:attrName>ppt_x</p:attrName>
+                                        </p:attrNameLst>
+                                      </p:cBhvr>
+                                      <p:tavLst>
+                                        <p:tav tm="0">
+                                          <p:val>
+                                            <p:strVal val="#ppt_x"/>
+                                          </p:val>
+                                        </p:tav>
+                                        <p:tav tm="100000">
+                                          <p:val>
+                                            <p:strVal val="#ppt_x"/>
+                                          </p:val>
+                                        </p:tav>
+                                      </p:tavLst>
+                                    </p:anim>
+                                    <p:anim calcmode="lin" valueType="num">
+                                      <p:cBhvr additive="base">
+                                        <p:cTn id="8" dur="500" fill="hold"/>
+                                        <p:tgtEl>
+                                          <p:spTgt spid="3">
+                                            <p:txEl>
+                                              <p:pRg st="0" end="0"/>
+                                            </p:txEl>
+                                          </p:spTgt>
+                                        </p:tgtEl>
+                                        <p:attrNameLst>
+                                          <p:attrName>ppt_y</p:attrName>
+                                        </p:attrNameLst>
+                                      </p:cBhvr>
+                                      <p:tavLst>
+                                        <p:tav tm="0">
+                                          <p:val>
+                                            <p:strVal val="1+#ppt_h/2"/>
+                                          </p:val>
+                                        </p:tav>
+                                        <p:tav tm="100000">
+                                          <p:val>
+                                            <p:strVal val="#ppt_y"/>
+                                          </p:val>
+                                        </p:tav>
+                                      </p:tavLst>
+                                    </p:anim>
+                                  </p:childTnLst>
+                                </p:cTn>
+                              </p:par>
+                            </p:childTnLst>
+                          </p:cTn>
+                        </p:par>
+                      </p:childTnLst>
+                    </p:cTn>
+                  </p:par>
+                  <p:par>
+                    <p:cTn id="9" fill="hold">
+                      <p:stCondLst>
+                        <p:cond delay="indefinite"/>
+                      </p:stCondLst>
+                      <p:childTnLst>
+                        <p:par>
+                          <p:cTn id="10" fill="hold">
+                            <p:stCondLst>
+                              <p:cond delay="0"/>
+                            </p:stCondLst>
+                            <p:childTnLst>
+                              <p:par>
+                                <p:cTn id="11" presetID="2" presetClass="entr" presetSubtype="4" fill="hold" nodeType="clickEffect">
+                                  <p:stCondLst>
+                                    <p:cond delay="0"/>
+                                  </p:stCondLst>
+                                  <p:childTnLst>
+                                    <p:set>
+                                      <p:cBhvr>
+                                        <p:cTn id="12" dur="1" fill="hold">
+                                          <p:stCondLst>
+                                            <p:cond delay="0"/>
+                                          </p:stCondLst>
+                                        </p:cTn>
+                                        <p:tgtEl>
+                                          <p:spTgt spid="3">
+                                            <p:txEl>
+                                              <p:pRg st="1" end="1"/>
+                                            </p:txEl>
+                                          </p:spTgt>
+                                        </p:tgtEl>
+                                        <p:attrNameLst>
+                                          <p:attrName>style.visibility</p:attrName>
+                                        </p:attrNameLst>
+                                      </p:cBhvr>
+                                      <p:to>
+                                        <p:strVal val="visible"/>
+                                      </p:to>
+                                    </p:set>
+                                    <p:anim calcmode="lin" valueType="num">
+                                      <p:cBhvr additive="base">
+                                        <p:cTn id="13" dur="500" fill="hold"/>
+                                        <p:tgtEl>
+                                          <p:spTgt spid="3">
+                                            <p:txEl>
+                                              <p:pRg st="1" end="1"/>
+                                            </p:txEl>
+                                          </p:spTgt>
+                                        </p:tgtEl>
+                                        <p:attrNameLst>
+                                          <p:attrName>ppt_x</p:attrName>
+                                        </p:attrNameLst>
+                                      </p:cBhvr>
+                                      <p:tavLst>
+                                        <p:tav tm="0">
+                                          <p:val>
+                                            <p:strVal val="#ppt_x"/>
+                                          </p:val>
+                                        </p:tav>
+                                        <p:tav tm="100000">
+                                          <p:val>
+                                            <p:strVal val="#ppt_x"/>
+                                          </p:val>
+                                        </p:tav>
+                                      </p:tavLst>
+                                    </p:anim>
+                                    <p:anim calcmode="lin" valueType="num">
+                                      <p:cBhvr additive="base">
+                                        <p:cTn id="14" dur="500" fill="hold"/>
+                                        <p:tgtEl>
+                                          <p:spTgt spid="3">
+                                            <p:txEl>
+                                              <p:pRg st="1" end="1"/>
+                                            </p:txEl>
+                                          </p:spTgt>
+                                        </p:tgtEl>
+                                        <p:attrNameLst>
+                                          <p:attrName>ppt_y</p:attrName>
+                                        </p:attrNameLst>
+                                      </p:cBhvr>
+                                      <p:tavLst>
+                                        <p:tav tm="0">
+                                          <p:val>
+                                            <p:strVal val="1+#ppt_h/2"/>
+                                          </p:val>
+                                        </p:tav>
+                                        <p:tav tm="100000">
+                                          <p:val>
+                                            <p:strVal val="#ppt_y"/>
+                                          </p:val>
+                                        </p:tav>
+                                      </p:tavLst>
+                                    </p:anim>
+                                  </p:childTnLst>
+                                </p:cTn>
+                              </p:par>
+                            </p:childTnLst>
+                          </p:cTn>
+                        </p:par>
+                      </p:childTnLst>
+                    </p:cTn>
+                  </p:par>
+                </p:childTnLst>
+              </p:cTn>
+              <p:prevCondLst>
+                <p:cond evt="onPrev" delay="0">
+                  <p:tgtEl>
+                    <p:sldTgt/>
+                  </p:tgtEl>
+                </p:cond>
+              </p:prevCondLst>
+              <p:nextCondLst>
+                <p:cond evt="onNext" delay="0">
+                  <p:tgtEl>
+                    <p:sldTgt/>
+                  </p:tgtEl>
+                </p:cond>
+              </p:nextCondLst>
+            </p:seq>
+          </p:childTnLst>
+        </p:cTn>
+      </p:par>
+    </p:tnLst>
+  </p:timing>
+</p:sld>
+</file>
+
+<file path=ppt/slides/slide5.xml><?xml version="1.0" encoding="utf-8"?>
+<p:sld xmlns:a="http://schemas.openxmlformats.org/drawingml/2006/main" xmlns:r="http://schemas.openxmlformats.org/officeDocument/2006/relationships" xmlns:p="http://schemas.openxmlformats.org/presentationml/2006/main">
+  <p:cSld>
+    <p:spTree>
+      <p:nvGrpSpPr>
+        <p:cNvPr id="1" name=""/>
+        <p:cNvGrpSpPr/>
+        <p:nvPr/>
+      </p:nvGrpSpPr>
+      <p:grpSpPr>
+        <a:xfrm>
+          <a:off x="0" y="0"/>
+          <a:ext cx="0" cy="0"/>
+          <a:chOff x="0" y="0"/>
+          <a:chExt cx="0" cy="0"/>
+        </a:xfrm>
+      </p:grpSpPr>
+      <p:sp>
+        <p:nvSpPr>
+          <p:cNvPr id="2" name="Title 1"/>
+          <p:cNvSpPr>
+            <a:spLocks noGrp="1"/>
+          </p:cNvSpPr>
+          <p:nvPr>
+            <p:ph type="title"/>
+          </p:nvPr>
+        </p:nvSpPr>
+        <p:spPr/>
+        <p:txBody>
+          <a:bodyPr/>
+          <a:lstStyle/>
+          <a:p>
+            <a:r>
+              <a:rPr lang="en-PH" sz="7200" dirty="0"/>
+              <a:t>DIAGRAMS</a:t>
+            </a:r>
+          </a:p>
+        </p:txBody>
+      </p:sp>
+      <p:sp>
+        <p:nvSpPr>
+          <p:cNvPr id="3" name="Text Placeholder 2"/>
+          <p:cNvSpPr>
+            <a:spLocks noGrp="1"/>
+          </p:cNvSpPr>
+          <p:nvPr>
+            <p:ph type="body" idx="1"/>
+          </p:nvPr>
+        </p:nvSpPr>
+        <p:spPr/>
+        <p:txBody>
+          <a:bodyPr/>
+          <a:lstStyle/>
+          <a:p>
+            <a:endParaRPr lang="en-PH" dirty="0"/>
+          </a:p>
+        </p:txBody>
+      </p:sp>
+    </p:spTree>
+    <p:extLst>
+      <p:ext uri="{BB962C8B-B14F-4D97-AF65-F5344CB8AC3E}">
+        <p14:creationId xmlns:p14="http://schemas.microsoft.com/office/powerpoint/2010/main" val="418285757"/>
+      </p:ext>
+    </p:extLst>
+  </p:cSld>
+  <p:clrMapOvr>
+    <a:masterClrMapping/>
+  </p:clrMapOvr>
+</p:sld>
+</file>
+
+<file path=ppt/slides/slide6.xml><?xml version="1.0" encoding="utf-8"?>
+<p:sld xmlns:a="http://schemas.openxmlformats.org/drawingml/2006/main" xmlns:r="http://schemas.openxmlformats.org/officeDocument/2006/relationships" xmlns:p="http://schemas.openxmlformats.org/presentationml/2006/main">
+  <p:cSld>
+    <p:spTree>
+      <p:nvGrpSpPr>
+        <p:cNvPr id="1" name=""/>
+        <p:cNvGrpSpPr/>
+        <p:nvPr/>
+      </p:nvGrpSpPr>
+      <p:grpSpPr>
+        <a:xfrm>
+          <a:off x="0" y="0"/>
+          <a:ext cx="0" cy="0"/>
+          <a:chOff x="0" y="0"/>
+          <a:chExt cx="0" cy="0"/>
+        </a:xfrm>
+      </p:grpSpPr>
+      <p:sp>
+        <p:nvSpPr>
+          <p:cNvPr id="2" name="Title 1"/>
+          <p:cNvSpPr>
+            <a:spLocks noGrp="1"/>
+          </p:cNvSpPr>
+          <p:nvPr>
+            <p:ph type="title"/>
+          </p:nvPr>
+        </p:nvSpPr>
+        <p:spPr/>
+        <p:txBody>
+          <a:bodyPr/>
+          <a:lstStyle/>
+          <a:p>
+            <a:r>
+              <a:rPr lang="en-PH" sz="6600" dirty="0"/>
+              <a:t>Use Case Diagram</a:t>
+            </a:r>
+          </a:p>
+        </p:txBody>
+      </p:sp>
+    </p:spTree>
+    <p:extLst>
+      <p:ext uri="{BB962C8B-B14F-4D97-AF65-F5344CB8AC3E}">
+        <p14:creationId xmlns:p14="http://schemas.microsoft.com/office/powerpoint/2010/main" val="2962502025"/>
+      </p:ext>
+    </p:extLst>
+  </p:cSld>
+  <p:clrMapOvr>
+    <a:masterClrMapping/>
+  </p:clrMapOvr>
+</p:sld>
+</file>
+
+<file path=ppt/slides/slide7.xml><?xml version="1.0" encoding="utf-8"?>
+<p:sld xmlns:a="http://schemas.openxmlformats.org/drawingml/2006/main" xmlns:r="http://schemas.openxmlformats.org/officeDocument/2006/relationships" xmlns:p="http://schemas.openxmlformats.org/presentationml/2006/main">
+  <p:cSld>
+    <p:spTree>
+      <p:nvGrpSpPr>
+        <p:cNvPr id="1" name=""/>
+        <p:cNvGrpSpPr/>
+        <p:nvPr/>
+      </p:nvGrpSpPr>
+      <p:grpSpPr>
+        <a:xfrm>
+          <a:off x="0" y="0"/>
+          <a:ext cx="0" cy="0"/>
+          <a:chOff x="0" y="0"/>
+          <a:chExt cx="0" cy="0"/>
+        </a:xfrm>
+      </p:grpSpPr>
+      <p:sp>
+        <p:nvSpPr>
+          <p:cNvPr id="2" name="Title 1"/>
+          <p:cNvSpPr>
+            <a:spLocks noGrp="1"/>
+          </p:cNvSpPr>
+          <p:nvPr>
+            <p:ph type="title"/>
+          </p:nvPr>
+        </p:nvSpPr>
+        <p:spPr/>
+        <p:txBody>
+          <a:bodyPr/>
+          <a:lstStyle/>
+          <a:p>
+            <a:r>
+              <a:rPr lang="en-PH" sz="6600" dirty="0"/>
+              <a:t>Activity Diagram</a:t>
+            </a:r>
+          </a:p>
+        </p:txBody>
+      </p:sp>
+    </p:spTree>
+    <p:extLst>
+      <p:ext uri="{BB962C8B-B14F-4D97-AF65-F5344CB8AC3E}">
+        <p14:creationId xmlns:p14="http://schemas.microsoft.com/office/powerpoint/2010/main" val="3159302872"/>
+      </p:ext>
+    </p:extLst>
+  </p:cSld>
+  <p:clrMapOvr>
+    <a:masterClrMapping/>
+  </p:clrMapOvr>
+</p:sld>
+</file>
+
+<file path=ppt/slides/slide8.xml><?xml version="1.0" encoding="utf-8"?>
+<p:sld xmlns:a="http://schemas.openxmlformats.org/drawingml/2006/main" xmlns:r="http://schemas.openxmlformats.org/officeDocument/2006/relationships" xmlns:p="http://schemas.openxmlformats.org/presentationml/2006/main">
+  <p:cSld>
+    <p:spTree>
+      <p:nvGrpSpPr>
+        <p:cNvPr id="1" name=""/>
+        <p:cNvGrpSpPr/>
+        <p:nvPr/>
+      </p:nvGrpSpPr>
+      <p:grpSpPr>
+        <a:xfrm>
+          <a:off x="0" y="0"/>
+          <a:ext cx="0" cy="0"/>
+          <a:chOff x="0" y="0"/>
+          <a:chExt cx="0" cy="0"/>
+        </a:xfrm>
+      </p:grpSpPr>
+      <p:sp>
+        <p:nvSpPr>
+          <p:cNvPr id="2" name="Title 1"/>
+          <p:cNvSpPr>
+            <a:spLocks noGrp="1"/>
+          </p:cNvSpPr>
+          <p:nvPr>
+            <p:ph type="title"/>
+          </p:nvPr>
+        </p:nvSpPr>
+        <p:spPr/>
+        <p:txBody>
+          <a:bodyPr/>
+          <a:lstStyle/>
+          <a:p>
+            <a:r>
+              <a:rPr lang="en-PH" sz="6600" dirty="0"/>
+              <a:t>Object Diagram</a:t>
+            </a:r>
+          </a:p>
+        </p:txBody>
+      </p:sp>
+    </p:spTree>
+    <p:extLst>
+      <p:ext uri="{BB962C8B-B14F-4D97-AF65-F5344CB8AC3E}">
+        <p14:creationId xmlns:p14="http://schemas.microsoft.com/office/powerpoint/2010/main" val="3754155210"/>
+      </p:ext>
+    </p:extLst>
+  </p:cSld>
+  <p:clrMapOvr>
+    <a:masterClrMapping/>
+  </p:clrMapOvr>
+</p:sld>
+</file>
+
+<file path=ppt/slides/slide9.xml><?xml version="1.0" encoding="utf-8"?>
+<p:sld xmlns:a="http://schemas.openxmlformats.org/drawingml/2006/main" xmlns:r="http://schemas.openxmlformats.org/officeDocument/2006/relationships" xmlns:p="http://schemas.openxmlformats.org/presentationml/2006/main">
+  <p:cSld>
+    <p:spTree>
+      <p:nvGrpSpPr>
+        <p:cNvPr id="1" name=""/>
+        <p:cNvGrpSpPr/>
+        <p:nvPr/>
+      </p:nvGrpSpPr>
+      <p:grpSpPr>
+        <a:xfrm>
+          <a:off x="0" y="0"/>
+          <a:ext cx="0" cy="0"/>
+          <a:chOff x="0" y="0"/>
+          <a:chExt cx="0" cy="0"/>
+        </a:xfrm>
+      </p:grpSpPr>
+      <p:sp>
+        <p:nvSpPr>
+          <p:cNvPr id="2" name="Title 1"/>
+          <p:cNvSpPr>
+            <a:spLocks noGrp="1"/>
+          </p:cNvSpPr>
+          <p:nvPr>
+            <p:ph type="title"/>
+          </p:nvPr>
+        </p:nvSpPr>
+        <p:spPr/>
+        <p:txBody>
+          <a:bodyPr/>
+          <a:lstStyle/>
+          <a:p>
+            <a:r>
+              <a:rPr lang="en-PH" sz="6600" dirty="0"/>
+              <a:t>Deployment Diagram</a:t>
+            </a:r>
+          </a:p>
+        </p:txBody>
+      </p:sp>
+    </p:spTree>
+    <p:extLst>
+      <p:ext uri="{BB962C8B-B14F-4D97-AF65-F5344CB8AC3E}">
+        <p14:creationId xmlns:p14="http://schemas.microsoft.com/office/powerpoint/2010/main" val="2560208837"/>
+      </p:ext>
+    </p:extLst>
+  </p:cSld>
+  <p:clrMapOvr>
+    <a:masterClrMapping/>
+  </p:clrMapOvr>
+</p:sld>
+</file>
+
 <file path=ppt/theme/theme1.xml><?xml version="1.0" encoding="utf-8"?>
 <a:theme xmlns:a="http://schemas.openxmlformats.org/drawingml/2006/main" name="Quotable">
   <a:themeElements>

--- a/Midterm-PPT.pptx
+++ b/Midterm-PPT.pptx
@@ -596,6 +596,462 @@
     <p:extLst>
       <p:ext uri="{BB962C8B-B14F-4D97-AF65-F5344CB8AC3E}">
         <p14:creationId xmlns:p14="http://schemas.microsoft.com/office/powerpoint/2010/main" val="3712670181"/>
+      </p:ext>
+    </p:extLst>
+  </p:cSld>
+  <p:clrMapOvr>
+    <a:masterClrMapping/>
+  </p:clrMapOvr>
+</p:notes>
+</file>
+
+<file path=ppt/notesSlides/notesSlide2.xml><?xml version="1.0" encoding="utf-8"?>
+<p:notes xmlns:a="http://schemas.openxmlformats.org/drawingml/2006/main" xmlns:r="http://schemas.openxmlformats.org/officeDocument/2006/relationships" xmlns:p="http://schemas.openxmlformats.org/presentationml/2006/main">
+  <p:cSld>
+    <p:spTree>
+      <p:nvGrpSpPr>
+        <p:cNvPr id="1" name=""/>
+        <p:cNvGrpSpPr/>
+        <p:nvPr/>
+      </p:nvGrpSpPr>
+      <p:grpSpPr>
+        <a:xfrm>
+          <a:off x="0" y="0"/>
+          <a:ext cx="0" cy="0"/>
+          <a:chOff x="0" y="0"/>
+          <a:chExt cx="0" cy="0"/>
+        </a:xfrm>
+      </p:grpSpPr>
+      <p:sp>
+        <p:nvSpPr>
+          <p:cNvPr id="2" name="Slide Image Placeholder 1"/>
+          <p:cNvSpPr>
+            <a:spLocks noGrp="1" noRot="1" noChangeAspect="1"/>
+          </p:cNvSpPr>
+          <p:nvPr>
+            <p:ph type="sldImg"/>
+          </p:nvPr>
+        </p:nvSpPr>
+        <p:spPr/>
+      </p:sp>
+      <p:sp>
+        <p:nvSpPr>
+          <p:cNvPr id="3" name="Notes Placeholder 2"/>
+          <p:cNvSpPr>
+            <a:spLocks noGrp="1"/>
+          </p:cNvSpPr>
+          <p:nvPr>
+            <p:ph type="body" idx="1"/>
+          </p:nvPr>
+        </p:nvSpPr>
+        <p:spPr/>
+        <p:txBody>
+          <a:bodyPr/>
+          <a:lstStyle/>
+          <a:p>
+            <a:r>
+              <a:rPr lang="en-PH" sz="1600" kern="1200" dirty="0">
+                <a:solidFill>
+                  <a:schemeClr val="tx1"/>
+                </a:solidFill>
+                <a:effectLst/>
+                <a:latin typeface="+mn-lt"/>
+                <a:ea typeface="+mn-ea"/>
+                <a:cs typeface="+mn-cs"/>
+              </a:rPr>
+              <a:t>The Challenges</a:t>
+            </a:r>
+          </a:p>
+          <a:p>
+            <a:r>
+              <a:rPr lang="en-PH" sz="1600" kern="1200" dirty="0">
+                <a:solidFill>
+                  <a:schemeClr val="tx1"/>
+                </a:solidFill>
+                <a:effectLst/>
+                <a:latin typeface="+mn-lt"/>
+                <a:ea typeface="+mn-ea"/>
+                <a:cs typeface="+mn-cs"/>
+              </a:rPr>
+              <a:t>	</a:t>
+            </a:r>
+            <a:r>
+              <a:rPr lang="en-PH" sz="1200" i="1" kern="1200" dirty="0">
+                <a:solidFill>
+                  <a:schemeClr val="tx1"/>
+                </a:solidFill>
+                <a:effectLst/>
+                <a:latin typeface="+mn-lt"/>
+                <a:ea typeface="+mn-ea"/>
+                <a:cs typeface="+mn-cs"/>
+              </a:rPr>
+              <a:t>Incompatibility</a:t>
+            </a:r>
+            <a:r>
+              <a:rPr lang="en-PH" sz="1200" kern="1200" dirty="0">
+                <a:solidFill>
+                  <a:schemeClr val="tx1"/>
+                </a:solidFill>
+                <a:effectLst/>
+                <a:latin typeface="+mn-lt"/>
+                <a:ea typeface="+mn-ea"/>
+                <a:cs typeface="+mn-cs"/>
+              </a:rPr>
+              <a:t> of touch registers in the device to varying users; Incompatibility in a way that users with large hands find it extremely difficult to utilize their 	smartphones their phone size must scale to their hand size. Also, the differences on the mistakes on touch typing factors per Operating System</a:t>
+            </a:r>
+            <a:r>
+              <a:rPr lang="en-PH" sz="600" kern="1200" dirty="0">
+                <a:solidFill>
+                  <a:schemeClr val="tx1"/>
+                </a:solidFill>
+                <a:effectLst/>
+                <a:latin typeface="+mn-lt"/>
+                <a:ea typeface="+mn-ea"/>
+                <a:cs typeface="+mn-cs"/>
+              </a:rPr>
+              <a:t> </a:t>
+            </a:r>
+            <a:r>
+              <a:rPr lang="en-PH" sz="1200" kern="1200" dirty="0">
+                <a:solidFill>
+                  <a:schemeClr val="tx1"/>
+                </a:solidFill>
+                <a:effectLst/>
+                <a:latin typeface="+mn-lt"/>
+                <a:ea typeface="+mn-ea"/>
+                <a:cs typeface="+mn-cs"/>
+              </a:rPr>
+              <a:t> or Phone Brand; the varying hardware quality and algorithm efficiency differences.</a:t>
+            </a:r>
+          </a:p>
+          <a:p>
+            <a:endParaRPr lang="en-PH" sz="1000" kern="1200" dirty="0">
+              <a:solidFill>
+                <a:schemeClr val="tx1"/>
+              </a:solidFill>
+              <a:effectLst/>
+              <a:latin typeface="+mn-lt"/>
+              <a:ea typeface="+mn-ea"/>
+              <a:cs typeface="+mn-cs"/>
+            </a:endParaRPr>
+          </a:p>
+          <a:p>
+            <a:r>
+              <a:rPr lang="en-PH" sz="1200" kern="1200" dirty="0">
+                <a:solidFill>
+                  <a:schemeClr val="tx1"/>
+                </a:solidFill>
+                <a:effectLst/>
+                <a:latin typeface="+mn-lt"/>
+                <a:ea typeface="+mn-ea"/>
+                <a:cs typeface="+mn-cs"/>
+              </a:rPr>
+              <a:t> The Opportunity</a:t>
+            </a:r>
+            <a:endParaRPr lang="en-PH" sz="800" kern="1200" dirty="0">
+              <a:solidFill>
+                <a:schemeClr val="tx1"/>
+              </a:solidFill>
+              <a:effectLst/>
+              <a:latin typeface="+mn-lt"/>
+              <a:ea typeface="+mn-ea"/>
+              <a:cs typeface="+mn-cs"/>
+            </a:endParaRPr>
+          </a:p>
+          <a:p>
+            <a:r>
+              <a:rPr lang="en-PH" sz="1200" kern="1200" dirty="0">
+                <a:solidFill>
+                  <a:schemeClr val="tx1"/>
+                </a:solidFill>
+                <a:effectLst/>
+                <a:latin typeface="+mn-lt"/>
+                <a:ea typeface="+mn-ea"/>
+                <a:cs typeface="+mn-cs"/>
+              </a:rPr>
+              <a:t>	This research can help smartphone manufacturers on improving their devices by increasing the satisfaction experienced by their customers through the custom-calibrated touch registers.</a:t>
+            </a:r>
+            <a:endParaRPr lang="en-PH" sz="1000" kern="1200" dirty="0">
+              <a:solidFill>
+                <a:schemeClr val="tx1"/>
+              </a:solidFill>
+              <a:effectLst/>
+              <a:latin typeface="+mn-lt"/>
+              <a:ea typeface="+mn-ea"/>
+              <a:cs typeface="+mn-cs"/>
+            </a:endParaRPr>
+          </a:p>
+          <a:p>
+            <a:r>
+              <a:rPr lang="en-PH" sz="1200" kern="1200" dirty="0">
+                <a:solidFill>
+                  <a:schemeClr val="tx1"/>
+                </a:solidFill>
+                <a:effectLst/>
+                <a:latin typeface="+mn-lt"/>
+                <a:ea typeface="+mn-ea"/>
+                <a:cs typeface="+mn-cs"/>
+              </a:rPr>
+              <a:t> </a:t>
+            </a:r>
+            <a:endParaRPr lang="en-PH" sz="800" kern="1200" dirty="0">
+              <a:solidFill>
+                <a:schemeClr val="tx1"/>
+              </a:solidFill>
+              <a:effectLst/>
+              <a:latin typeface="+mn-lt"/>
+              <a:ea typeface="+mn-ea"/>
+              <a:cs typeface="+mn-cs"/>
+            </a:endParaRPr>
+          </a:p>
+          <a:p>
+            <a:r>
+              <a:rPr lang="en-PH" sz="1600" kern="1200" dirty="0">
+                <a:solidFill>
+                  <a:schemeClr val="tx1"/>
+                </a:solidFill>
+                <a:effectLst/>
+                <a:latin typeface="+mn-lt"/>
+                <a:ea typeface="+mn-ea"/>
+                <a:cs typeface="+mn-cs"/>
+              </a:rPr>
+              <a:t>Purpose and Description</a:t>
+            </a:r>
+            <a:br>
+              <a:rPr lang="en-PH" sz="1600" kern="1200" dirty="0">
+                <a:solidFill>
+                  <a:schemeClr val="tx1"/>
+                </a:solidFill>
+                <a:effectLst/>
+                <a:latin typeface="+mn-lt"/>
+                <a:ea typeface="+mn-ea"/>
+                <a:cs typeface="+mn-cs"/>
+              </a:rPr>
+            </a:br>
+            <a:r>
+              <a:rPr lang="en-PH" sz="1200" kern="1200" dirty="0">
+                <a:solidFill>
+                  <a:schemeClr val="tx1"/>
+                </a:solidFill>
+                <a:effectLst/>
+                <a:latin typeface="+mn-lt"/>
+                <a:ea typeface="+mn-ea"/>
+                <a:cs typeface="+mn-cs"/>
+              </a:rPr>
+              <a:t>	This research serves as a possible solution for smartphone manufacturers to increase the consumer satisfaction rate of their products. This research aims to develop an android application that will calibrate the touch screen registering algorithms depending on the user to further increase accuracy and precision of future touch registers; after performing different evaluating tests. Also, this research aims to know the causes of the malfunctions and the inaccuracies of android touch registers; especially in using virtual keyboards.</a:t>
+            </a:r>
+            <a:endParaRPr lang="en-PH" sz="1000" kern="1200" dirty="0">
+              <a:solidFill>
+                <a:schemeClr val="tx1"/>
+              </a:solidFill>
+              <a:effectLst/>
+              <a:latin typeface="+mn-lt"/>
+              <a:ea typeface="+mn-ea"/>
+              <a:cs typeface="+mn-cs"/>
+            </a:endParaRPr>
+          </a:p>
+          <a:p>
+            <a:endParaRPr lang="en-PH" sz="1200" kern="1200" dirty="0">
+              <a:solidFill>
+                <a:schemeClr val="tx1"/>
+              </a:solidFill>
+              <a:effectLst/>
+              <a:latin typeface="+mn-lt"/>
+              <a:ea typeface="+mn-ea"/>
+              <a:cs typeface="+mn-cs"/>
+            </a:endParaRPr>
+          </a:p>
+          <a:p>
+            <a:endParaRPr lang="en-PH" dirty="0"/>
+          </a:p>
+          <a:p>
+            <a:endParaRPr lang="en-PH" dirty="0"/>
+          </a:p>
+        </p:txBody>
+      </p:sp>
+      <p:sp>
+        <p:nvSpPr>
+          <p:cNvPr id="4" name="Slide Number Placeholder 3"/>
+          <p:cNvSpPr>
+            <a:spLocks noGrp="1"/>
+          </p:cNvSpPr>
+          <p:nvPr>
+            <p:ph type="sldNum" sz="quarter" idx="10"/>
+          </p:nvPr>
+        </p:nvSpPr>
+        <p:spPr/>
+        <p:txBody>
+          <a:bodyPr/>
+          <a:lstStyle/>
+          <a:p>
+            <a:fld id="{29C2648A-57CB-401D-BF5C-708A59FB5531}" type="slidenum">
+              <a:rPr lang="en-PH" smtClean="0"/>
+              <a:t>2</a:t>
+            </a:fld>
+            <a:endParaRPr lang="en-PH"/>
+          </a:p>
+        </p:txBody>
+      </p:sp>
+    </p:spTree>
+    <p:extLst>
+      <p:ext uri="{BB962C8B-B14F-4D97-AF65-F5344CB8AC3E}">
+        <p14:creationId xmlns:p14="http://schemas.microsoft.com/office/powerpoint/2010/main" val="993554543"/>
+      </p:ext>
+    </p:extLst>
+  </p:cSld>
+  <p:clrMapOvr>
+    <a:masterClrMapping/>
+  </p:clrMapOvr>
+</p:notes>
+</file>
+
+<file path=ppt/notesSlides/notesSlide3.xml><?xml version="1.0" encoding="utf-8"?>
+<p:notes xmlns:a="http://schemas.openxmlformats.org/drawingml/2006/main" xmlns:r="http://schemas.openxmlformats.org/officeDocument/2006/relationships" xmlns:p="http://schemas.openxmlformats.org/presentationml/2006/main">
+  <p:cSld>
+    <p:spTree>
+      <p:nvGrpSpPr>
+        <p:cNvPr id="1" name=""/>
+        <p:cNvGrpSpPr/>
+        <p:nvPr/>
+      </p:nvGrpSpPr>
+      <p:grpSpPr>
+        <a:xfrm>
+          <a:off x="0" y="0"/>
+          <a:ext cx="0" cy="0"/>
+          <a:chOff x="0" y="0"/>
+          <a:chExt cx="0" cy="0"/>
+        </a:xfrm>
+      </p:grpSpPr>
+      <p:sp>
+        <p:nvSpPr>
+          <p:cNvPr id="2" name="Slide Image Placeholder 1"/>
+          <p:cNvSpPr>
+            <a:spLocks noGrp="1" noRot="1" noChangeAspect="1"/>
+          </p:cNvSpPr>
+          <p:nvPr>
+            <p:ph type="sldImg"/>
+          </p:nvPr>
+        </p:nvSpPr>
+        <p:spPr/>
+      </p:sp>
+      <p:sp>
+        <p:nvSpPr>
+          <p:cNvPr id="3" name="Notes Placeholder 2"/>
+          <p:cNvSpPr>
+            <a:spLocks noGrp="1"/>
+          </p:cNvSpPr>
+          <p:nvPr>
+            <p:ph type="body" idx="1"/>
+          </p:nvPr>
+        </p:nvSpPr>
+        <p:spPr/>
+        <p:txBody>
+          <a:bodyPr/>
+          <a:lstStyle/>
+          <a:p>
+            <a:pPr lvl="3"/>
+            <a:r>
+              <a:rPr lang="en-PH" sz="1200" kern="1200" dirty="0">
+                <a:solidFill>
+                  <a:schemeClr val="tx1"/>
+                </a:solidFill>
+                <a:effectLst/>
+                <a:latin typeface="+mn-lt"/>
+                <a:ea typeface="+mn-ea"/>
+                <a:cs typeface="+mn-cs"/>
+              </a:rPr>
+              <a:t>To increase user satisfaction upon product consumption; to help the system satisfy the varying users when it comes to the touch screen display.</a:t>
+            </a:r>
+            <a:endParaRPr lang="en-PH" sz="1000" kern="1200" dirty="0">
+              <a:solidFill>
+                <a:schemeClr val="tx1"/>
+              </a:solidFill>
+              <a:effectLst/>
+              <a:latin typeface="+mn-lt"/>
+              <a:ea typeface="+mn-ea"/>
+              <a:cs typeface="+mn-cs"/>
+            </a:endParaRPr>
+          </a:p>
+          <a:p>
+            <a:pPr lvl="3"/>
+            <a:r>
+              <a:rPr lang="en-PH" sz="1200" kern="1200" dirty="0">
+                <a:solidFill>
+                  <a:schemeClr val="tx1"/>
+                </a:solidFill>
+                <a:effectLst/>
+                <a:latin typeface="+mn-lt"/>
+                <a:ea typeface="+mn-ea"/>
+                <a:cs typeface="+mn-cs"/>
+              </a:rPr>
+              <a:t>To produce a touch calibrating software wherein the system will adapt on the users usage, increasing touch accuracy and precision.</a:t>
+            </a:r>
+            <a:endParaRPr lang="en-PH" sz="1000" kern="1200" dirty="0">
+              <a:solidFill>
+                <a:schemeClr val="tx1"/>
+              </a:solidFill>
+              <a:effectLst/>
+              <a:latin typeface="+mn-lt"/>
+              <a:ea typeface="+mn-ea"/>
+              <a:cs typeface="+mn-cs"/>
+            </a:endParaRPr>
+          </a:p>
+          <a:p>
+            <a:pPr lvl="3"/>
+            <a:r>
+              <a:rPr lang="en-PH" sz="1200" kern="1200" dirty="0">
+                <a:solidFill>
+                  <a:schemeClr val="tx1"/>
+                </a:solidFill>
+                <a:effectLst/>
+                <a:latin typeface="+mn-lt"/>
+                <a:ea typeface="+mn-ea"/>
+                <a:cs typeface="+mn-cs"/>
+              </a:rPr>
+              <a:t>To determine the causes of the inaccuracy of touch registers on a touch screen smartphone.</a:t>
+            </a:r>
+            <a:endParaRPr lang="en-PH" sz="1000" kern="1200" dirty="0">
+              <a:solidFill>
+                <a:schemeClr val="tx1"/>
+              </a:solidFill>
+              <a:effectLst/>
+              <a:latin typeface="+mn-lt"/>
+              <a:ea typeface="+mn-ea"/>
+              <a:cs typeface="+mn-cs"/>
+            </a:endParaRPr>
+          </a:p>
+          <a:p>
+            <a:endParaRPr lang="en-PH" dirty="0"/>
+          </a:p>
+        </p:txBody>
+      </p:sp>
+      <p:sp>
+        <p:nvSpPr>
+          <p:cNvPr id="4" name="Slide Number Placeholder 3"/>
+          <p:cNvSpPr>
+            <a:spLocks noGrp="1"/>
+          </p:cNvSpPr>
+          <p:nvPr>
+            <p:ph type="sldNum" sz="quarter" idx="10"/>
+          </p:nvPr>
+        </p:nvSpPr>
+        <p:spPr/>
+        <p:txBody>
+          <a:bodyPr/>
+          <a:lstStyle/>
+          <a:p>
+            <a:fld id="{29C2648A-57CB-401D-BF5C-708A59FB5531}" type="slidenum">
+              <a:rPr lang="en-PH" smtClean="0"/>
+              <a:t>3</a:t>
+            </a:fld>
+            <a:endParaRPr lang="en-PH"/>
+          </a:p>
+        </p:txBody>
+      </p:sp>
+    </p:spTree>
+    <p:extLst>
+      <p:ext uri="{BB962C8B-B14F-4D97-AF65-F5344CB8AC3E}">
+        <p14:creationId xmlns:p14="http://schemas.microsoft.com/office/powerpoint/2010/main" val="3172214715"/>
       </p:ext>
     </p:extLst>
   </p:cSld>

--- a/Midterm-PPT.pptx
+++ b/Midterm-PPT.pptx
@@ -5,7 +5,7 @@
     <p:sldMasterId id="2147483648" r:id="rId1"/>
   </p:sldMasterIdLst>
   <p:notesMasterIdLst>
-    <p:notesMasterId r:id="rId19"/>
+    <p:notesMasterId r:id="rId23"/>
   </p:notesMasterIdLst>
   <p:sldIdLst>
     <p:sldId id="256" r:id="rId2"/>
@@ -15,16 +15,20 @@
     <p:sldId id="261" r:id="rId6"/>
     <p:sldId id="259" r:id="rId7"/>
     <p:sldId id="262" r:id="rId8"/>
-    <p:sldId id="263" r:id="rId9"/>
-    <p:sldId id="264" r:id="rId10"/>
-    <p:sldId id="265" r:id="rId11"/>
-    <p:sldId id="268" r:id="rId12"/>
-    <p:sldId id="267" r:id="rId13"/>
-    <p:sldId id="266" r:id="rId14"/>
-    <p:sldId id="269" r:id="rId15"/>
-    <p:sldId id="272" r:id="rId16"/>
-    <p:sldId id="271" r:id="rId17"/>
-    <p:sldId id="270" r:id="rId18"/>
+    <p:sldId id="273" r:id="rId9"/>
+    <p:sldId id="274" r:id="rId10"/>
+    <p:sldId id="263" r:id="rId11"/>
+    <p:sldId id="264" r:id="rId12"/>
+    <p:sldId id="265" r:id="rId13"/>
+    <p:sldId id="276" r:id="rId14"/>
+    <p:sldId id="277" r:id="rId15"/>
+    <p:sldId id="268" r:id="rId16"/>
+    <p:sldId id="267" r:id="rId17"/>
+    <p:sldId id="266" r:id="rId18"/>
+    <p:sldId id="269" r:id="rId19"/>
+    <p:sldId id="272" r:id="rId20"/>
+    <p:sldId id="271" r:id="rId21"/>
+    <p:sldId id="270" r:id="rId22"/>
   </p:sldIdLst>
   <p:sldSz cx="12192000" cy="6858000"/>
   <p:notesSz cx="6858000" cy="9144000"/>
@@ -139,9 +143,13 @@
             <p14:sldId id="261"/>
             <p14:sldId id="259"/>
             <p14:sldId id="262"/>
+            <p14:sldId id="273"/>
+            <p14:sldId id="274"/>
             <p14:sldId id="263"/>
             <p14:sldId id="264"/>
             <p14:sldId id="265"/>
+            <p14:sldId id="276"/>
+            <p14:sldId id="277"/>
             <p14:sldId id="268"/>
             <p14:sldId id="267"/>
             <p14:sldId id="266"/>
@@ -6377,30 +6385,140 @@
       </p:grpSpPr>
       <p:sp>
         <p:nvSpPr>
-          <p:cNvPr id="2" name="Title 1"/>
-          <p:cNvSpPr>
-            <a:spLocks noGrp="1"/>
-          </p:cNvSpPr>
-          <p:nvPr>
-            <p:ph type="title"/>
-          </p:nvPr>
-        </p:nvSpPr>
-        <p:spPr/>
-        <p:txBody>
-          <a:bodyPr/>
-          <a:lstStyle/>
-          <a:p>
-            <a:r>
-              <a:rPr lang="en-PH" sz="6600" dirty="0"/>
-              <a:t>Sequence Diagram</a:t>
-            </a:r>
-          </a:p>
-        </p:txBody>
-      </p:sp>
+          <p:cNvPr id="4" name="Title 1"/>
+          <p:cNvSpPr txBox="1">
+            <a:spLocks/>
+          </p:cNvSpPr>
+          <p:nvPr/>
+        </p:nvSpPr>
+        <p:spPr>
+          <a:xfrm>
+            <a:off x="476172" y="0"/>
+            <a:ext cx="10571998" cy="970450"/>
+          </a:xfrm>
+          <a:prstGeom prst="rect">
+            <a:avLst/>
+          </a:prstGeom>
+          <a:effectLst>
+            <a:outerShdw blurRad="50800" dir="14400000">
+              <a:srgbClr val="000000">
+                <a:alpha val="60000"/>
+              </a:srgbClr>
+            </a:outerShdw>
+          </a:effectLst>
+        </p:spPr>
+        <p:txBody>
+          <a:bodyPr vert="horz" lIns="91440" tIns="45720" rIns="91440" bIns="45720" rtlCol="0" anchor="b">
+            <a:noAutofit/>
+          </a:bodyPr>
+          <a:lstStyle>
+            <a:lvl1pPr algn="l" defTabSz="457200" rtl="0" eaLnBrk="1" latinLnBrk="0" hangingPunct="1">
+              <a:spcBef>
+                <a:spcPct val="0"/>
+              </a:spcBef>
+              <a:buNone/>
+              <a:defRPr sz="4000" b="1" kern="1200">
+                <a:solidFill>
+                  <a:srgbClr val="FEFEFE"/>
+                </a:solidFill>
+                <a:latin typeface="+mj-lt"/>
+                <a:ea typeface="+mj-ea"/>
+                <a:cs typeface="+mj-cs"/>
+              </a:defRPr>
+            </a:lvl1pPr>
+            <a:lvl2pPr eaLnBrk="1" hangingPunct="1">
+              <a:defRPr>
+                <a:solidFill>
+                  <a:schemeClr val="tx2"/>
+                </a:solidFill>
+              </a:defRPr>
+            </a:lvl2pPr>
+            <a:lvl3pPr eaLnBrk="1" hangingPunct="1">
+              <a:defRPr>
+                <a:solidFill>
+                  <a:schemeClr val="tx2"/>
+                </a:solidFill>
+              </a:defRPr>
+            </a:lvl3pPr>
+            <a:lvl4pPr eaLnBrk="1" hangingPunct="1">
+              <a:defRPr>
+                <a:solidFill>
+                  <a:schemeClr val="tx2"/>
+                </a:solidFill>
+              </a:defRPr>
+            </a:lvl4pPr>
+            <a:lvl5pPr eaLnBrk="1" hangingPunct="1">
+              <a:defRPr>
+                <a:solidFill>
+                  <a:schemeClr val="tx2"/>
+                </a:solidFill>
+              </a:defRPr>
+            </a:lvl5pPr>
+            <a:lvl6pPr eaLnBrk="1" hangingPunct="1">
+              <a:defRPr>
+                <a:solidFill>
+                  <a:schemeClr val="tx2"/>
+                </a:solidFill>
+              </a:defRPr>
+            </a:lvl6pPr>
+            <a:lvl7pPr eaLnBrk="1" hangingPunct="1">
+              <a:defRPr>
+                <a:solidFill>
+                  <a:schemeClr val="tx2"/>
+                </a:solidFill>
+              </a:defRPr>
+            </a:lvl7pPr>
+            <a:lvl8pPr eaLnBrk="1" hangingPunct="1">
+              <a:defRPr>
+                <a:solidFill>
+                  <a:schemeClr val="tx2"/>
+                </a:solidFill>
+              </a:defRPr>
+            </a:lvl8pPr>
+            <a:lvl9pPr eaLnBrk="1" hangingPunct="1">
+              <a:defRPr>
+                <a:solidFill>
+                  <a:schemeClr val="tx2"/>
+                </a:solidFill>
+              </a:defRPr>
+            </a:lvl9pPr>
+          </a:lstStyle>
+          <a:p>
+            <a:r>
+              <a:rPr lang="en-PH" sz="4800" dirty="0"/>
+              <a:t>Object Diagram</a:t>
+            </a:r>
+          </a:p>
+        </p:txBody>
+      </p:sp>
+      <p:pic>
+        <p:nvPicPr>
+          <p:cNvPr id="6" name="Picture 5"/>
+          <p:cNvPicPr>
+            <a:picLocks noChangeAspect="1"/>
+          </p:cNvPicPr>
+          <p:nvPr/>
+        </p:nvPicPr>
+        <p:blipFill>
+          <a:blip r:embed="rId2"/>
+          <a:stretch>
+            <a:fillRect/>
+          </a:stretch>
+        </p:blipFill>
+        <p:spPr>
+          <a:xfrm>
+            <a:off x="476172" y="1209674"/>
+            <a:ext cx="11239578" cy="5214693"/>
+          </a:xfrm>
+          <a:prstGeom prst="rect">
+            <a:avLst/>
+          </a:prstGeom>
+        </p:spPr>
+      </p:pic>
     </p:spTree>
     <p:extLst>
       <p:ext uri="{BB962C8B-B14F-4D97-AF65-F5344CB8AC3E}">
-        <p14:creationId xmlns:p14="http://schemas.microsoft.com/office/powerpoint/2010/main" val="1948076556"/>
+        <p14:creationId xmlns:p14="http://schemas.microsoft.com/office/powerpoint/2010/main" val="3754155210"/>
       </p:ext>
     </p:extLst>
   </p:cSld>
@@ -6429,30 +6547,140 @@
       </p:grpSpPr>
       <p:sp>
         <p:nvSpPr>
-          <p:cNvPr id="2" name="Title 1"/>
-          <p:cNvSpPr>
-            <a:spLocks noGrp="1"/>
-          </p:cNvSpPr>
-          <p:nvPr>
-            <p:ph type="title"/>
-          </p:nvPr>
-        </p:nvSpPr>
-        <p:spPr/>
-        <p:txBody>
-          <a:bodyPr/>
-          <a:lstStyle/>
-          <a:p>
-            <a:r>
-              <a:rPr lang="en-PH" sz="6600" dirty="0"/>
-              <a:t>Communication Diagram</a:t>
-            </a:r>
-          </a:p>
-        </p:txBody>
-      </p:sp>
+          <p:cNvPr id="3" name="Title 1"/>
+          <p:cNvSpPr txBox="1">
+            <a:spLocks/>
+          </p:cNvSpPr>
+          <p:nvPr/>
+        </p:nvSpPr>
+        <p:spPr>
+          <a:xfrm>
+            <a:off x="476172" y="0"/>
+            <a:ext cx="10571998" cy="970450"/>
+          </a:xfrm>
+          <a:prstGeom prst="rect">
+            <a:avLst/>
+          </a:prstGeom>
+          <a:effectLst>
+            <a:outerShdw blurRad="50800" dir="14400000">
+              <a:srgbClr val="000000">
+                <a:alpha val="60000"/>
+              </a:srgbClr>
+            </a:outerShdw>
+          </a:effectLst>
+        </p:spPr>
+        <p:txBody>
+          <a:bodyPr vert="horz" lIns="91440" tIns="45720" rIns="91440" bIns="45720" rtlCol="0" anchor="b">
+            <a:noAutofit/>
+          </a:bodyPr>
+          <a:lstStyle>
+            <a:lvl1pPr algn="l" defTabSz="457200" rtl="0" eaLnBrk="1" latinLnBrk="0" hangingPunct="1">
+              <a:spcBef>
+                <a:spcPct val="0"/>
+              </a:spcBef>
+              <a:buNone/>
+              <a:defRPr sz="4000" b="1" kern="1200">
+                <a:solidFill>
+                  <a:srgbClr val="FEFEFE"/>
+                </a:solidFill>
+                <a:latin typeface="+mj-lt"/>
+                <a:ea typeface="+mj-ea"/>
+                <a:cs typeface="+mj-cs"/>
+              </a:defRPr>
+            </a:lvl1pPr>
+            <a:lvl2pPr eaLnBrk="1" hangingPunct="1">
+              <a:defRPr>
+                <a:solidFill>
+                  <a:schemeClr val="tx2"/>
+                </a:solidFill>
+              </a:defRPr>
+            </a:lvl2pPr>
+            <a:lvl3pPr eaLnBrk="1" hangingPunct="1">
+              <a:defRPr>
+                <a:solidFill>
+                  <a:schemeClr val="tx2"/>
+                </a:solidFill>
+              </a:defRPr>
+            </a:lvl3pPr>
+            <a:lvl4pPr eaLnBrk="1" hangingPunct="1">
+              <a:defRPr>
+                <a:solidFill>
+                  <a:schemeClr val="tx2"/>
+                </a:solidFill>
+              </a:defRPr>
+            </a:lvl4pPr>
+            <a:lvl5pPr eaLnBrk="1" hangingPunct="1">
+              <a:defRPr>
+                <a:solidFill>
+                  <a:schemeClr val="tx2"/>
+                </a:solidFill>
+              </a:defRPr>
+            </a:lvl5pPr>
+            <a:lvl6pPr eaLnBrk="1" hangingPunct="1">
+              <a:defRPr>
+                <a:solidFill>
+                  <a:schemeClr val="tx2"/>
+                </a:solidFill>
+              </a:defRPr>
+            </a:lvl6pPr>
+            <a:lvl7pPr eaLnBrk="1" hangingPunct="1">
+              <a:defRPr>
+                <a:solidFill>
+                  <a:schemeClr val="tx2"/>
+                </a:solidFill>
+              </a:defRPr>
+            </a:lvl7pPr>
+            <a:lvl8pPr eaLnBrk="1" hangingPunct="1">
+              <a:defRPr>
+                <a:solidFill>
+                  <a:schemeClr val="tx2"/>
+                </a:solidFill>
+              </a:defRPr>
+            </a:lvl8pPr>
+            <a:lvl9pPr eaLnBrk="1" hangingPunct="1">
+              <a:defRPr>
+                <a:solidFill>
+                  <a:schemeClr val="tx2"/>
+                </a:solidFill>
+              </a:defRPr>
+            </a:lvl9pPr>
+          </a:lstStyle>
+          <a:p>
+            <a:r>
+              <a:rPr lang="en-PH" sz="4800" dirty="0"/>
+              <a:t>Deployment Diagram</a:t>
+            </a:r>
+          </a:p>
+        </p:txBody>
+      </p:sp>
+      <p:pic>
+        <p:nvPicPr>
+          <p:cNvPr id="6" name="Picture 5"/>
+          <p:cNvPicPr>
+            <a:picLocks noChangeAspect="1"/>
+          </p:cNvPicPr>
+          <p:nvPr/>
+        </p:nvPicPr>
+        <p:blipFill>
+          <a:blip r:embed="rId2"/>
+          <a:stretch>
+            <a:fillRect/>
+          </a:stretch>
+        </p:blipFill>
+        <p:spPr>
+          <a:xfrm>
+            <a:off x="1247282" y="989500"/>
+            <a:ext cx="9029778" cy="5512513"/>
+          </a:xfrm>
+          <a:prstGeom prst="rect">
+            <a:avLst/>
+          </a:prstGeom>
+        </p:spPr>
+      </p:pic>
     </p:spTree>
     <p:extLst>
       <p:ext uri="{BB962C8B-B14F-4D97-AF65-F5344CB8AC3E}">
-        <p14:creationId xmlns:p14="http://schemas.microsoft.com/office/powerpoint/2010/main" val="1300898589"/>
+        <p14:creationId xmlns:p14="http://schemas.microsoft.com/office/powerpoint/2010/main" val="2560208837"/>
       </p:ext>
     </p:extLst>
   </p:cSld>
@@ -6481,22 +6709,240 @@
       </p:grpSpPr>
       <p:sp>
         <p:nvSpPr>
-          <p:cNvPr id="2" name="Title 1"/>
-          <p:cNvSpPr>
-            <a:spLocks noGrp="1"/>
-          </p:cNvSpPr>
-          <p:nvPr>
-            <p:ph type="title"/>
-          </p:nvPr>
-        </p:nvSpPr>
-        <p:spPr/>
-        <p:txBody>
-          <a:bodyPr/>
-          <a:lstStyle/>
-          <a:p>
-            <a:r>
-              <a:rPr lang="en-PH" sz="6600" dirty="0"/>
-              <a:t>State Diagram</a:t>
+          <p:cNvPr id="5" name="Title 1"/>
+          <p:cNvSpPr txBox="1">
+            <a:spLocks/>
+          </p:cNvSpPr>
+          <p:nvPr/>
+        </p:nvSpPr>
+        <p:spPr>
+          <a:xfrm>
+            <a:off x="476172" y="0"/>
+            <a:ext cx="10571998" cy="970450"/>
+          </a:xfrm>
+          <a:prstGeom prst="rect">
+            <a:avLst/>
+          </a:prstGeom>
+          <a:effectLst>
+            <a:outerShdw blurRad="50800" dir="14400000">
+              <a:srgbClr val="000000">
+                <a:alpha val="60000"/>
+              </a:srgbClr>
+            </a:outerShdw>
+          </a:effectLst>
+        </p:spPr>
+        <p:txBody>
+          <a:bodyPr vert="horz" lIns="91440" tIns="45720" rIns="91440" bIns="45720" rtlCol="0" anchor="b">
+            <a:noAutofit/>
+          </a:bodyPr>
+          <a:lstStyle>
+            <a:lvl1pPr algn="l" defTabSz="457200" rtl="0" eaLnBrk="1" latinLnBrk="0" hangingPunct="1">
+              <a:spcBef>
+                <a:spcPct val="0"/>
+              </a:spcBef>
+              <a:buNone/>
+              <a:defRPr sz="4000" b="1" kern="1200">
+                <a:solidFill>
+                  <a:srgbClr val="FEFEFE"/>
+                </a:solidFill>
+                <a:latin typeface="+mj-lt"/>
+                <a:ea typeface="+mj-ea"/>
+                <a:cs typeface="+mj-cs"/>
+              </a:defRPr>
+            </a:lvl1pPr>
+            <a:lvl2pPr eaLnBrk="1" hangingPunct="1">
+              <a:defRPr>
+                <a:solidFill>
+                  <a:schemeClr val="tx2"/>
+                </a:solidFill>
+              </a:defRPr>
+            </a:lvl2pPr>
+            <a:lvl3pPr eaLnBrk="1" hangingPunct="1">
+              <a:defRPr>
+                <a:solidFill>
+                  <a:schemeClr val="tx2"/>
+                </a:solidFill>
+              </a:defRPr>
+            </a:lvl3pPr>
+            <a:lvl4pPr eaLnBrk="1" hangingPunct="1">
+              <a:defRPr>
+                <a:solidFill>
+                  <a:schemeClr val="tx2"/>
+                </a:solidFill>
+              </a:defRPr>
+            </a:lvl4pPr>
+            <a:lvl5pPr eaLnBrk="1" hangingPunct="1">
+              <a:defRPr>
+                <a:solidFill>
+                  <a:schemeClr val="tx2"/>
+                </a:solidFill>
+              </a:defRPr>
+            </a:lvl5pPr>
+            <a:lvl6pPr eaLnBrk="1" hangingPunct="1">
+              <a:defRPr>
+                <a:solidFill>
+                  <a:schemeClr val="tx2"/>
+                </a:solidFill>
+              </a:defRPr>
+            </a:lvl6pPr>
+            <a:lvl7pPr eaLnBrk="1" hangingPunct="1">
+              <a:defRPr>
+                <a:solidFill>
+                  <a:schemeClr val="tx2"/>
+                </a:solidFill>
+              </a:defRPr>
+            </a:lvl7pPr>
+            <a:lvl8pPr eaLnBrk="1" hangingPunct="1">
+              <a:defRPr>
+                <a:solidFill>
+                  <a:schemeClr val="tx2"/>
+                </a:solidFill>
+              </a:defRPr>
+            </a:lvl8pPr>
+            <a:lvl9pPr eaLnBrk="1" hangingPunct="1">
+              <a:defRPr>
+                <a:solidFill>
+                  <a:schemeClr val="tx2"/>
+                </a:solidFill>
+              </a:defRPr>
+            </a:lvl9pPr>
+          </a:lstStyle>
+          <a:p>
+            <a:r>
+              <a:rPr lang="en-PH" sz="4800" dirty="0"/>
+              <a:t>Sequence Diagram</a:t>
+            </a:r>
+          </a:p>
+        </p:txBody>
+      </p:sp>
+      <p:pic>
+        <p:nvPicPr>
+          <p:cNvPr id="10" name="Picture 9"/>
+          <p:cNvPicPr>
+            <a:picLocks noChangeAspect="1"/>
+          </p:cNvPicPr>
+          <p:nvPr/>
+        </p:nvPicPr>
+        <p:blipFill>
+          <a:blip r:embed="rId2"/>
+          <a:stretch>
+            <a:fillRect/>
+          </a:stretch>
+        </p:blipFill>
+        <p:spPr>
+          <a:xfrm>
+            <a:off x="2689225" y="1946275"/>
+            <a:ext cx="6619875" cy="5124450"/>
+          </a:xfrm>
+          <a:prstGeom prst="rect">
+            <a:avLst/>
+          </a:prstGeom>
+        </p:spPr>
+      </p:pic>
+      <p:sp>
+        <p:nvSpPr>
+          <p:cNvPr id="11" name="Title 1"/>
+          <p:cNvSpPr txBox="1">
+            <a:spLocks/>
+          </p:cNvSpPr>
+          <p:nvPr/>
+        </p:nvSpPr>
+        <p:spPr>
+          <a:xfrm>
+            <a:off x="9309100" y="5236675"/>
+            <a:ext cx="2768600" cy="970450"/>
+          </a:xfrm>
+          <a:prstGeom prst="rect">
+            <a:avLst/>
+          </a:prstGeom>
+          <a:effectLst>
+            <a:outerShdw blurRad="50800" dir="14400000">
+              <a:srgbClr val="000000">
+                <a:alpha val="60000"/>
+              </a:srgbClr>
+            </a:outerShdw>
+          </a:effectLst>
+        </p:spPr>
+        <p:txBody>
+          <a:bodyPr vert="horz" lIns="91440" tIns="45720" rIns="91440" bIns="45720" rtlCol="0" anchor="b">
+            <a:noAutofit/>
+          </a:bodyPr>
+          <a:lstStyle>
+            <a:lvl1pPr algn="l" defTabSz="457200" rtl="0" eaLnBrk="1" latinLnBrk="0" hangingPunct="1">
+              <a:spcBef>
+                <a:spcPct val="0"/>
+              </a:spcBef>
+              <a:buNone/>
+              <a:defRPr sz="4000" b="1" kern="1200">
+                <a:solidFill>
+                  <a:srgbClr val="FEFEFE"/>
+                </a:solidFill>
+                <a:latin typeface="+mj-lt"/>
+                <a:ea typeface="+mj-ea"/>
+                <a:cs typeface="+mj-cs"/>
+              </a:defRPr>
+            </a:lvl1pPr>
+            <a:lvl2pPr eaLnBrk="1" hangingPunct="1">
+              <a:defRPr>
+                <a:solidFill>
+                  <a:schemeClr val="tx2"/>
+                </a:solidFill>
+              </a:defRPr>
+            </a:lvl2pPr>
+            <a:lvl3pPr eaLnBrk="1" hangingPunct="1">
+              <a:defRPr>
+                <a:solidFill>
+                  <a:schemeClr val="tx2"/>
+                </a:solidFill>
+              </a:defRPr>
+            </a:lvl3pPr>
+            <a:lvl4pPr eaLnBrk="1" hangingPunct="1">
+              <a:defRPr>
+                <a:solidFill>
+                  <a:schemeClr val="tx2"/>
+                </a:solidFill>
+              </a:defRPr>
+            </a:lvl4pPr>
+            <a:lvl5pPr eaLnBrk="1" hangingPunct="1">
+              <a:defRPr>
+                <a:solidFill>
+                  <a:schemeClr val="tx2"/>
+                </a:solidFill>
+              </a:defRPr>
+            </a:lvl5pPr>
+            <a:lvl6pPr eaLnBrk="1" hangingPunct="1">
+              <a:defRPr>
+                <a:solidFill>
+                  <a:schemeClr val="tx2"/>
+                </a:solidFill>
+              </a:defRPr>
+            </a:lvl6pPr>
+            <a:lvl7pPr eaLnBrk="1" hangingPunct="1">
+              <a:defRPr>
+                <a:solidFill>
+                  <a:schemeClr val="tx2"/>
+                </a:solidFill>
+              </a:defRPr>
+            </a:lvl7pPr>
+            <a:lvl8pPr eaLnBrk="1" hangingPunct="1">
+              <a:defRPr>
+                <a:solidFill>
+                  <a:schemeClr val="tx2"/>
+                </a:solidFill>
+              </a:defRPr>
+            </a:lvl8pPr>
+            <a:lvl9pPr eaLnBrk="1" hangingPunct="1">
+              <a:defRPr>
+                <a:solidFill>
+                  <a:schemeClr val="tx2"/>
+                </a:solidFill>
+              </a:defRPr>
+            </a:lvl9pPr>
+          </a:lstStyle>
+          <a:p>
+            <a:r>
+              <a:rPr lang="en-PH" sz="3200" dirty="0"/>
+              <a:t>Touch Calibration</a:t>
             </a:r>
           </a:p>
         </p:txBody>
@@ -6504,7 +6950,7 @@
     </p:spTree>
     <p:extLst>
       <p:ext uri="{BB962C8B-B14F-4D97-AF65-F5344CB8AC3E}">
-        <p14:creationId xmlns:p14="http://schemas.microsoft.com/office/powerpoint/2010/main" val="908242491"/>
+        <p14:creationId xmlns:p14="http://schemas.microsoft.com/office/powerpoint/2010/main" val="1948076556"/>
       </p:ext>
     </p:extLst>
   </p:cSld>
@@ -6533,30 +6979,248 @@
       </p:grpSpPr>
       <p:sp>
         <p:nvSpPr>
-          <p:cNvPr id="2" name="Title 1"/>
-          <p:cNvSpPr>
-            <a:spLocks noGrp="1"/>
-          </p:cNvSpPr>
-          <p:nvPr>
-            <p:ph type="title"/>
-          </p:nvPr>
-        </p:nvSpPr>
-        <p:spPr/>
-        <p:txBody>
-          <a:bodyPr/>
-          <a:lstStyle/>
-          <a:p>
-            <a:r>
-              <a:rPr lang="en-PH" sz="6600" dirty="0"/>
-              <a:t>Timing Diagram</a:t>
-            </a:r>
-          </a:p>
-        </p:txBody>
-      </p:sp>
+          <p:cNvPr id="5" name="Title 1"/>
+          <p:cNvSpPr txBox="1">
+            <a:spLocks/>
+          </p:cNvSpPr>
+          <p:nvPr/>
+        </p:nvSpPr>
+        <p:spPr>
+          <a:xfrm>
+            <a:off x="476172" y="0"/>
+            <a:ext cx="10571998" cy="970450"/>
+          </a:xfrm>
+          <a:prstGeom prst="rect">
+            <a:avLst/>
+          </a:prstGeom>
+          <a:effectLst>
+            <a:outerShdw blurRad="50800" dir="14400000">
+              <a:srgbClr val="000000">
+                <a:alpha val="60000"/>
+              </a:srgbClr>
+            </a:outerShdw>
+          </a:effectLst>
+        </p:spPr>
+        <p:txBody>
+          <a:bodyPr vert="horz" lIns="91440" tIns="45720" rIns="91440" bIns="45720" rtlCol="0" anchor="b">
+            <a:noAutofit/>
+          </a:bodyPr>
+          <a:lstStyle>
+            <a:lvl1pPr algn="l" defTabSz="457200" rtl="0" eaLnBrk="1" latinLnBrk="0" hangingPunct="1">
+              <a:spcBef>
+                <a:spcPct val="0"/>
+              </a:spcBef>
+              <a:buNone/>
+              <a:defRPr sz="4000" b="1" kern="1200">
+                <a:solidFill>
+                  <a:srgbClr val="FEFEFE"/>
+                </a:solidFill>
+                <a:latin typeface="+mj-lt"/>
+                <a:ea typeface="+mj-ea"/>
+                <a:cs typeface="+mj-cs"/>
+              </a:defRPr>
+            </a:lvl1pPr>
+            <a:lvl2pPr eaLnBrk="1" hangingPunct="1">
+              <a:defRPr>
+                <a:solidFill>
+                  <a:schemeClr val="tx2"/>
+                </a:solidFill>
+              </a:defRPr>
+            </a:lvl2pPr>
+            <a:lvl3pPr eaLnBrk="1" hangingPunct="1">
+              <a:defRPr>
+                <a:solidFill>
+                  <a:schemeClr val="tx2"/>
+                </a:solidFill>
+              </a:defRPr>
+            </a:lvl3pPr>
+            <a:lvl4pPr eaLnBrk="1" hangingPunct="1">
+              <a:defRPr>
+                <a:solidFill>
+                  <a:schemeClr val="tx2"/>
+                </a:solidFill>
+              </a:defRPr>
+            </a:lvl4pPr>
+            <a:lvl5pPr eaLnBrk="1" hangingPunct="1">
+              <a:defRPr>
+                <a:solidFill>
+                  <a:schemeClr val="tx2"/>
+                </a:solidFill>
+              </a:defRPr>
+            </a:lvl5pPr>
+            <a:lvl6pPr eaLnBrk="1" hangingPunct="1">
+              <a:defRPr>
+                <a:solidFill>
+                  <a:schemeClr val="tx2"/>
+                </a:solidFill>
+              </a:defRPr>
+            </a:lvl6pPr>
+            <a:lvl7pPr eaLnBrk="1" hangingPunct="1">
+              <a:defRPr>
+                <a:solidFill>
+                  <a:schemeClr val="tx2"/>
+                </a:solidFill>
+              </a:defRPr>
+            </a:lvl7pPr>
+            <a:lvl8pPr eaLnBrk="1" hangingPunct="1">
+              <a:defRPr>
+                <a:solidFill>
+                  <a:schemeClr val="tx2"/>
+                </a:solidFill>
+              </a:defRPr>
+            </a:lvl8pPr>
+            <a:lvl9pPr eaLnBrk="1" hangingPunct="1">
+              <a:defRPr>
+                <a:solidFill>
+                  <a:schemeClr val="tx2"/>
+                </a:solidFill>
+              </a:defRPr>
+            </a:lvl9pPr>
+          </a:lstStyle>
+          <a:p>
+            <a:r>
+              <a:rPr lang="en-PH" sz="4800" dirty="0"/>
+              <a:t>Sequence Diagram</a:t>
+            </a:r>
+          </a:p>
+        </p:txBody>
+      </p:sp>
+      <p:sp>
+        <p:nvSpPr>
+          <p:cNvPr id="11" name="Title 1"/>
+          <p:cNvSpPr txBox="1">
+            <a:spLocks/>
+          </p:cNvSpPr>
+          <p:nvPr/>
+        </p:nvSpPr>
+        <p:spPr>
+          <a:xfrm>
+            <a:off x="780972" y="5997087"/>
+            <a:ext cx="2768600" cy="503237"/>
+          </a:xfrm>
+          <a:prstGeom prst="rect">
+            <a:avLst/>
+          </a:prstGeom>
+          <a:effectLst>
+            <a:outerShdw blurRad="50800" dir="14400000">
+              <a:srgbClr val="000000">
+                <a:alpha val="60000"/>
+              </a:srgbClr>
+            </a:outerShdw>
+          </a:effectLst>
+        </p:spPr>
+        <p:txBody>
+          <a:bodyPr vert="horz" lIns="91440" tIns="45720" rIns="91440" bIns="45720" rtlCol="0" anchor="b">
+            <a:noAutofit/>
+          </a:bodyPr>
+          <a:lstStyle>
+            <a:lvl1pPr algn="l" defTabSz="457200" rtl="0" eaLnBrk="1" latinLnBrk="0" hangingPunct="1">
+              <a:spcBef>
+                <a:spcPct val="0"/>
+              </a:spcBef>
+              <a:buNone/>
+              <a:defRPr sz="4000" b="1" kern="1200">
+                <a:solidFill>
+                  <a:srgbClr val="FEFEFE"/>
+                </a:solidFill>
+                <a:latin typeface="+mj-lt"/>
+                <a:ea typeface="+mj-ea"/>
+                <a:cs typeface="+mj-cs"/>
+              </a:defRPr>
+            </a:lvl1pPr>
+            <a:lvl2pPr eaLnBrk="1" hangingPunct="1">
+              <a:defRPr>
+                <a:solidFill>
+                  <a:schemeClr val="tx2"/>
+                </a:solidFill>
+              </a:defRPr>
+            </a:lvl2pPr>
+            <a:lvl3pPr eaLnBrk="1" hangingPunct="1">
+              <a:defRPr>
+                <a:solidFill>
+                  <a:schemeClr val="tx2"/>
+                </a:solidFill>
+              </a:defRPr>
+            </a:lvl3pPr>
+            <a:lvl4pPr eaLnBrk="1" hangingPunct="1">
+              <a:defRPr>
+                <a:solidFill>
+                  <a:schemeClr val="tx2"/>
+                </a:solidFill>
+              </a:defRPr>
+            </a:lvl4pPr>
+            <a:lvl5pPr eaLnBrk="1" hangingPunct="1">
+              <a:defRPr>
+                <a:solidFill>
+                  <a:schemeClr val="tx2"/>
+                </a:solidFill>
+              </a:defRPr>
+            </a:lvl5pPr>
+            <a:lvl6pPr eaLnBrk="1" hangingPunct="1">
+              <a:defRPr>
+                <a:solidFill>
+                  <a:schemeClr val="tx2"/>
+                </a:solidFill>
+              </a:defRPr>
+            </a:lvl6pPr>
+            <a:lvl7pPr eaLnBrk="1" hangingPunct="1">
+              <a:defRPr>
+                <a:solidFill>
+                  <a:schemeClr val="tx2"/>
+                </a:solidFill>
+              </a:defRPr>
+            </a:lvl7pPr>
+            <a:lvl8pPr eaLnBrk="1" hangingPunct="1">
+              <a:defRPr>
+                <a:solidFill>
+                  <a:schemeClr val="tx2"/>
+                </a:solidFill>
+              </a:defRPr>
+            </a:lvl8pPr>
+            <a:lvl9pPr eaLnBrk="1" hangingPunct="1">
+              <a:defRPr>
+                <a:solidFill>
+                  <a:schemeClr val="tx2"/>
+                </a:solidFill>
+              </a:defRPr>
+            </a:lvl9pPr>
+          </a:lstStyle>
+          <a:p>
+            <a:r>
+              <a:rPr lang="en-PH" sz="3200" dirty="0"/>
+              <a:t>History</a:t>
+            </a:r>
+          </a:p>
+        </p:txBody>
+      </p:sp>
+      <p:pic>
+        <p:nvPicPr>
+          <p:cNvPr id="3" name="Picture 2"/>
+          <p:cNvPicPr>
+            <a:picLocks noChangeAspect="1"/>
+          </p:cNvPicPr>
+          <p:nvPr/>
+        </p:nvPicPr>
+        <p:blipFill>
+          <a:blip r:embed="rId2"/>
+          <a:stretch>
+            <a:fillRect/>
+          </a:stretch>
+        </p:blipFill>
+        <p:spPr>
+          <a:xfrm>
+            <a:off x="780972" y="1455737"/>
+            <a:ext cx="10812103" cy="4398963"/>
+          </a:xfrm>
+          <a:prstGeom prst="rect">
+            <a:avLst/>
+          </a:prstGeom>
+        </p:spPr>
+      </p:pic>
     </p:spTree>
     <p:extLst>
       <p:ext uri="{BB962C8B-B14F-4D97-AF65-F5344CB8AC3E}">
-        <p14:creationId xmlns:p14="http://schemas.microsoft.com/office/powerpoint/2010/main" val="3192796430"/>
+        <p14:creationId xmlns:p14="http://schemas.microsoft.com/office/powerpoint/2010/main" val="584888273"/>
       </p:ext>
     </p:extLst>
   </p:cSld>
@@ -6585,30 +7249,247 @@
       </p:grpSpPr>
       <p:sp>
         <p:nvSpPr>
-          <p:cNvPr id="2" name="Title 1"/>
-          <p:cNvSpPr>
-            <a:spLocks noGrp="1"/>
-          </p:cNvSpPr>
-          <p:nvPr>
-            <p:ph type="title"/>
-          </p:nvPr>
-        </p:nvSpPr>
-        <p:spPr/>
-        <p:txBody>
-          <a:bodyPr/>
-          <a:lstStyle/>
-          <a:p>
-            <a:r>
-              <a:rPr lang="en-PH" sz="6600" dirty="0"/>
-              <a:t>Class Diagram</a:t>
-            </a:r>
-          </a:p>
-        </p:txBody>
-      </p:sp>
+          <p:cNvPr id="5" name="Title 1"/>
+          <p:cNvSpPr txBox="1">
+            <a:spLocks/>
+          </p:cNvSpPr>
+          <p:nvPr/>
+        </p:nvSpPr>
+        <p:spPr>
+          <a:xfrm>
+            <a:off x="476172" y="0"/>
+            <a:ext cx="10571998" cy="970450"/>
+          </a:xfrm>
+          <a:prstGeom prst="rect">
+            <a:avLst/>
+          </a:prstGeom>
+          <a:effectLst>
+            <a:outerShdw blurRad="50800" dir="14400000">
+              <a:srgbClr val="000000">
+                <a:alpha val="60000"/>
+              </a:srgbClr>
+            </a:outerShdw>
+          </a:effectLst>
+        </p:spPr>
+        <p:txBody>
+          <a:bodyPr vert="horz" lIns="91440" tIns="45720" rIns="91440" bIns="45720" rtlCol="0" anchor="b">
+            <a:noAutofit/>
+          </a:bodyPr>
+          <a:lstStyle>
+            <a:lvl1pPr algn="l" defTabSz="457200" rtl="0" eaLnBrk="1" latinLnBrk="0" hangingPunct="1">
+              <a:spcBef>
+                <a:spcPct val="0"/>
+              </a:spcBef>
+              <a:buNone/>
+              <a:defRPr sz="4000" b="1" kern="1200">
+                <a:solidFill>
+                  <a:srgbClr val="FEFEFE"/>
+                </a:solidFill>
+                <a:latin typeface="+mj-lt"/>
+                <a:ea typeface="+mj-ea"/>
+                <a:cs typeface="+mj-cs"/>
+              </a:defRPr>
+            </a:lvl1pPr>
+            <a:lvl2pPr eaLnBrk="1" hangingPunct="1">
+              <a:defRPr>
+                <a:solidFill>
+                  <a:schemeClr val="tx2"/>
+                </a:solidFill>
+              </a:defRPr>
+            </a:lvl2pPr>
+            <a:lvl3pPr eaLnBrk="1" hangingPunct="1">
+              <a:defRPr>
+                <a:solidFill>
+                  <a:schemeClr val="tx2"/>
+                </a:solidFill>
+              </a:defRPr>
+            </a:lvl3pPr>
+            <a:lvl4pPr eaLnBrk="1" hangingPunct="1">
+              <a:defRPr>
+                <a:solidFill>
+                  <a:schemeClr val="tx2"/>
+                </a:solidFill>
+              </a:defRPr>
+            </a:lvl4pPr>
+            <a:lvl5pPr eaLnBrk="1" hangingPunct="1">
+              <a:defRPr>
+                <a:solidFill>
+                  <a:schemeClr val="tx2"/>
+                </a:solidFill>
+              </a:defRPr>
+            </a:lvl5pPr>
+            <a:lvl6pPr eaLnBrk="1" hangingPunct="1">
+              <a:defRPr>
+                <a:solidFill>
+                  <a:schemeClr val="tx2"/>
+                </a:solidFill>
+              </a:defRPr>
+            </a:lvl6pPr>
+            <a:lvl7pPr eaLnBrk="1" hangingPunct="1">
+              <a:defRPr>
+                <a:solidFill>
+                  <a:schemeClr val="tx2"/>
+                </a:solidFill>
+              </a:defRPr>
+            </a:lvl7pPr>
+            <a:lvl8pPr eaLnBrk="1" hangingPunct="1">
+              <a:defRPr>
+                <a:solidFill>
+                  <a:schemeClr val="tx2"/>
+                </a:solidFill>
+              </a:defRPr>
+            </a:lvl8pPr>
+            <a:lvl9pPr eaLnBrk="1" hangingPunct="1">
+              <a:defRPr>
+                <a:solidFill>
+                  <a:schemeClr val="tx2"/>
+                </a:solidFill>
+              </a:defRPr>
+            </a:lvl9pPr>
+          </a:lstStyle>
+          <a:p>
+            <a:r>
+              <a:rPr lang="en-PH" sz="4800" dirty="0"/>
+              <a:t>Sequence Diagram</a:t>
+            </a:r>
+          </a:p>
+        </p:txBody>
+      </p:sp>
+      <p:sp>
+        <p:nvSpPr>
+          <p:cNvPr id="11" name="Title 1"/>
+          <p:cNvSpPr txBox="1">
+            <a:spLocks/>
+          </p:cNvSpPr>
+          <p:nvPr/>
+        </p:nvSpPr>
+        <p:spPr>
+          <a:xfrm>
+            <a:off x="9117456" y="5857876"/>
+            <a:ext cx="2768600" cy="631825"/>
+          </a:xfrm>
+          <a:prstGeom prst="rect">
+            <a:avLst/>
+          </a:prstGeom>
+          <a:effectLst>
+            <a:outerShdw blurRad="50800" dir="14400000">
+              <a:srgbClr val="000000">
+                <a:alpha val="60000"/>
+              </a:srgbClr>
+            </a:outerShdw>
+          </a:effectLst>
+        </p:spPr>
+        <p:txBody>
+          <a:bodyPr vert="horz" lIns="91440" tIns="45720" rIns="91440" bIns="45720" rtlCol="0" anchor="b">
+            <a:noAutofit/>
+          </a:bodyPr>
+          <a:lstStyle>
+            <a:lvl1pPr algn="l" defTabSz="457200" rtl="0" eaLnBrk="1" latinLnBrk="0" hangingPunct="1">
+              <a:spcBef>
+                <a:spcPct val="0"/>
+              </a:spcBef>
+              <a:buNone/>
+              <a:defRPr sz="4000" b="1" kern="1200">
+                <a:solidFill>
+                  <a:srgbClr val="FEFEFE"/>
+                </a:solidFill>
+                <a:latin typeface="+mj-lt"/>
+                <a:ea typeface="+mj-ea"/>
+                <a:cs typeface="+mj-cs"/>
+              </a:defRPr>
+            </a:lvl1pPr>
+            <a:lvl2pPr eaLnBrk="1" hangingPunct="1">
+              <a:defRPr>
+                <a:solidFill>
+                  <a:schemeClr val="tx2"/>
+                </a:solidFill>
+              </a:defRPr>
+            </a:lvl2pPr>
+            <a:lvl3pPr eaLnBrk="1" hangingPunct="1">
+              <a:defRPr>
+                <a:solidFill>
+                  <a:schemeClr val="tx2"/>
+                </a:solidFill>
+              </a:defRPr>
+            </a:lvl3pPr>
+            <a:lvl4pPr eaLnBrk="1" hangingPunct="1">
+              <a:defRPr>
+                <a:solidFill>
+                  <a:schemeClr val="tx2"/>
+                </a:solidFill>
+              </a:defRPr>
+            </a:lvl4pPr>
+            <a:lvl5pPr eaLnBrk="1" hangingPunct="1">
+              <a:defRPr>
+                <a:solidFill>
+                  <a:schemeClr val="tx2"/>
+                </a:solidFill>
+              </a:defRPr>
+            </a:lvl5pPr>
+            <a:lvl6pPr eaLnBrk="1" hangingPunct="1">
+              <a:defRPr>
+                <a:solidFill>
+                  <a:schemeClr val="tx2"/>
+                </a:solidFill>
+              </a:defRPr>
+            </a:lvl6pPr>
+            <a:lvl7pPr eaLnBrk="1" hangingPunct="1">
+              <a:defRPr>
+                <a:solidFill>
+                  <a:schemeClr val="tx2"/>
+                </a:solidFill>
+              </a:defRPr>
+            </a:lvl7pPr>
+            <a:lvl8pPr eaLnBrk="1" hangingPunct="1">
+              <a:defRPr>
+                <a:solidFill>
+                  <a:schemeClr val="tx2"/>
+                </a:solidFill>
+              </a:defRPr>
+            </a:lvl8pPr>
+            <a:lvl9pPr eaLnBrk="1" hangingPunct="1">
+              <a:defRPr>
+                <a:solidFill>
+                  <a:schemeClr val="tx2"/>
+                </a:solidFill>
+              </a:defRPr>
+            </a:lvl9pPr>
+          </a:lstStyle>
+          <a:p>
+            <a:r>
+              <a:rPr lang="en-PH" sz="3200" dirty="0"/>
+              <a:t>Feedback</a:t>
+            </a:r>
+          </a:p>
+        </p:txBody>
+      </p:sp>
+      <p:pic>
+        <p:nvPicPr>
+          <p:cNvPr id="3" name="Picture 2"/>
+          <p:cNvPicPr>
+            <a:picLocks noChangeAspect="1"/>
+          </p:cNvPicPr>
+          <p:nvPr/>
+        </p:nvPicPr>
+        <p:blipFill rotWithShape="1">
+          <a:blip r:embed="rId2"/>
+          <a:srcRect r="26966"/>
+          <a:stretch/>
+        </p:blipFill>
+        <p:spPr>
+          <a:xfrm>
+            <a:off x="951252" y="1460501"/>
+            <a:ext cx="7874104" cy="5029200"/>
+          </a:xfrm>
+          <a:prstGeom prst="rect">
+            <a:avLst/>
+          </a:prstGeom>
+        </p:spPr>
+      </p:pic>
     </p:spTree>
     <p:extLst>
       <p:ext uri="{BB962C8B-B14F-4D97-AF65-F5344CB8AC3E}">
-        <p14:creationId xmlns:p14="http://schemas.microsoft.com/office/powerpoint/2010/main" val="57061685"/>
+        <p14:creationId xmlns:p14="http://schemas.microsoft.com/office/powerpoint/2010/main" val="376575342"/>
       </p:ext>
     </p:extLst>
   </p:cSld>
@@ -6635,24 +7516,134 @@
           <a:chExt cx="0" cy="0"/>
         </a:xfrm>
       </p:grpSpPr>
-      <p:sp>
-        <p:nvSpPr>
-          <p:cNvPr id="2" name="Title 1"/>
-          <p:cNvSpPr>
-            <a:spLocks noGrp="1"/>
-          </p:cNvSpPr>
-          <p:nvPr>
-            <p:ph type="title"/>
-          </p:nvPr>
-        </p:nvSpPr>
-        <p:spPr/>
-        <p:txBody>
-          <a:bodyPr/>
-          <a:lstStyle/>
-          <a:p>
-            <a:r>
-              <a:rPr lang="en-PH" sz="6600" dirty="0"/>
-              <a:t>Component Diagram</a:t>
+      <p:pic>
+        <p:nvPicPr>
+          <p:cNvPr id="4" name="Picture 3"/>
+          <p:cNvPicPr>
+            <a:picLocks noChangeAspect="1"/>
+          </p:cNvPicPr>
+          <p:nvPr/>
+        </p:nvPicPr>
+        <p:blipFill>
+          <a:blip r:embed="rId2"/>
+          <a:stretch>
+            <a:fillRect/>
+          </a:stretch>
+        </p:blipFill>
+        <p:spPr>
+          <a:xfrm>
+            <a:off x="1271587" y="1072050"/>
+            <a:ext cx="9548814" cy="5443105"/>
+          </a:xfrm>
+          <a:prstGeom prst="rect">
+            <a:avLst/>
+          </a:prstGeom>
+        </p:spPr>
+      </p:pic>
+      <p:sp>
+        <p:nvSpPr>
+          <p:cNvPr id="6" name="Title 1"/>
+          <p:cNvSpPr txBox="1">
+            <a:spLocks/>
+          </p:cNvSpPr>
+          <p:nvPr/>
+        </p:nvSpPr>
+        <p:spPr>
+          <a:xfrm>
+            <a:off x="476172" y="0"/>
+            <a:ext cx="10571998" cy="970450"/>
+          </a:xfrm>
+          <a:prstGeom prst="rect">
+            <a:avLst/>
+          </a:prstGeom>
+          <a:effectLst>
+            <a:outerShdw blurRad="50800" dir="14400000">
+              <a:srgbClr val="000000">
+                <a:alpha val="60000"/>
+              </a:srgbClr>
+            </a:outerShdw>
+          </a:effectLst>
+        </p:spPr>
+        <p:txBody>
+          <a:bodyPr vert="horz" lIns="91440" tIns="45720" rIns="91440" bIns="45720" rtlCol="0" anchor="b">
+            <a:noAutofit/>
+          </a:bodyPr>
+          <a:lstStyle>
+            <a:lvl1pPr algn="l" defTabSz="457200" rtl="0" eaLnBrk="1" latinLnBrk="0" hangingPunct="1">
+              <a:spcBef>
+                <a:spcPct val="0"/>
+              </a:spcBef>
+              <a:buNone/>
+              <a:defRPr sz="4000" b="1" kern="1200">
+                <a:solidFill>
+                  <a:srgbClr val="FEFEFE"/>
+                </a:solidFill>
+                <a:latin typeface="+mj-lt"/>
+                <a:ea typeface="+mj-ea"/>
+                <a:cs typeface="+mj-cs"/>
+              </a:defRPr>
+            </a:lvl1pPr>
+            <a:lvl2pPr eaLnBrk="1" hangingPunct="1">
+              <a:defRPr>
+                <a:solidFill>
+                  <a:schemeClr val="tx2"/>
+                </a:solidFill>
+              </a:defRPr>
+            </a:lvl2pPr>
+            <a:lvl3pPr eaLnBrk="1" hangingPunct="1">
+              <a:defRPr>
+                <a:solidFill>
+                  <a:schemeClr val="tx2"/>
+                </a:solidFill>
+              </a:defRPr>
+            </a:lvl3pPr>
+            <a:lvl4pPr eaLnBrk="1" hangingPunct="1">
+              <a:defRPr>
+                <a:solidFill>
+                  <a:schemeClr val="tx2"/>
+                </a:solidFill>
+              </a:defRPr>
+            </a:lvl4pPr>
+            <a:lvl5pPr eaLnBrk="1" hangingPunct="1">
+              <a:defRPr>
+                <a:solidFill>
+                  <a:schemeClr val="tx2"/>
+                </a:solidFill>
+              </a:defRPr>
+            </a:lvl5pPr>
+            <a:lvl6pPr eaLnBrk="1" hangingPunct="1">
+              <a:defRPr>
+                <a:solidFill>
+                  <a:schemeClr val="tx2"/>
+                </a:solidFill>
+              </a:defRPr>
+            </a:lvl6pPr>
+            <a:lvl7pPr eaLnBrk="1" hangingPunct="1">
+              <a:defRPr>
+                <a:solidFill>
+                  <a:schemeClr val="tx2"/>
+                </a:solidFill>
+              </a:defRPr>
+            </a:lvl7pPr>
+            <a:lvl8pPr eaLnBrk="1" hangingPunct="1">
+              <a:defRPr>
+                <a:solidFill>
+                  <a:schemeClr val="tx2"/>
+                </a:solidFill>
+              </a:defRPr>
+            </a:lvl8pPr>
+            <a:lvl9pPr eaLnBrk="1" hangingPunct="1">
+              <a:defRPr>
+                <a:solidFill>
+                  <a:schemeClr val="tx2"/>
+                </a:solidFill>
+              </a:defRPr>
+            </a:lvl9pPr>
+          </a:lstStyle>
+          <a:p>
+            <a:r>
+              <a:rPr lang="en-PH" sz="4800" dirty="0"/>
+              <a:t>Communication Diagram</a:t>
             </a:r>
           </a:p>
         </p:txBody>
@@ -6660,7 +7651,7 @@
     </p:spTree>
     <p:extLst>
       <p:ext uri="{BB962C8B-B14F-4D97-AF65-F5344CB8AC3E}">
-        <p14:creationId xmlns:p14="http://schemas.microsoft.com/office/powerpoint/2010/main" val="2023632543"/>
+        <p14:creationId xmlns:p14="http://schemas.microsoft.com/office/powerpoint/2010/main" val="1300898589"/>
       </p:ext>
     </p:extLst>
   </p:cSld>
@@ -6689,30 +7680,140 @@
       </p:grpSpPr>
       <p:sp>
         <p:nvSpPr>
-          <p:cNvPr id="2" name="Title 1"/>
-          <p:cNvSpPr>
-            <a:spLocks noGrp="1"/>
-          </p:cNvSpPr>
-          <p:nvPr>
-            <p:ph type="title"/>
-          </p:nvPr>
-        </p:nvSpPr>
-        <p:spPr/>
-        <p:txBody>
-          <a:bodyPr/>
-          <a:lstStyle/>
-          <a:p>
-            <a:r>
-              <a:rPr lang="en-PH" sz="6600" dirty="0"/>
-              <a:t>Package Diagram</a:t>
-            </a:r>
-          </a:p>
-        </p:txBody>
-      </p:sp>
+          <p:cNvPr id="4" name="Title 1"/>
+          <p:cNvSpPr txBox="1">
+            <a:spLocks/>
+          </p:cNvSpPr>
+          <p:nvPr/>
+        </p:nvSpPr>
+        <p:spPr>
+          <a:xfrm>
+            <a:off x="476172" y="0"/>
+            <a:ext cx="11233228" cy="970450"/>
+          </a:xfrm>
+          <a:prstGeom prst="rect">
+            <a:avLst/>
+          </a:prstGeom>
+          <a:effectLst>
+            <a:outerShdw blurRad="50800" dir="14400000">
+              <a:srgbClr val="000000">
+                <a:alpha val="60000"/>
+              </a:srgbClr>
+            </a:outerShdw>
+          </a:effectLst>
+        </p:spPr>
+        <p:txBody>
+          <a:bodyPr vert="horz" lIns="91440" tIns="45720" rIns="91440" bIns="45720" rtlCol="0" anchor="b">
+            <a:noAutofit/>
+          </a:bodyPr>
+          <a:lstStyle>
+            <a:lvl1pPr algn="l" defTabSz="457200" rtl="0" eaLnBrk="1" latinLnBrk="0" hangingPunct="1">
+              <a:spcBef>
+                <a:spcPct val="0"/>
+              </a:spcBef>
+              <a:buNone/>
+              <a:defRPr sz="4000" b="1" kern="1200">
+                <a:solidFill>
+                  <a:srgbClr val="FEFEFE"/>
+                </a:solidFill>
+                <a:latin typeface="+mj-lt"/>
+                <a:ea typeface="+mj-ea"/>
+                <a:cs typeface="+mj-cs"/>
+              </a:defRPr>
+            </a:lvl1pPr>
+            <a:lvl2pPr eaLnBrk="1" hangingPunct="1">
+              <a:defRPr>
+                <a:solidFill>
+                  <a:schemeClr val="tx2"/>
+                </a:solidFill>
+              </a:defRPr>
+            </a:lvl2pPr>
+            <a:lvl3pPr eaLnBrk="1" hangingPunct="1">
+              <a:defRPr>
+                <a:solidFill>
+                  <a:schemeClr val="tx2"/>
+                </a:solidFill>
+              </a:defRPr>
+            </a:lvl3pPr>
+            <a:lvl4pPr eaLnBrk="1" hangingPunct="1">
+              <a:defRPr>
+                <a:solidFill>
+                  <a:schemeClr val="tx2"/>
+                </a:solidFill>
+              </a:defRPr>
+            </a:lvl4pPr>
+            <a:lvl5pPr eaLnBrk="1" hangingPunct="1">
+              <a:defRPr>
+                <a:solidFill>
+                  <a:schemeClr val="tx2"/>
+                </a:solidFill>
+              </a:defRPr>
+            </a:lvl5pPr>
+            <a:lvl6pPr eaLnBrk="1" hangingPunct="1">
+              <a:defRPr>
+                <a:solidFill>
+                  <a:schemeClr val="tx2"/>
+                </a:solidFill>
+              </a:defRPr>
+            </a:lvl6pPr>
+            <a:lvl7pPr eaLnBrk="1" hangingPunct="1">
+              <a:defRPr>
+                <a:solidFill>
+                  <a:schemeClr val="tx2"/>
+                </a:solidFill>
+              </a:defRPr>
+            </a:lvl7pPr>
+            <a:lvl8pPr eaLnBrk="1" hangingPunct="1">
+              <a:defRPr>
+                <a:solidFill>
+                  <a:schemeClr val="tx2"/>
+                </a:solidFill>
+              </a:defRPr>
+            </a:lvl8pPr>
+            <a:lvl9pPr eaLnBrk="1" hangingPunct="1">
+              <a:defRPr>
+                <a:solidFill>
+                  <a:schemeClr val="tx2"/>
+                </a:solidFill>
+              </a:defRPr>
+            </a:lvl9pPr>
+          </a:lstStyle>
+          <a:p>
+            <a:r>
+              <a:rPr lang="en-PH" sz="4800" dirty="0"/>
+              <a:t>State Diagram</a:t>
+            </a:r>
+          </a:p>
+        </p:txBody>
+      </p:sp>
+      <p:pic>
+        <p:nvPicPr>
+          <p:cNvPr id="6" name="Picture 5"/>
+          <p:cNvPicPr>
+            <a:picLocks noChangeAspect="1"/>
+          </p:cNvPicPr>
+          <p:nvPr/>
+        </p:nvPicPr>
+        <p:blipFill>
+          <a:blip r:embed="rId2"/>
+          <a:stretch>
+            <a:fillRect/>
+          </a:stretch>
+        </p:blipFill>
+        <p:spPr>
+          <a:xfrm>
+            <a:off x="2482811" y="1122362"/>
+            <a:ext cx="7219950" cy="4714875"/>
+          </a:xfrm>
+          <a:prstGeom prst="rect">
+            <a:avLst/>
+          </a:prstGeom>
+        </p:spPr>
+      </p:pic>
     </p:spTree>
     <p:extLst>
       <p:ext uri="{BB962C8B-B14F-4D97-AF65-F5344CB8AC3E}">
-        <p14:creationId xmlns:p14="http://schemas.microsoft.com/office/powerpoint/2010/main" val="2247691583"/>
+        <p14:creationId xmlns:p14="http://schemas.microsoft.com/office/powerpoint/2010/main" val="908242491"/>
       </p:ext>
     </p:extLst>
   </p:cSld>
@@ -6741,22 +7842,112 @@
       </p:grpSpPr>
       <p:sp>
         <p:nvSpPr>
-          <p:cNvPr id="2" name="Title 1"/>
-          <p:cNvSpPr>
-            <a:spLocks noGrp="1"/>
-          </p:cNvSpPr>
-          <p:nvPr>
-            <p:ph type="title"/>
-          </p:nvPr>
-        </p:nvSpPr>
-        <p:spPr/>
-        <p:txBody>
-          <a:bodyPr/>
-          <a:lstStyle/>
-          <a:p>
-            <a:r>
-              <a:rPr lang="en-PH" sz="6600" dirty="0"/>
-              <a:t>Composite Diagram</a:t>
+          <p:cNvPr id="3" name="Title 1"/>
+          <p:cNvSpPr txBox="1">
+            <a:spLocks/>
+          </p:cNvSpPr>
+          <p:nvPr/>
+        </p:nvSpPr>
+        <p:spPr>
+          <a:xfrm>
+            <a:off x="476172" y="0"/>
+            <a:ext cx="10571998" cy="970450"/>
+          </a:xfrm>
+          <a:prstGeom prst="rect">
+            <a:avLst/>
+          </a:prstGeom>
+          <a:effectLst>
+            <a:outerShdw blurRad="50800" dir="14400000">
+              <a:srgbClr val="000000">
+                <a:alpha val="60000"/>
+              </a:srgbClr>
+            </a:outerShdw>
+          </a:effectLst>
+        </p:spPr>
+        <p:txBody>
+          <a:bodyPr vert="horz" lIns="91440" tIns="45720" rIns="91440" bIns="45720" rtlCol="0" anchor="b">
+            <a:noAutofit/>
+          </a:bodyPr>
+          <a:lstStyle>
+            <a:lvl1pPr algn="l" defTabSz="457200" rtl="0" eaLnBrk="1" latinLnBrk="0" hangingPunct="1">
+              <a:spcBef>
+                <a:spcPct val="0"/>
+              </a:spcBef>
+              <a:buNone/>
+              <a:defRPr sz="4000" b="1" kern="1200">
+                <a:solidFill>
+                  <a:srgbClr val="FEFEFE"/>
+                </a:solidFill>
+                <a:latin typeface="+mj-lt"/>
+                <a:ea typeface="+mj-ea"/>
+                <a:cs typeface="+mj-cs"/>
+              </a:defRPr>
+            </a:lvl1pPr>
+            <a:lvl2pPr eaLnBrk="1" hangingPunct="1">
+              <a:defRPr>
+                <a:solidFill>
+                  <a:schemeClr val="tx2"/>
+                </a:solidFill>
+              </a:defRPr>
+            </a:lvl2pPr>
+            <a:lvl3pPr eaLnBrk="1" hangingPunct="1">
+              <a:defRPr>
+                <a:solidFill>
+                  <a:schemeClr val="tx2"/>
+                </a:solidFill>
+              </a:defRPr>
+            </a:lvl3pPr>
+            <a:lvl4pPr eaLnBrk="1" hangingPunct="1">
+              <a:defRPr>
+                <a:solidFill>
+                  <a:schemeClr val="tx2"/>
+                </a:solidFill>
+              </a:defRPr>
+            </a:lvl4pPr>
+            <a:lvl5pPr eaLnBrk="1" hangingPunct="1">
+              <a:defRPr>
+                <a:solidFill>
+                  <a:schemeClr val="tx2"/>
+                </a:solidFill>
+              </a:defRPr>
+            </a:lvl5pPr>
+            <a:lvl6pPr eaLnBrk="1" hangingPunct="1">
+              <a:defRPr>
+                <a:solidFill>
+                  <a:schemeClr val="tx2"/>
+                </a:solidFill>
+              </a:defRPr>
+            </a:lvl6pPr>
+            <a:lvl7pPr eaLnBrk="1" hangingPunct="1">
+              <a:defRPr>
+                <a:solidFill>
+                  <a:schemeClr val="tx2"/>
+                </a:solidFill>
+              </a:defRPr>
+            </a:lvl7pPr>
+            <a:lvl8pPr eaLnBrk="1" hangingPunct="1">
+              <a:defRPr>
+                <a:solidFill>
+                  <a:schemeClr val="tx2"/>
+                </a:solidFill>
+              </a:defRPr>
+            </a:lvl8pPr>
+            <a:lvl9pPr eaLnBrk="1" hangingPunct="1">
+              <a:defRPr>
+                <a:solidFill>
+                  <a:schemeClr val="tx2"/>
+                </a:solidFill>
+              </a:defRPr>
+            </a:lvl9pPr>
+          </a:lstStyle>
+          <a:p>
+            <a:r>
+              <a:rPr lang="en-PH" sz="4800"/>
+              <a:t>Timing </a:t>
+            </a:r>
+            <a:r>
+              <a:rPr lang="en-PH" sz="4800" dirty="0"/>
+              <a:t>Diagram</a:t>
             </a:r>
           </a:p>
         </p:txBody>
@@ -6764,7 +7955,111 @@
     </p:spTree>
     <p:extLst>
       <p:ext uri="{BB962C8B-B14F-4D97-AF65-F5344CB8AC3E}">
-        <p14:creationId xmlns:p14="http://schemas.microsoft.com/office/powerpoint/2010/main" val="1042779950"/>
+        <p14:creationId xmlns:p14="http://schemas.microsoft.com/office/powerpoint/2010/main" val="3192796430"/>
+      </p:ext>
+    </p:extLst>
+  </p:cSld>
+  <p:clrMapOvr>
+    <a:masterClrMapping/>
+  </p:clrMapOvr>
+</p:sld>
+</file>
+
+<file path=ppt/slides/slide18.xml><?xml version="1.0" encoding="utf-8"?>
+<p:sld xmlns:a="http://schemas.openxmlformats.org/drawingml/2006/main" xmlns:r="http://schemas.openxmlformats.org/officeDocument/2006/relationships" xmlns:p="http://schemas.openxmlformats.org/presentationml/2006/main">
+  <p:cSld>
+    <p:spTree>
+      <p:nvGrpSpPr>
+        <p:cNvPr id="1" name=""/>
+        <p:cNvGrpSpPr/>
+        <p:nvPr/>
+      </p:nvGrpSpPr>
+      <p:grpSpPr>
+        <a:xfrm>
+          <a:off x="0" y="0"/>
+          <a:ext cx="0" cy="0"/>
+          <a:chOff x="0" y="0"/>
+          <a:chExt cx="0" cy="0"/>
+        </a:xfrm>
+      </p:grpSpPr>
+      <p:sp>
+        <p:nvSpPr>
+          <p:cNvPr id="2" name="Title 1"/>
+          <p:cNvSpPr>
+            <a:spLocks noGrp="1"/>
+          </p:cNvSpPr>
+          <p:nvPr>
+            <p:ph type="title"/>
+          </p:nvPr>
+        </p:nvSpPr>
+        <p:spPr/>
+        <p:txBody>
+          <a:bodyPr/>
+          <a:lstStyle/>
+          <a:p>
+            <a:r>
+              <a:rPr lang="en-PH" sz="6600" dirty="0"/>
+              <a:t>Class Diagram</a:t>
+            </a:r>
+          </a:p>
+        </p:txBody>
+      </p:sp>
+    </p:spTree>
+    <p:extLst>
+      <p:ext uri="{BB962C8B-B14F-4D97-AF65-F5344CB8AC3E}">
+        <p14:creationId xmlns:p14="http://schemas.microsoft.com/office/powerpoint/2010/main" val="57061685"/>
+      </p:ext>
+    </p:extLst>
+  </p:cSld>
+  <p:clrMapOvr>
+    <a:masterClrMapping/>
+  </p:clrMapOvr>
+</p:sld>
+</file>
+
+<file path=ppt/slides/slide19.xml><?xml version="1.0" encoding="utf-8"?>
+<p:sld xmlns:a="http://schemas.openxmlformats.org/drawingml/2006/main" xmlns:r="http://schemas.openxmlformats.org/officeDocument/2006/relationships" xmlns:p="http://schemas.openxmlformats.org/presentationml/2006/main">
+  <p:cSld>
+    <p:spTree>
+      <p:nvGrpSpPr>
+        <p:cNvPr id="1" name=""/>
+        <p:cNvGrpSpPr/>
+        <p:nvPr/>
+      </p:nvGrpSpPr>
+      <p:grpSpPr>
+        <a:xfrm>
+          <a:off x="0" y="0"/>
+          <a:ext cx="0" cy="0"/>
+          <a:chOff x="0" y="0"/>
+          <a:chExt cx="0" cy="0"/>
+        </a:xfrm>
+      </p:grpSpPr>
+      <p:sp>
+        <p:nvSpPr>
+          <p:cNvPr id="2" name="Title 1"/>
+          <p:cNvSpPr>
+            <a:spLocks noGrp="1"/>
+          </p:cNvSpPr>
+          <p:nvPr>
+            <p:ph type="title"/>
+          </p:nvPr>
+        </p:nvSpPr>
+        <p:spPr/>
+        <p:txBody>
+          <a:bodyPr/>
+          <a:lstStyle/>
+          <a:p>
+            <a:r>
+              <a:rPr lang="en-PH" sz="6600" dirty="0"/>
+              <a:t>Component Diagram</a:t>
+            </a:r>
+          </a:p>
+        </p:txBody>
+      </p:sp>
+    </p:spTree>
+    <p:extLst>
+      <p:ext uri="{BB962C8B-B14F-4D97-AF65-F5344CB8AC3E}">
+        <p14:creationId xmlns:p14="http://schemas.microsoft.com/office/powerpoint/2010/main" val="2023632543"/>
       </p:ext>
     </p:extLst>
   </p:cSld>
@@ -8021,6 +9316,110 @@
 </p:sld>
 </file>
 
+<file path=ppt/slides/slide20.xml><?xml version="1.0" encoding="utf-8"?>
+<p:sld xmlns:a="http://schemas.openxmlformats.org/drawingml/2006/main" xmlns:r="http://schemas.openxmlformats.org/officeDocument/2006/relationships" xmlns:p="http://schemas.openxmlformats.org/presentationml/2006/main">
+  <p:cSld>
+    <p:spTree>
+      <p:nvGrpSpPr>
+        <p:cNvPr id="1" name=""/>
+        <p:cNvGrpSpPr/>
+        <p:nvPr/>
+      </p:nvGrpSpPr>
+      <p:grpSpPr>
+        <a:xfrm>
+          <a:off x="0" y="0"/>
+          <a:ext cx="0" cy="0"/>
+          <a:chOff x="0" y="0"/>
+          <a:chExt cx="0" cy="0"/>
+        </a:xfrm>
+      </p:grpSpPr>
+      <p:sp>
+        <p:nvSpPr>
+          <p:cNvPr id="2" name="Title 1"/>
+          <p:cNvSpPr>
+            <a:spLocks noGrp="1"/>
+          </p:cNvSpPr>
+          <p:nvPr>
+            <p:ph type="title"/>
+          </p:nvPr>
+        </p:nvSpPr>
+        <p:spPr/>
+        <p:txBody>
+          <a:bodyPr/>
+          <a:lstStyle/>
+          <a:p>
+            <a:r>
+              <a:rPr lang="en-PH" sz="6600" dirty="0"/>
+              <a:t>Package Diagram</a:t>
+            </a:r>
+          </a:p>
+        </p:txBody>
+      </p:sp>
+    </p:spTree>
+    <p:extLst>
+      <p:ext uri="{BB962C8B-B14F-4D97-AF65-F5344CB8AC3E}">
+        <p14:creationId xmlns:p14="http://schemas.microsoft.com/office/powerpoint/2010/main" val="2247691583"/>
+      </p:ext>
+    </p:extLst>
+  </p:cSld>
+  <p:clrMapOvr>
+    <a:masterClrMapping/>
+  </p:clrMapOvr>
+</p:sld>
+</file>
+
+<file path=ppt/slides/slide21.xml><?xml version="1.0" encoding="utf-8"?>
+<p:sld xmlns:a="http://schemas.openxmlformats.org/drawingml/2006/main" xmlns:r="http://schemas.openxmlformats.org/officeDocument/2006/relationships" xmlns:p="http://schemas.openxmlformats.org/presentationml/2006/main">
+  <p:cSld>
+    <p:spTree>
+      <p:nvGrpSpPr>
+        <p:cNvPr id="1" name=""/>
+        <p:cNvGrpSpPr/>
+        <p:nvPr/>
+      </p:nvGrpSpPr>
+      <p:grpSpPr>
+        <a:xfrm>
+          <a:off x="0" y="0"/>
+          <a:ext cx="0" cy="0"/>
+          <a:chOff x="0" y="0"/>
+          <a:chExt cx="0" cy="0"/>
+        </a:xfrm>
+      </p:grpSpPr>
+      <p:sp>
+        <p:nvSpPr>
+          <p:cNvPr id="2" name="Title 1"/>
+          <p:cNvSpPr>
+            <a:spLocks noGrp="1"/>
+          </p:cNvSpPr>
+          <p:nvPr>
+            <p:ph type="title"/>
+          </p:nvPr>
+        </p:nvSpPr>
+        <p:spPr/>
+        <p:txBody>
+          <a:bodyPr/>
+          <a:lstStyle/>
+          <a:p>
+            <a:r>
+              <a:rPr lang="en-PH" sz="6600" dirty="0"/>
+              <a:t>Composite Diagram</a:t>
+            </a:r>
+          </a:p>
+        </p:txBody>
+      </p:sp>
+    </p:spTree>
+    <p:extLst>
+      <p:ext uri="{BB962C8B-B14F-4D97-AF65-F5344CB8AC3E}">
+        <p14:creationId xmlns:p14="http://schemas.microsoft.com/office/powerpoint/2010/main" val="1042779950"/>
+      </p:ext>
+    </p:extLst>
+  </p:cSld>
+  <p:clrMapOvr>
+    <a:masterClrMapping/>
+  </p:clrMapOvr>
+</p:sld>
+</file>
+
 <file path=ppt/slides/slide3.xml><?xml version="1.0" encoding="utf-8"?>
 <p:sld xmlns:a="http://schemas.openxmlformats.org/drawingml/2006/main" xmlns:r="http://schemas.openxmlformats.org/officeDocument/2006/relationships" xmlns:p="http://schemas.openxmlformats.org/presentationml/2006/main">
   <p:cSld>
@@ -8894,18 +10293,47 @@
             <p:ph type="title"/>
           </p:nvPr>
         </p:nvSpPr>
-        <p:spPr/>
+        <p:spPr>
+          <a:xfrm>
+            <a:off x="185886" y="0"/>
+            <a:ext cx="10571998" cy="970450"/>
+          </a:xfrm>
+        </p:spPr>
         <p:txBody>
           <a:bodyPr/>
           <a:lstStyle/>
           <a:p>
             <a:r>
-              <a:rPr lang="en-PH" sz="6600" dirty="0"/>
+              <a:rPr lang="en-PH" sz="4800" dirty="0"/>
               <a:t>Use Case Diagram</a:t>
             </a:r>
           </a:p>
         </p:txBody>
       </p:sp>
+      <p:pic>
+        <p:nvPicPr>
+          <p:cNvPr id="4" name="Picture 3"/>
+          <p:cNvPicPr>
+            <a:picLocks noChangeAspect="1"/>
+          </p:cNvPicPr>
+          <p:nvPr/>
+        </p:nvPicPr>
+        <p:blipFill>
+          <a:blip r:embed="rId2"/>
+          <a:stretch>
+            <a:fillRect/>
+          </a:stretch>
+        </p:blipFill>
+        <p:spPr>
+          <a:xfrm>
+            <a:off x="2028117" y="970450"/>
+            <a:ext cx="6887536" cy="5668166"/>
+          </a:xfrm>
+          <a:prstGeom prst="rect">
+            <a:avLst/>
+          </a:prstGeom>
+        </p:spPr>
+      </p:pic>
     </p:spTree>
     <p:extLst>
       <p:ext uri="{BB962C8B-B14F-4D97-AF65-F5344CB8AC3E}">
@@ -8946,18 +10374,47 @@
             <p:ph type="title"/>
           </p:nvPr>
         </p:nvSpPr>
-        <p:spPr/>
+        <p:spPr>
+          <a:xfrm>
+            <a:off x="476172" y="0"/>
+            <a:ext cx="10571998" cy="970450"/>
+          </a:xfrm>
+        </p:spPr>
         <p:txBody>
           <a:bodyPr/>
           <a:lstStyle/>
           <a:p>
             <a:r>
-              <a:rPr lang="en-PH" sz="6600" dirty="0"/>
+              <a:rPr lang="en-PH" sz="4800" dirty="0"/>
               <a:t>Activity Diagram</a:t>
             </a:r>
           </a:p>
         </p:txBody>
       </p:sp>
+      <p:pic>
+        <p:nvPicPr>
+          <p:cNvPr id="8" name="Picture 7"/>
+          <p:cNvPicPr>
+            <a:picLocks noChangeAspect="1"/>
+          </p:cNvPicPr>
+          <p:nvPr/>
+        </p:nvPicPr>
+        <p:blipFill>
+          <a:blip r:embed="rId2"/>
+          <a:stretch>
+            <a:fillRect/>
+          </a:stretch>
+        </p:blipFill>
+        <p:spPr>
+          <a:xfrm>
+            <a:off x="2889817" y="970450"/>
+            <a:ext cx="5744708" cy="5532255"/>
+          </a:xfrm>
+          <a:prstGeom prst="rect">
+            <a:avLst/>
+          </a:prstGeom>
+        </p:spPr>
+      </p:pic>
     </p:spTree>
     <p:extLst>
       <p:ext uri="{BB962C8B-B14F-4D97-AF65-F5344CB8AC3E}">
@@ -8998,22 +10455,51 @@
             <p:ph type="title"/>
           </p:nvPr>
         </p:nvSpPr>
-        <p:spPr/>
+        <p:spPr>
+          <a:xfrm>
+            <a:off x="457122" y="0"/>
+            <a:ext cx="10571998" cy="970450"/>
+          </a:xfrm>
+        </p:spPr>
         <p:txBody>
           <a:bodyPr/>
           <a:lstStyle/>
           <a:p>
             <a:r>
-              <a:rPr lang="en-PH" sz="6600" dirty="0"/>
-              <a:t>Object Diagram</a:t>
-            </a:r>
-          </a:p>
-        </p:txBody>
-      </p:sp>
+              <a:rPr lang="en-PH" sz="4800" dirty="0"/>
+              <a:t>Activity Diagram</a:t>
+            </a:r>
+          </a:p>
+        </p:txBody>
+      </p:sp>
+      <p:pic>
+        <p:nvPicPr>
+          <p:cNvPr id="4" name="Picture 3"/>
+          <p:cNvPicPr>
+            <a:picLocks noChangeAspect="1"/>
+          </p:cNvPicPr>
+          <p:nvPr/>
+        </p:nvPicPr>
+        <p:blipFill>
+          <a:blip r:embed="rId2"/>
+          <a:stretch>
+            <a:fillRect/>
+          </a:stretch>
+        </p:blipFill>
+        <p:spPr>
+          <a:xfrm>
+            <a:off x="457122" y="1700212"/>
+            <a:ext cx="11419726" cy="4776788"/>
+          </a:xfrm>
+          <a:prstGeom prst="rect">
+            <a:avLst/>
+          </a:prstGeom>
+        </p:spPr>
+      </p:pic>
     </p:spTree>
     <p:extLst>
       <p:ext uri="{BB962C8B-B14F-4D97-AF65-F5344CB8AC3E}">
-        <p14:creationId xmlns:p14="http://schemas.microsoft.com/office/powerpoint/2010/main" val="3754155210"/>
+        <p14:creationId xmlns:p14="http://schemas.microsoft.com/office/powerpoint/2010/main" val="1932776272"/>
       </p:ext>
     </p:extLst>
   </p:cSld>
@@ -9050,22 +10536,51 @@
             <p:ph type="title"/>
           </p:nvPr>
         </p:nvSpPr>
-        <p:spPr/>
+        <p:spPr>
+          <a:xfrm>
+            <a:off x="457122" y="0"/>
+            <a:ext cx="10571998" cy="970450"/>
+          </a:xfrm>
+        </p:spPr>
         <p:txBody>
           <a:bodyPr/>
           <a:lstStyle/>
           <a:p>
             <a:r>
-              <a:rPr lang="en-PH" sz="6600" dirty="0"/>
-              <a:t>Deployment Diagram</a:t>
-            </a:r>
-          </a:p>
-        </p:txBody>
-      </p:sp>
+              <a:rPr lang="en-PH" sz="4800" dirty="0"/>
+              <a:t>Activity Diagram</a:t>
+            </a:r>
+          </a:p>
+        </p:txBody>
+      </p:sp>
+      <p:pic>
+        <p:nvPicPr>
+          <p:cNvPr id="7" name="Picture 6"/>
+          <p:cNvPicPr>
+            <a:picLocks noChangeAspect="1"/>
+          </p:cNvPicPr>
+          <p:nvPr/>
+        </p:nvPicPr>
+        <p:blipFill>
+          <a:blip r:embed="rId2"/>
+          <a:stretch>
+            <a:fillRect/>
+          </a:stretch>
+        </p:blipFill>
+        <p:spPr>
+          <a:xfrm>
+            <a:off x="2004558" y="1104900"/>
+            <a:ext cx="7477125" cy="5473820"/>
+          </a:xfrm>
+          <a:prstGeom prst="rect">
+            <a:avLst/>
+          </a:prstGeom>
+        </p:spPr>
+      </p:pic>
     </p:spTree>
     <p:extLst>
       <p:ext uri="{BB962C8B-B14F-4D97-AF65-F5344CB8AC3E}">
-        <p14:creationId xmlns:p14="http://schemas.microsoft.com/office/powerpoint/2010/main" val="2560208837"/>
+        <p14:creationId xmlns:p14="http://schemas.microsoft.com/office/powerpoint/2010/main" val="3802529788"/>
       </p:ext>
     </p:extLst>
   </p:cSld>

--- a/Midterm-PPT.pptx
+++ b/Midterm-PPT.pptx
@@ -7942,16 +7942,36 @@
           </a:lstStyle>
           <a:p>
             <a:r>
-              <a:rPr lang="en-PH" sz="4800"/>
-              <a:t>Timing </a:t>
-            </a:r>
-            <a:r>
               <a:rPr lang="en-PH" sz="4800" dirty="0"/>
-              <a:t>Diagram</a:t>
-            </a:r>
-          </a:p>
-        </p:txBody>
-      </p:sp>
+              <a:t>Timing Diagram</a:t>
+            </a:r>
+          </a:p>
+        </p:txBody>
+      </p:sp>
+      <p:pic>
+        <p:nvPicPr>
+          <p:cNvPr id="6" name="Picture 5"/>
+          <p:cNvPicPr>
+            <a:picLocks noChangeAspect="1"/>
+          </p:cNvPicPr>
+          <p:nvPr/>
+        </p:nvPicPr>
+        <p:blipFill>
+          <a:blip r:embed="rId2"/>
+          <a:stretch>
+            <a:fillRect/>
+          </a:stretch>
+        </p:blipFill>
+        <p:spPr>
+          <a:xfrm>
+            <a:off x="562797" y="970450"/>
+            <a:ext cx="11140867" cy="5701104"/>
+          </a:xfrm>
+          <a:prstGeom prst="rect">
+            <a:avLst/>
+          </a:prstGeom>
+        </p:spPr>
+      </p:pic>
     </p:spTree>
     <p:extLst>
       <p:ext uri="{BB962C8B-B14F-4D97-AF65-F5344CB8AC3E}">
@@ -7984,26 +8004,136 @@
       </p:grpSpPr>
       <p:sp>
         <p:nvSpPr>
-          <p:cNvPr id="2" name="Title 1"/>
-          <p:cNvSpPr>
-            <a:spLocks noGrp="1"/>
-          </p:cNvSpPr>
-          <p:nvPr>
-            <p:ph type="title"/>
-          </p:nvPr>
-        </p:nvSpPr>
-        <p:spPr/>
-        <p:txBody>
-          <a:bodyPr/>
-          <a:lstStyle/>
-          <a:p>
-            <a:r>
-              <a:rPr lang="en-PH" sz="6600" dirty="0"/>
+          <p:cNvPr id="5" name="Title 1"/>
+          <p:cNvSpPr txBox="1">
+            <a:spLocks/>
+          </p:cNvSpPr>
+          <p:nvPr/>
+        </p:nvSpPr>
+        <p:spPr>
+          <a:xfrm>
+            <a:off x="476172" y="0"/>
+            <a:ext cx="11233228" cy="970450"/>
+          </a:xfrm>
+          <a:prstGeom prst="rect">
+            <a:avLst/>
+          </a:prstGeom>
+          <a:effectLst>
+            <a:outerShdw blurRad="50800" dir="14400000">
+              <a:srgbClr val="000000">
+                <a:alpha val="60000"/>
+              </a:srgbClr>
+            </a:outerShdw>
+          </a:effectLst>
+        </p:spPr>
+        <p:txBody>
+          <a:bodyPr vert="horz" lIns="91440" tIns="45720" rIns="91440" bIns="45720" rtlCol="0" anchor="b">
+            <a:noAutofit/>
+          </a:bodyPr>
+          <a:lstStyle>
+            <a:lvl1pPr algn="l" defTabSz="457200" rtl="0" eaLnBrk="1" latinLnBrk="0" hangingPunct="1">
+              <a:spcBef>
+                <a:spcPct val="0"/>
+              </a:spcBef>
+              <a:buNone/>
+              <a:defRPr sz="4000" b="1" kern="1200">
+                <a:solidFill>
+                  <a:srgbClr val="FEFEFE"/>
+                </a:solidFill>
+                <a:latin typeface="+mj-lt"/>
+                <a:ea typeface="+mj-ea"/>
+                <a:cs typeface="+mj-cs"/>
+              </a:defRPr>
+            </a:lvl1pPr>
+            <a:lvl2pPr eaLnBrk="1" hangingPunct="1">
+              <a:defRPr>
+                <a:solidFill>
+                  <a:schemeClr val="tx2"/>
+                </a:solidFill>
+              </a:defRPr>
+            </a:lvl2pPr>
+            <a:lvl3pPr eaLnBrk="1" hangingPunct="1">
+              <a:defRPr>
+                <a:solidFill>
+                  <a:schemeClr val="tx2"/>
+                </a:solidFill>
+              </a:defRPr>
+            </a:lvl3pPr>
+            <a:lvl4pPr eaLnBrk="1" hangingPunct="1">
+              <a:defRPr>
+                <a:solidFill>
+                  <a:schemeClr val="tx2"/>
+                </a:solidFill>
+              </a:defRPr>
+            </a:lvl4pPr>
+            <a:lvl5pPr eaLnBrk="1" hangingPunct="1">
+              <a:defRPr>
+                <a:solidFill>
+                  <a:schemeClr val="tx2"/>
+                </a:solidFill>
+              </a:defRPr>
+            </a:lvl5pPr>
+            <a:lvl6pPr eaLnBrk="1" hangingPunct="1">
+              <a:defRPr>
+                <a:solidFill>
+                  <a:schemeClr val="tx2"/>
+                </a:solidFill>
+              </a:defRPr>
+            </a:lvl6pPr>
+            <a:lvl7pPr eaLnBrk="1" hangingPunct="1">
+              <a:defRPr>
+                <a:solidFill>
+                  <a:schemeClr val="tx2"/>
+                </a:solidFill>
+              </a:defRPr>
+            </a:lvl7pPr>
+            <a:lvl8pPr eaLnBrk="1" hangingPunct="1">
+              <a:defRPr>
+                <a:solidFill>
+                  <a:schemeClr val="tx2"/>
+                </a:solidFill>
+              </a:defRPr>
+            </a:lvl8pPr>
+            <a:lvl9pPr eaLnBrk="1" hangingPunct="1">
+              <a:defRPr>
+                <a:solidFill>
+                  <a:schemeClr val="tx2"/>
+                </a:solidFill>
+              </a:defRPr>
+            </a:lvl9pPr>
+          </a:lstStyle>
+          <a:p>
+            <a:r>
+              <a:rPr lang="en-PH" sz="4800" dirty="0"/>
               <a:t>Class Diagram</a:t>
             </a:r>
           </a:p>
         </p:txBody>
       </p:sp>
+      <p:pic>
+        <p:nvPicPr>
+          <p:cNvPr id="7" name="Picture 6"/>
+          <p:cNvPicPr>
+            <a:picLocks noChangeAspect="1"/>
+          </p:cNvPicPr>
+          <p:nvPr/>
+        </p:nvPicPr>
+        <p:blipFill>
+          <a:blip r:embed="rId2"/>
+          <a:stretch>
+            <a:fillRect/>
+          </a:stretch>
+        </p:blipFill>
+        <p:spPr>
+          <a:xfrm>
+            <a:off x="2354902" y="970450"/>
+            <a:ext cx="7475768" cy="4973150"/>
+          </a:xfrm>
+          <a:prstGeom prst="rect">
+            <a:avLst/>
+          </a:prstGeom>
+        </p:spPr>
+      </p:pic>
     </p:spTree>
     <p:extLst>
       <p:ext uri="{BB962C8B-B14F-4D97-AF65-F5344CB8AC3E}">
@@ -8036,22 +8166,112 @@
       </p:grpSpPr>
       <p:sp>
         <p:nvSpPr>
-          <p:cNvPr id="2" name="Title 1"/>
-          <p:cNvSpPr>
-            <a:spLocks noGrp="1"/>
-          </p:cNvSpPr>
-          <p:nvPr>
-            <p:ph type="title"/>
-          </p:nvPr>
-        </p:nvSpPr>
-        <p:spPr/>
-        <p:txBody>
-          <a:bodyPr/>
-          <a:lstStyle/>
-          <a:p>
-            <a:r>
-              <a:rPr lang="en-PH" sz="6600" dirty="0"/>
-              <a:t>Component Diagram</a:t>
+          <p:cNvPr id="5" name="Title 1"/>
+          <p:cNvSpPr txBox="1">
+            <a:spLocks/>
+          </p:cNvSpPr>
+          <p:nvPr/>
+        </p:nvSpPr>
+        <p:spPr>
+          <a:xfrm>
+            <a:off x="476172" y="0"/>
+            <a:ext cx="11233228" cy="970450"/>
+          </a:xfrm>
+          <a:prstGeom prst="rect">
+            <a:avLst/>
+          </a:prstGeom>
+          <a:effectLst>
+            <a:outerShdw blurRad="50800" dir="14400000">
+              <a:srgbClr val="000000">
+                <a:alpha val="60000"/>
+              </a:srgbClr>
+            </a:outerShdw>
+          </a:effectLst>
+        </p:spPr>
+        <p:txBody>
+          <a:bodyPr vert="horz" lIns="91440" tIns="45720" rIns="91440" bIns="45720" rtlCol="0" anchor="b">
+            <a:noAutofit/>
+          </a:bodyPr>
+          <a:lstStyle>
+            <a:lvl1pPr algn="l" defTabSz="457200" rtl="0" eaLnBrk="1" latinLnBrk="0" hangingPunct="1">
+              <a:spcBef>
+                <a:spcPct val="0"/>
+              </a:spcBef>
+              <a:buNone/>
+              <a:defRPr sz="4000" b="1" kern="1200">
+                <a:solidFill>
+                  <a:srgbClr val="FEFEFE"/>
+                </a:solidFill>
+                <a:latin typeface="+mj-lt"/>
+                <a:ea typeface="+mj-ea"/>
+                <a:cs typeface="+mj-cs"/>
+              </a:defRPr>
+            </a:lvl1pPr>
+            <a:lvl2pPr eaLnBrk="1" hangingPunct="1">
+              <a:defRPr>
+                <a:solidFill>
+                  <a:schemeClr val="tx2"/>
+                </a:solidFill>
+              </a:defRPr>
+            </a:lvl2pPr>
+            <a:lvl3pPr eaLnBrk="1" hangingPunct="1">
+              <a:defRPr>
+                <a:solidFill>
+                  <a:schemeClr val="tx2"/>
+                </a:solidFill>
+              </a:defRPr>
+            </a:lvl3pPr>
+            <a:lvl4pPr eaLnBrk="1" hangingPunct="1">
+              <a:defRPr>
+                <a:solidFill>
+                  <a:schemeClr val="tx2"/>
+                </a:solidFill>
+              </a:defRPr>
+            </a:lvl4pPr>
+            <a:lvl5pPr eaLnBrk="1" hangingPunct="1">
+              <a:defRPr>
+                <a:solidFill>
+                  <a:schemeClr val="tx2"/>
+                </a:solidFill>
+              </a:defRPr>
+            </a:lvl5pPr>
+            <a:lvl6pPr eaLnBrk="1" hangingPunct="1">
+              <a:defRPr>
+                <a:solidFill>
+                  <a:schemeClr val="tx2"/>
+                </a:solidFill>
+              </a:defRPr>
+            </a:lvl6pPr>
+            <a:lvl7pPr eaLnBrk="1" hangingPunct="1">
+              <a:defRPr>
+                <a:solidFill>
+                  <a:schemeClr val="tx2"/>
+                </a:solidFill>
+              </a:defRPr>
+            </a:lvl7pPr>
+            <a:lvl8pPr eaLnBrk="1" hangingPunct="1">
+              <a:defRPr>
+                <a:solidFill>
+                  <a:schemeClr val="tx2"/>
+                </a:solidFill>
+              </a:defRPr>
+            </a:lvl8pPr>
+            <a:lvl9pPr eaLnBrk="1" hangingPunct="1">
+              <a:defRPr>
+                <a:solidFill>
+                  <a:schemeClr val="tx2"/>
+                </a:solidFill>
+              </a:defRPr>
+            </a:lvl9pPr>
+          </a:lstStyle>
+          <a:p>
+            <a:r>
+              <a:rPr lang="en-PH" sz="4800"/>
+              <a:t>Component </a:t>
+            </a:r>
+            <a:r>
+              <a:rPr lang="en-PH" sz="4800" dirty="0"/>
+              <a:t>Diagram</a:t>
             </a:r>
           </a:p>
         </p:txBody>

--- a/Midterm-PPT.pptx
+++ b/Midterm-PPT.pptx
@@ -8266,16 +8266,36 @@
           </a:lstStyle>
           <a:p>
             <a:r>
-              <a:rPr lang="en-PH" sz="4800"/>
-              <a:t>Component </a:t>
-            </a:r>
-            <a:r>
               <a:rPr lang="en-PH" sz="4800" dirty="0"/>
-              <a:t>Diagram</a:t>
-            </a:r>
-          </a:p>
-        </p:txBody>
-      </p:sp>
+              <a:t>Component Diagram</a:t>
+            </a:r>
+          </a:p>
+        </p:txBody>
+      </p:sp>
+      <p:pic>
+        <p:nvPicPr>
+          <p:cNvPr id="8" name="Picture 7"/>
+          <p:cNvPicPr>
+            <a:picLocks noChangeAspect="1"/>
+          </p:cNvPicPr>
+          <p:nvPr/>
+        </p:nvPicPr>
+        <p:blipFill>
+          <a:blip r:embed="rId2"/>
+          <a:stretch>
+            <a:fillRect/>
+          </a:stretch>
+        </p:blipFill>
+        <p:spPr>
+          <a:xfrm>
+            <a:off x="789145" y="1143000"/>
+            <a:ext cx="10607282" cy="4737100"/>
+          </a:xfrm>
+          <a:prstGeom prst="rect">
+            <a:avLst/>
+          </a:prstGeom>
+        </p:spPr>
+      </p:pic>
     </p:spTree>
     <p:extLst>
       <p:ext uri="{BB962C8B-B14F-4D97-AF65-F5344CB8AC3E}">
@@ -9555,26 +9575,136 @@
       </p:grpSpPr>
       <p:sp>
         <p:nvSpPr>
-          <p:cNvPr id="2" name="Title 1"/>
-          <p:cNvSpPr>
-            <a:spLocks noGrp="1"/>
-          </p:cNvSpPr>
-          <p:nvPr>
-            <p:ph type="title"/>
-          </p:nvPr>
-        </p:nvSpPr>
-        <p:spPr/>
-        <p:txBody>
-          <a:bodyPr/>
-          <a:lstStyle/>
-          <a:p>
-            <a:r>
-              <a:rPr lang="en-PH" sz="6600" dirty="0"/>
+          <p:cNvPr id="3" name="Title 1"/>
+          <p:cNvSpPr txBox="1">
+            <a:spLocks/>
+          </p:cNvSpPr>
+          <p:nvPr/>
+        </p:nvSpPr>
+        <p:spPr>
+          <a:xfrm>
+            <a:off x="476172" y="0"/>
+            <a:ext cx="11233228" cy="970450"/>
+          </a:xfrm>
+          <a:prstGeom prst="rect">
+            <a:avLst/>
+          </a:prstGeom>
+          <a:effectLst>
+            <a:outerShdw blurRad="50800" dir="14400000">
+              <a:srgbClr val="000000">
+                <a:alpha val="60000"/>
+              </a:srgbClr>
+            </a:outerShdw>
+          </a:effectLst>
+        </p:spPr>
+        <p:txBody>
+          <a:bodyPr vert="horz" lIns="91440" tIns="45720" rIns="91440" bIns="45720" rtlCol="0" anchor="b">
+            <a:noAutofit/>
+          </a:bodyPr>
+          <a:lstStyle>
+            <a:lvl1pPr algn="l" defTabSz="457200" rtl="0" eaLnBrk="1" latinLnBrk="0" hangingPunct="1">
+              <a:spcBef>
+                <a:spcPct val="0"/>
+              </a:spcBef>
+              <a:buNone/>
+              <a:defRPr sz="4000" b="1" kern="1200">
+                <a:solidFill>
+                  <a:srgbClr val="FEFEFE"/>
+                </a:solidFill>
+                <a:latin typeface="+mj-lt"/>
+                <a:ea typeface="+mj-ea"/>
+                <a:cs typeface="+mj-cs"/>
+              </a:defRPr>
+            </a:lvl1pPr>
+            <a:lvl2pPr eaLnBrk="1" hangingPunct="1">
+              <a:defRPr>
+                <a:solidFill>
+                  <a:schemeClr val="tx2"/>
+                </a:solidFill>
+              </a:defRPr>
+            </a:lvl2pPr>
+            <a:lvl3pPr eaLnBrk="1" hangingPunct="1">
+              <a:defRPr>
+                <a:solidFill>
+                  <a:schemeClr val="tx2"/>
+                </a:solidFill>
+              </a:defRPr>
+            </a:lvl3pPr>
+            <a:lvl4pPr eaLnBrk="1" hangingPunct="1">
+              <a:defRPr>
+                <a:solidFill>
+                  <a:schemeClr val="tx2"/>
+                </a:solidFill>
+              </a:defRPr>
+            </a:lvl4pPr>
+            <a:lvl5pPr eaLnBrk="1" hangingPunct="1">
+              <a:defRPr>
+                <a:solidFill>
+                  <a:schemeClr val="tx2"/>
+                </a:solidFill>
+              </a:defRPr>
+            </a:lvl5pPr>
+            <a:lvl6pPr eaLnBrk="1" hangingPunct="1">
+              <a:defRPr>
+                <a:solidFill>
+                  <a:schemeClr val="tx2"/>
+                </a:solidFill>
+              </a:defRPr>
+            </a:lvl6pPr>
+            <a:lvl7pPr eaLnBrk="1" hangingPunct="1">
+              <a:defRPr>
+                <a:solidFill>
+                  <a:schemeClr val="tx2"/>
+                </a:solidFill>
+              </a:defRPr>
+            </a:lvl7pPr>
+            <a:lvl8pPr eaLnBrk="1" hangingPunct="1">
+              <a:defRPr>
+                <a:solidFill>
+                  <a:schemeClr val="tx2"/>
+                </a:solidFill>
+              </a:defRPr>
+            </a:lvl8pPr>
+            <a:lvl9pPr eaLnBrk="1" hangingPunct="1">
+              <a:defRPr>
+                <a:solidFill>
+                  <a:schemeClr val="tx2"/>
+                </a:solidFill>
+              </a:defRPr>
+            </a:lvl9pPr>
+          </a:lstStyle>
+          <a:p>
+            <a:r>
+              <a:rPr lang="en-PH" sz="4800" dirty="0"/>
               <a:t>Package Diagram</a:t>
             </a:r>
           </a:p>
         </p:txBody>
       </p:sp>
+      <p:pic>
+        <p:nvPicPr>
+          <p:cNvPr id="6" name="Picture 5"/>
+          <p:cNvPicPr>
+            <a:picLocks noChangeAspect="1"/>
+          </p:cNvPicPr>
+          <p:nvPr/>
+        </p:nvPicPr>
+        <p:blipFill>
+          <a:blip r:embed="rId2"/>
+          <a:stretch>
+            <a:fillRect/>
+          </a:stretch>
+        </p:blipFill>
+        <p:spPr>
+          <a:xfrm>
+            <a:off x="578375" y="1066799"/>
+            <a:ext cx="11028821" cy="5224627"/>
+          </a:xfrm>
+          <a:prstGeom prst="rect">
+            <a:avLst/>
+          </a:prstGeom>
+        </p:spPr>
+      </p:pic>
     </p:spTree>
     <p:extLst>
       <p:ext uri="{BB962C8B-B14F-4D97-AF65-F5344CB8AC3E}">
@@ -9605,23 +9735,133 @@
           <a:chExt cx="0" cy="0"/>
         </a:xfrm>
       </p:grpSpPr>
-      <p:sp>
-        <p:nvSpPr>
-          <p:cNvPr id="2" name="Title 1"/>
-          <p:cNvSpPr>
-            <a:spLocks noGrp="1"/>
-          </p:cNvSpPr>
-          <p:nvPr>
-            <p:ph type="title"/>
-          </p:nvPr>
-        </p:nvSpPr>
-        <p:spPr/>
-        <p:txBody>
-          <a:bodyPr/>
-          <a:lstStyle/>
-          <a:p>
-            <a:r>
-              <a:rPr lang="en-PH" sz="6600" dirty="0"/>
+      <p:pic>
+        <p:nvPicPr>
+          <p:cNvPr id="4" name="Picture 3"/>
+          <p:cNvPicPr>
+            <a:picLocks noChangeAspect="1"/>
+          </p:cNvPicPr>
+          <p:nvPr/>
+        </p:nvPicPr>
+        <p:blipFill>
+          <a:blip r:embed="rId2"/>
+          <a:stretch>
+            <a:fillRect/>
+          </a:stretch>
+        </p:blipFill>
+        <p:spPr>
+          <a:xfrm>
+            <a:off x="865129" y="970450"/>
+            <a:ext cx="10455314" cy="4952942"/>
+          </a:xfrm>
+          <a:prstGeom prst="rect">
+            <a:avLst/>
+          </a:prstGeom>
+        </p:spPr>
+      </p:pic>
+      <p:sp>
+        <p:nvSpPr>
+          <p:cNvPr id="5" name="Title 1"/>
+          <p:cNvSpPr txBox="1">
+            <a:spLocks/>
+          </p:cNvSpPr>
+          <p:nvPr/>
+        </p:nvSpPr>
+        <p:spPr>
+          <a:xfrm>
+            <a:off x="476172" y="0"/>
+            <a:ext cx="11233228" cy="970450"/>
+          </a:xfrm>
+          <a:prstGeom prst="rect">
+            <a:avLst/>
+          </a:prstGeom>
+          <a:effectLst>
+            <a:outerShdw blurRad="50800" dir="14400000">
+              <a:srgbClr val="000000">
+                <a:alpha val="60000"/>
+              </a:srgbClr>
+            </a:outerShdw>
+          </a:effectLst>
+        </p:spPr>
+        <p:txBody>
+          <a:bodyPr vert="horz" lIns="91440" tIns="45720" rIns="91440" bIns="45720" rtlCol="0" anchor="b">
+            <a:noAutofit/>
+          </a:bodyPr>
+          <a:lstStyle>
+            <a:lvl1pPr algn="l" defTabSz="457200" rtl="0" eaLnBrk="1" latinLnBrk="0" hangingPunct="1">
+              <a:spcBef>
+                <a:spcPct val="0"/>
+              </a:spcBef>
+              <a:buNone/>
+              <a:defRPr sz="4000" b="1" kern="1200">
+                <a:solidFill>
+                  <a:srgbClr val="FEFEFE"/>
+                </a:solidFill>
+                <a:latin typeface="+mj-lt"/>
+                <a:ea typeface="+mj-ea"/>
+                <a:cs typeface="+mj-cs"/>
+              </a:defRPr>
+            </a:lvl1pPr>
+            <a:lvl2pPr eaLnBrk="1" hangingPunct="1">
+              <a:defRPr>
+                <a:solidFill>
+                  <a:schemeClr val="tx2"/>
+                </a:solidFill>
+              </a:defRPr>
+            </a:lvl2pPr>
+            <a:lvl3pPr eaLnBrk="1" hangingPunct="1">
+              <a:defRPr>
+                <a:solidFill>
+                  <a:schemeClr val="tx2"/>
+                </a:solidFill>
+              </a:defRPr>
+            </a:lvl3pPr>
+            <a:lvl4pPr eaLnBrk="1" hangingPunct="1">
+              <a:defRPr>
+                <a:solidFill>
+                  <a:schemeClr val="tx2"/>
+                </a:solidFill>
+              </a:defRPr>
+            </a:lvl4pPr>
+            <a:lvl5pPr eaLnBrk="1" hangingPunct="1">
+              <a:defRPr>
+                <a:solidFill>
+                  <a:schemeClr val="tx2"/>
+                </a:solidFill>
+              </a:defRPr>
+            </a:lvl5pPr>
+            <a:lvl6pPr eaLnBrk="1" hangingPunct="1">
+              <a:defRPr>
+                <a:solidFill>
+                  <a:schemeClr val="tx2"/>
+                </a:solidFill>
+              </a:defRPr>
+            </a:lvl6pPr>
+            <a:lvl7pPr eaLnBrk="1" hangingPunct="1">
+              <a:defRPr>
+                <a:solidFill>
+                  <a:schemeClr val="tx2"/>
+                </a:solidFill>
+              </a:defRPr>
+            </a:lvl7pPr>
+            <a:lvl8pPr eaLnBrk="1" hangingPunct="1">
+              <a:defRPr>
+                <a:solidFill>
+                  <a:schemeClr val="tx2"/>
+                </a:solidFill>
+              </a:defRPr>
+            </a:lvl8pPr>
+            <a:lvl9pPr eaLnBrk="1" hangingPunct="1">
+              <a:defRPr>
+                <a:solidFill>
+                  <a:schemeClr val="tx2"/>
+                </a:solidFill>
+              </a:defRPr>
+            </a:lvl9pPr>
+          </a:lstStyle>
+          <a:p>
+            <a:r>
+              <a:rPr lang="en-PH" sz="4800" dirty="0"/>
               <a:t>Composite Diagram</a:t>
             </a:r>
           </a:p>

--- a/Midterm-PPT.pptx
+++ b/Midterm-PPT.pptx
@@ -5,7 +5,7 @@
     <p:sldMasterId id="2147483648" r:id="rId1"/>
   </p:sldMasterIdLst>
   <p:notesMasterIdLst>
-    <p:notesMasterId r:id="rId23"/>
+    <p:notesMasterId r:id="rId24"/>
   </p:notesMasterIdLst>
   <p:sldIdLst>
     <p:sldId id="256" r:id="rId2"/>
@@ -29,6 +29,7 @@
     <p:sldId id="272" r:id="rId20"/>
     <p:sldId id="271" r:id="rId21"/>
     <p:sldId id="270" r:id="rId22"/>
+    <p:sldId id="278" r:id="rId23"/>
   </p:sldIdLst>
   <p:sldSz cx="12192000" cy="6858000"/>
   <p:notesSz cx="6858000" cy="9144000"/>
@@ -157,6 +158,7 @@
             <p14:sldId id="272"/>
             <p14:sldId id="271"/>
             <p14:sldId id="270"/>
+            <p14:sldId id="278"/>
           </p14:sldIdLst>
         </p14:section>
       </p14:sectionLst>
@@ -9735,30 +9737,6 @@
           <a:chExt cx="0" cy="0"/>
         </a:xfrm>
       </p:grpSpPr>
-      <p:pic>
-        <p:nvPicPr>
-          <p:cNvPr id="4" name="Picture 3"/>
-          <p:cNvPicPr>
-            <a:picLocks noChangeAspect="1"/>
-          </p:cNvPicPr>
-          <p:nvPr/>
-        </p:nvPicPr>
-        <p:blipFill>
-          <a:blip r:embed="rId2"/>
-          <a:stretch>
-            <a:fillRect/>
-          </a:stretch>
-        </p:blipFill>
-        <p:spPr>
-          <a:xfrm>
-            <a:off x="865129" y="970450"/>
-            <a:ext cx="10455314" cy="4952942"/>
-          </a:xfrm>
-          <a:prstGeom prst="rect">
-            <a:avLst/>
-          </a:prstGeom>
-        </p:spPr>
-      </p:pic>
       <p:sp>
         <p:nvSpPr>
           <p:cNvPr id="5" name="Title 1"/>
@@ -9867,10 +9845,172 @@
           </a:p>
         </p:txBody>
       </p:sp>
+      <p:pic>
+        <p:nvPicPr>
+          <p:cNvPr id="8" name="Picture 7"/>
+          <p:cNvPicPr>
+            <a:picLocks noChangeAspect="1"/>
+          </p:cNvPicPr>
+          <p:nvPr/>
+        </p:nvPicPr>
+        <p:blipFill>
+          <a:blip r:embed="rId2"/>
+          <a:stretch>
+            <a:fillRect/>
+          </a:stretch>
+        </p:blipFill>
+        <p:spPr>
+          <a:xfrm>
+            <a:off x="2772860" y="970450"/>
+            <a:ext cx="6639852" cy="5048955"/>
+          </a:xfrm>
+          <a:prstGeom prst="rect">
+            <a:avLst/>
+          </a:prstGeom>
+        </p:spPr>
+      </p:pic>
     </p:spTree>
     <p:extLst>
       <p:ext uri="{BB962C8B-B14F-4D97-AF65-F5344CB8AC3E}">
         <p14:creationId xmlns:p14="http://schemas.microsoft.com/office/powerpoint/2010/main" val="1042779950"/>
+      </p:ext>
+    </p:extLst>
+  </p:cSld>
+  <p:clrMapOvr>
+    <a:masterClrMapping/>
+  </p:clrMapOvr>
+</p:sld>
+</file>
+
+<file path=ppt/slides/slide22.xml><?xml version="1.0" encoding="utf-8"?>
+<p:sld xmlns:a="http://schemas.openxmlformats.org/drawingml/2006/main" xmlns:r="http://schemas.openxmlformats.org/officeDocument/2006/relationships" xmlns:p="http://schemas.openxmlformats.org/presentationml/2006/main">
+  <p:cSld>
+    <p:spTree>
+      <p:nvGrpSpPr>
+        <p:cNvPr id="1" name=""/>
+        <p:cNvGrpSpPr/>
+        <p:nvPr/>
+      </p:nvGrpSpPr>
+      <p:grpSpPr>
+        <a:xfrm>
+          <a:off x="0" y="0"/>
+          <a:ext cx="0" cy="0"/>
+          <a:chOff x="0" y="0"/>
+          <a:chExt cx="0" cy="0"/>
+        </a:xfrm>
+      </p:grpSpPr>
+      <p:sp>
+        <p:nvSpPr>
+          <p:cNvPr id="5" name="Title 1"/>
+          <p:cNvSpPr txBox="1">
+            <a:spLocks/>
+          </p:cNvSpPr>
+          <p:nvPr/>
+        </p:nvSpPr>
+        <p:spPr>
+          <a:xfrm>
+            <a:off x="476172" y="0"/>
+            <a:ext cx="11233228" cy="970450"/>
+          </a:xfrm>
+          <a:prstGeom prst="rect">
+            <a:avLst/>
+          </a:prstGeom>
+          <a:effectLst>
+            <a:outerShdw blurRad="50800" dir="14400000">
+              <a:srgbClr val="000000">
+                <a:alpha val="60000"/>
+              </a:srgbClr>
+            </a:outerShdw>
+          </a:effectLst>
+        </p:spPr>
+        <p:txBody>
+          <a:bodyPr vert="horz" lIns="91440" tIns="45720" rIns="91440" bIns="45720" rtlCol="0" anchor="b">
+            <a:noAutofit/>
+          </a:bodyPr>
+          <a:lstStyle>
+            <a:lvl1pPr algn="l" defTabSz="457200" rtl="0" eaLnBrk="1" latinLnBrk="0" hangingPunct="1">
+              <a:spcBef>
+                <a:spcPct val="0"/>
+              </a:spcBef>
+              <a:buNone/>
+              <a:defRPr sz="4000" b="1" kern="1200">
+                <a:solidFill>
+                  <a:srgbClr val="FEFEFE"/>
+                </a:solidFill>
+                <a:latin typeface="+mj-lt"/>
+                <a:ea typeface="+mj-ea"/>
+                <a:cs typeface="+mj-cs"/>
+              </a:defRPr>
+            </a:lvl1pPr>
+            <a:lvl2pPr eaLnBrk="1" hangingPunct="1">
+              <a:defRPr>
+                <a:solidFill>
+                  <a:schemeClr val="tx2"/>
+                </a:solidFill>
+              </a:defRPr>
+            </a:lvl2pPr>
+            <a:lvl3pPr eaLnBrk="1" hangingPunct="1">
+              <a:defRPr>
+                <a:solidFill>
+                  <a:schemeClr val="tx2"/>
+                </a:solidFill>
+              </a:defRPr>
+            </a:lvl3pPr>
+            <a:lvl4pPr eaLnBrk="1" hangingPunct="1">
+              <a:defRPr>
+                <a:solidFill>
+                  <a:schemeClr val="tx2"/>
+                </a:solidFill>
+              </a:defRPr>
+            </a:lvl4pPr>
+            <a:lvl5pPr eaLnBrk="1" hangingPunct="1">
+              <a:defRPr>
+                <a:solidFill>
+                  <a:schemeClr val="tx2"/>
+                </a:solidFill>
+              </a:defRPr>
+            </a:lvl5pPr>
+            <a:lvl6pPr eaLnBrk="1" hangingPunct="1">
+              <a:defRPr>
+                <a:solidFill>
+                  <a:schemeClr val="tx2"/>
+                </a:solidFill>
+              </a:defRPr>
+            </a:lvl6pPr>
+            <a:lvl7pPr eaLnBrk="1" hangingPunct="1">
+              <a:defRPr>
+                <a:solidFill>
+                  <a:schemeClr val="tx2"/>
+                </a:solidFill>
+              </a:defRPr>
+            </a:lvl7pPr>
+            <a:lvl8pPr eaLnBrk="1" hangingPunct="1">
+              <a:defRPr>
+                <a:solidFill>
+                  <a:schemeClr val="tx2"/>
+                </a:solidFill>
+              </a:defRPr>
+            </a:lvl8pPr>
+            <a:lvl9pPr eaLnBrk="1" hangingPunct="1">
+              <a:defRPr>
+                <a:solidFill>
+                  <a:schemeClr val="tx2"/>
+                </a:solidFill>
+              </a:defRPr>
+            </a:lvl9pPr>
+          </a:lstStyle>
+          <a:p>
+            <a:r>
+              <a:rPr lang="en-PH" sz="4800" dirty="0"/>
+              <a:t>Interaction Overview</a:t>
+            </a:r>
+          </a:p>
+        </p:txBody>
+      </p:sp>
+    </p:spTree>
+    <p:extLst>
+      <p:ext uri="{BB962C8B-B14F-4D97-AF65-F5344CB8AC3E}">
+        <p14:creationId xmlns:p14="http://schemas.microsoft.com/office/powerpoint/2010/main" val="635806071"/>
       </p:ext>
     </p:extLst>
   </p:cSld>

--- a/Midterm-PPT.pptx
+++ b/Midterm-PPT.pptx
@@ -131,16 +131,20 @@
   <p:extLst>
     <p:ext uri="{521415D9-36F7-43E2-AB2F-B90AF26B5E84}">
       <p14:sectionLst xmlns:p14="http://schemas.microsoft.com/office/powerpoint/2010/main">
-        <p14:section name="Default Section" id="{F9C0CF8E-6A46-4B94-AF59-4B4AAF1E4112}">
+        <p14:section name="Title Page" id="{F9C0CF8E-6A46-4B94-AF59-4B4AAF1E4112}">
           <p14:sldIdLst>
             <p14:sldId id="256"/>
           </p14:sldIdLst>
         </p14:section>
-        <p14:section name="Untitled Section" id="{80206FF1-4BD9-4359-9271-01B9BD5DF555}">
+        <p14:section name="Document Revisions" id="{C5E16651-E363-4074-B0EF-9A4BFA1C7E1D}">
           <p14:sldIdLst>
             <p14:sldId id="257"/>
             <p14:sldId id="258"/>
             <p14:sldId id="260"/>
+          </p14:sldIdLst>
+        </p14:section>
+        <p14:section name="Diagrams" id="{80206FF1-4BD9-4359-9271-01B9BD5DF555}">
+          <p14:sldIdLst>
             <p14:sldId id="261"/>
             <p14:sldId id="259"/>
             <p14:sldId id="262"/>
@@ -6321,7 +6325,7 @@
           <a:p>
             <a:r>
               <a:rPr lang="en-PH" dirty="0"/>
-              <a:t>Touch Screen Adaptability: User Calibration based Touch Screen Responsiveness</a:t>
+              <a:t>Touch Screen Adaptation: User Calibration based Touch Screen Responsiveness</a:t>
             </a:r>
           </a:p>
         </p:txBody>
@@ -6833,7 +6837,7 @@
         </p:blipFill>
         <p:spPr>
           <a:xfrm>
-            <a:off x="2689225" y="1946275"/>
+            <a:off x="2689225" y="1273175"/>
             <a:ext cx="6619875" cy="5124450"/>
           </a:xfrm>
           <a:prstGeom prst="rect">
@@ -6943,7 +6947,11 @@
           </a:lstStyle>
           <a:p>
             <a:r>
-              <a:rPr lang="en-PH" sz="3200" dirty="0"/>
+              <a:rPr lang="en-PH" sz="3200" dirty="0">
+                <a:solidFill>
+                  <a:srgbClr val="FFFF00"/>
+                </a:solidFill>
+              </a:rPr>
               <a:t>Touch Calibration</a:t>
             </a:r>
           </a:p>
@@ -6959,6 +6967,138 @@
   <p:clrMapOvr>
     <a:masterClrMapping/>
   </p:clrMapOvr>
+  <p:timing>
+    <p:tnLst>
+      <p:par>
+        <p:cTn id="1" dur="indefinite" restart="never" nodeType="tmRoot">
+          <p:childTnLst>
+            <p:seq concurrent="1" nextAc="seek">
+              <p:cTn id="2" dur="indefinite" nodeType="mainSeq">
+                <p:childTnLst>
+                  <p:par>
+                    <p:cTn id="3" fill="hold">
+                      <p:stCondLst>
+                        <p:cond delay="indefinite"/>
+                      </p:stCondLst>
+                      <p:childTnLst>
+                        <p:par>
+                          <p:cTn id="4" fill="hold">
+                            <p:stCondLst>
+                              <p:cond delay="0"/>
+                            </p:stCondLst>
+                            <p:childTnLst>
+                              <p:par>
+                                <p:cTn id="5" presetID="53" presetClass="entr" presetSubtype="16" fill="hold" grpId="0" nodeType="clickEffect">
+                                  <p:stCondLst>
+                                    <p:cond delay="0"/>
+                                  </p:stCondLst>
+                                  <p:childTnLst>
+                                    <p:set>
+                                      <p:cBhvr>
+                                        <p:cTn id="6" dur="1" fill="hold">
+                                          <p:stCondLst>
+                                            <p:cond delay="0"/>
+                                          </p:stCondLst>
+                                        </p:cTn>
+                                        <p:tgtEl>
+                                          <p:spTgt spid="11"/>
+                                        </p:tgtEl>
+                                        <p:attrNameLst>
+                                          <p:attrName>style.visibility</p:attrName>
+                                        </p:attrNameLst>
+                                      </p:cBhvr>
+                                      <p:to>
+                                        <p:strVal val="visible"/>
+                                      </p:to>
+                                    </p:set>
+                                    <p:anim calcmode="lin" valueType="num">
+                                      <p:cBhvr>
+                                        <p:cTn id="7" dur="500" fill="hold"/>
+                                        <p:tgtEl>
+                                          <p:spTgt spid="11"/>
+                                        </p:tgtEl>
+                                        <p:attrNameLst>
+                                          <p:attrName>ppt_w</p:attrName>
+                                        </p:attrNameLst>
+                                      </p:cBhvr>
+                                      <p:tavLst>
+                                        <p:tav tm="0">
+                                          <p:val>
+                                            <p:fltVal val="0"/>
+                                          </p:val>
+                                        </p:tav>
+                                        <p:tav tm="100000">
+                                          <p:val>
+                                            <p:strVal val="#ppt_w"/>
+                                          </p:val>
+                                        </p:tav>
+                                      </p:tavLst>
+                                    </p:anim>
+                                    <p:anim calcmode="lin" valueType="num">
+                                      <p:cBhvr>
+                                        <p:cTn id="8" dur="500" fill="hold"/>
+                                        <p:tgtEl>
+                                          <p:spTgt spid="11"/>
+                                        </p:tgtEl>
+                                        <p:attrNameLst>
+                                          <p:attrName>ppt_h</p:attrName>
+                                        </p:attrNameLst>
+                                      </p:cBhvr>
+                                      <p:tavLst>
+                                        <p:tav tm="0">
+                                          <p:val>
+                                            <p:fltVal val="0"/>
+                                          </p:val>
+                                        </p:tav>
+                                        <p:tav tm="100000">
+                                          <p:val>
+                                            <p:strVal val="#ppt_h"/>
+                                          </p:val>
+                                        </p:tav>
+                                      </p:tavLst>
+                                    </p:anim>
+                                    <p:animEffect transition="in" filter="fade">
+                                      <p:cBhvr>
+                                        <p:cTn id="9" dur="500"/>
+                                        <p:tgtEl>
+                                          <p:spTgt spid="11"/>
+                                        </p:tgtEl>
+                                      </p:cBhvr>
+                                    </p:animEffect>
+                                  </p:childTnLst>
+                                </p:cTn>
+                              </p:par>
+                            </p:childTnLst>
+                          </p:cTn>
+                        </p:par>
+                      </p:childTnLst>
+                    </p:cTn>
+                  </p:par>
+                </p:childTnLst>
+              </p:cTn>
+              <p:prevCondLst>
+                <p:cond evt="onPrev" delay="0">
+                  <p:tgtEl>
+                    <p:sldTgt/>
+                  </p:tgtEl>
+                </p:cond>
+              </p:prevCondLst>
+              <p:nextCondLst>
+                <p:cond evt="onNext" delay="0">
+                  <p:tgtEl>
+                    <p:sldTgt/>
+                  </p:tgtEl>
+                </p:cond>
+              </p:nextCondLst>
+            </p:seq>
+          </p:childTnLst>
+        </p:cTn>
+      </p:par>
+    </p:tnLst>
+    <p:bldLst>
+      <p:bldP spid="11" grpId="0"/>
+    </p:bldLst>
+  </p:timing>
 </p:sld>
 </file>
 
@@ -7189,7 +7329,11 @@
           </a:lstStyle>
           <a:p>
             <a:r>
-              <a:rPr lang="en-PH" sz="3200" dirty="0"/>
+              <a:rPr lang="en-PH" sz="3200" dirty="0">
+                <a:solidFill>
+                  <a:srgbClr val="FFFF00"/>
+                </a:solidFill>
+              </a:rPr>
               <a:t>History</a:t>
             </a:r>
           </a:p>
@@ -7229,6 +7373,138 @@
   <p:clrMapOvr>
     <a:masterClrMapping/>
   </p:clrMapOvr>
+  <p:timing>
+    <p:tnLst>
+      <p:par>
+        <p:cTn id="1" dur="indefinite" restart="never" nodeType="tmRoot">
+          <p:childTnLst>
+            <p:seq concurrent="1" nextAc="seek">
+              <p:cTn id="2" dur="indefinite" nodeType="mainSeq">
+                <p:childTnLst>
+                  <p:par>
+                    <p:cTn id="3" fill="hold">
+                      <p:stCondLst>
+                        <p:cond delay="indefinite"/>
+                      </p:stCondLst>
+                      <p:childTnLst>
+                        <p:par>
+                          <p:cTn id="4" fill="hold">
+                            <p:stCondLst>
+                              <p:cond delay="0"/>
+                            </p:stCondLst>
+                            <p:childTnLst>
+                              <p:par>
+                                <p:cTn id="5" presetID="53" presetClass="entr" presetSubtype="16" fill="hold" grpId="0" nodeType="clickEffect">
+                                  <p:stCondLst>
+                                    <p:cond delay="0"/>
+                                  </p:stCondLst>
+                                  <p:childTnLst>
+                                    <p:set>
+                                      <p:cBhvr>
+                                        <p:cTn id="6" dur="1" fill="hold">
+                                          <p:stCondLst>
+                                            <p:cond delay="0"/>
+                                          </p:stCondLst>
+                                        </p:cTn>
+                                        <p:tgtEl>
+                                          <p:spTgt spid="11"/>
+                                        </p:tgtEl>
+                                        <p:attrNameLst>
+                                          <p:attrName>style.visibility</p:attrName>
+                                        </p:attrNameLst>
+                                      </p:cBhvr>
+                                      <p:to>
+                                        <p:strVal val="visible"/>
+                                      </p:to>
+                                    </p:set>
+                                    <p:anim calcmode="lin" valueType="num">
+                                      <p:cBhvr>
+                                        <p:cTn id="7" dur="500" fill="hold"/>
+                                        <p:tgtEl>
+                                          <p:spTgt spid="11"/>
+                                        </p:tgtEl>
+                                        <p:attrNameLst>
+                                          <p:attrName>ppt_w</p:attrName>
+                                        </p:attrNameLst>
+                                      </p:cBhvr>
+                                      <p:tavLst>
+                                        <p:tav tm="0">
+                                          <p:val>
+                                            <p:fltVal val="0"/>
+                                          </p:val>
+                                        </p:tav>
+                                        <p:tav tm="100000">
+                                          <p:val>
+                                            <p:strVal val="#ppt_w"/>
+                                          </p:val>
+                                        </p:tav>
+                                      </p:tavLst>
+                                    </p:anim>
+                                    <p:anim calcmode="lin" valueType="num">
+                                      <p:cBhvr>
+                                        <p:cTn id="8" dur="500" fill="hold"/>
+                                        <p:tgtEl>
+                                          <p:spTgt spid="11"/>
+                                        </p:tgtEl>
+                                        <p:attrNameLst>
+                                          <p:attrName>ppt_h</p:attrName>
+                                        </p:attrNameLst>
+                                      </p:cBhvr>
+                                      <p:tavLst>
+                                        <p:tav tm="0">
+                                          <p:val>
+                                            <p:fltVal val="0"/>
+                                          </p:val>
+                                        </p:tav>
+                                        <p:tav tm="100000">
+                                          <p:val>
+                                            <p:strVal val="#ppt_h"/>
+                                          </p:val>
+                                        </p:tav>
+                                      </p:tavLst>
+                                    </p:anim>
+                                    <p:animEffect transition="in" filter="fade">
+                                      <p:cBhvr>
+                                        <p:cTn id="9" dur="500"/>
+                                        <p:tgtEl>
+                                          <p:spTgt spid="11"/>
+                                        </p:tgtEl>
+                                      </p:cBhvr>
+                                    </p:animEffect>
+                                  </p:childTnLst>
+                                </p:cTn>
+                              </p:par>
+                            </p:childTnLst>
+                          </p:cTn>
+                        </p:par>
+                      </p:childTnLst>
+                    </p:cTn>
+                  </p:par>
+                </p:childTnLst>
+              </p:cTn>
+              <p:prevCondLst>
+                <p:cond evt="onPrev" delay="0">
+                  <p:tgtEl>
+                    <p:sldTgt/>
+                  </p:tgtEl>
+                </p:cond>
+              </p:prevCondLst>
+              <p:nextCondLst>
+                <p:cond evt="onNext" delay="0">
+                  <p:tgtEl>
+                    <p:sldTgt/>
+                  </p:tgtEl>
+                </p:cond>
+              </p:nextCondLst>
+            </p:seq>
+          </p:childTnLst>
+        </p:cTn>
+      </p:par>
+    </p:tnLst>
+    <p:bldLst>
+      <p:bldP spid="11" grpId="0"/>
+    </p:bldLst>
+  </p:timing>
 </p:sld>
 </file>
 
@@ -7459,7 +7735,11 @@
           </a:lstStyle>
           <a:p>
             <a:r>
-              <a:rPr lang="en-PH" sz="3200" dirty="0"/>
+              <a:rPr lang="en-PH" sz="3200" dirty="0">
+                <a:solidFill>
+                  <a:srgbClr val="FFFF00"/>
+                </a:solidFill>
+              </a:rPr>
               <a:t>Feedback</a:t>
             </a:r>
           </a:p>
@@ -7498,6 +7778,138 @@
   <p:clrMapOvr>
     <a:masterClrMapping/>
   </p:clrMapOvr>
+  <p:timing>
+    <p:tnLst>
+      <p:par>
+        <p:cTn id="1" dur="indefinite" restart="never" nodeType="tmRoot">
+          <p:childTnLst>
+            <p:seq concurrent="1" nextAc="seek">
+              <p:cTn id="2" dur="indefinite" nodeType="mainSeq">
+                <p:childTnLst>
+                  <p:par>
+                    <p:cTn id="3" fill="hold">
+                      <p:stCondLst>
+                        <p:cond delay="indefinite"/>
+                      </p:stCondLst>
+                      <p:childTnLst>
+                        <p:par>
+                          <p:cTn id="4" fill="hold">
+                            <p:stCondLst>
+                              <p:cond delay="0"/>
+                            </p:stCondLst>
+                            <p:childTnLst>
+                              <p:par>
+                                <p:cTn id="5" presetID="53" presetClass="entr" presetSubtype="16" fill="hold" grpId="0" nodeType="clickEffect">
+                                  <p:stCondLst>
+                                    <p:cond delay="0"/>
+                                  </p:stCondLst>
+                                  <p:childTnLst>
+                                    <p:set>
+                                      <p:cBhvr>
+                                        <p:cTn id="6" dur="1" fill="hold">
+                                          <p:stCondLst>
+                                            <p:cond delay="0"/>
+                                          </p:stCondLst>
+                                        </p:cTn>
+                                        <p:tgtEl>
+                                          <p:spTgt spid="11"/>
+                                        </p:tgtEl>
+                                        <p:attrNameLst>
+                                          <p:attrName>style.visibility</p:attrName>
+                                        </p:attrNameLst>
+                                      </p:cBhvr>
+                                      <p:to>
+                                        <p:strVal val="visible"/>
+                                      </p:to>
+                                    </p:set>
+                                    <p:anim calcmode="lin" valueType="num">
+                                      <p:cBhvr>
+                                        <p:cTn id="7" dur="500" fill="hold"/>
+                                        <p:tgtEl>
+                                          <p:spTgt spid="11"/>
+                                        </p:tgtEl>
+                                        <p:attrNameLst>
+                                          <p:attrName>ppt_w</p:attrName>
+                                        </p:attrNameLst>
+                                      </p:cBhvr>
+                                      <p:tavLst>
+                                        <p:tav tm="0">
+                                          <p:val>
+                                            <p:fltVal val="0"/>
+                                          </p:val>
+                                        </p:tav>
+                                        <p:tav tm="100000">
+                                          <p:val>
+                                            <p:strVal val="#ppt_w"/>
+                                          </p:val>
+                                        </p:tav>
+                                      </p:tavLst>
+                                    </p:anim>
+                                    <p:anim calcmode="lin" valueType="num">
+                                      <p:cBhvr>
+                                        <p:cTn id="8" dur="500" fill="hold"/>
+                                        <p:tgtEl>
+                                          <p:spTgt spid="11"/>
+                                        </p:tgtEl>
+                                        <p:attrNameLst>
+                                          <p:attrName>ppt_h</p:attrName>
+                                        </p:attrNameLst>
+                                      </p:cBhvr>
+                                      <p:tavLst>
+                                        <p:tav tm="0">
+                                          <p:val>
+                                            <p:fltVal val="0"/>
+                                          </p:val>
+                                        </p:tav>
+                                        <p:tav tm="100000">
+                                          <p:val>
+                                            <p:strVal val="#ppt_h"/>
+                                          </p:val>
+                                        </p:tav>
+                                      </p:tavLst>
+                                    </p:anim>
+                                    <p:animEffect transition="in" filter="fade">
+                                      <p:cBhvr>
+                                        <p:cTn id="9" dur="500"/>
+                                        <p:tgtEl>
+                                          <p:spTgt spid="11"/>
+                                        </p:tgtEl>
+                                      </p:cBhvr>
+                                    </p:animEffect>
+                                  </p:childTnLst>
+                                </p:cTn>
+                              </p:par>
+                            </p:childTnLst>
+                          </p:cTn>
+                        </p:par>
+                      </p:childTnLst>
+                    </p:cTn>
+                  </p:par>
+                </p:childTnLst>
+              </p:cTn>
+              <p:prevCondLst>
+                <p:cond evt="onPrev" delay="0">
+                  <p:tgtEl>
+                    <p:sldTgt/>
+                  </p:tgtEl>
+                </p:cond>
+              </p:prevCondLst>
+              <p:nextCondLst>
+                <p:cond evt="onNext" delay="0">
+                  <p:tgtEl>
+                    <p:sldTgt/>
+                  </p:tgtEl>
+                </p:cond>
+              </p:nextCondLst>
+            </p:seq>
+          </p:childTnLst>
+        </p:cTn>
+      </p:par>
+    </p:tnLst>
+    <p:bldLst>
+      <p:bldP spid="11" grpId="0"/>
+    </p:bldLst>
+  </p:timing>
 </p:sld>
 </file>
 
@@ -8312,7 +8724,7 @@
 </file>
 
 <file path=ppt/slides/slide2.xml><?xml version="1.0" encoding="utf-8"?>
-<p:sld xmlns:a="http://schemas.openxmlformats.org/drawingml/2006/main" xmlns:r="http://schemas.openxmlformats.org/officeDocument/2006/relationships" xmlns:p="http://schemas.openxmlformats.org/presentationml/2006/main">
+<p:sld xmlns:a="http://schemas.openxmlformats.org/drawingml/2006/main" xmlns:r="http://schemas.openxmlformats.org/officeDocument/2006/relationships" xmlns:p="http://schemas.openxmlformats.org/presentationml/2006/main" show="0">
   <p:cSld>
     <p:spTree>
       <p:nvGrpSpPr>
@@ -10007,6 +10419,30 @@
           </a:p>
         </p:txBody>
       </p:sp>
+      <p:pic>
+        <p:nvPicPr>
+          <p:cNvPr id="3" name="Picture 2"/>
+          <p:cNvPicPr>
+            <a:picLocks noChangeAspect="1"/>
+          </p:cNvPicPr>
+          <p:nvPr/>
+        </p:nvPicPr>
+        <p:blipFill>
+          <a:blip r:embed="rId2"/>
+          <a:stretch>
+            <a:fillRect/>
+          </a:stretch>
+        </p:blipFill>
+        <p:spPr>
+          <a:xfrm>
+            <a:off x="2025764" y="970450"/>
+            <a:ext cx="8134043" cy="5043407"/>
+          </a:xfrm>
+          <a:prstGeom prst="rect">
+            <a:avLst/>
+          </a:prstGeom>
+        </p:spPr>
+      </p:pic>
     </p:spTree>
     <p:extLst>
       <p:ext uri="{BB962C8B-B14F-4D97-AF65-F5344CB8AC3E}">
@@ -10021,7 +10457,7 @@
 </file>
 
 <file path=ppt/slides/slide3.xml><?xml version="1.0" encoding="utf-8"?>
-<p:sld xmlns:a="http://schemas.openxmlformats.org/drawingml/2006/main" xmlns:r="http://schemas.openxmlformats.org/officeDocument/2006/relationships" xmlns:p="http://schemas.openxmlformats.org/presentationml/2006/main">
+<p:sld xmlns:a="http://schemas.openxmlformats.org/drawingml/2006/main" xmlns:r="http://schemas.openxmlformats.org/officeDocument/2006/relationships" xmlns:p="http://schemas.openxmlformats.org/presentationml/2006/main" show="0">
   <p:cSld>
     <p:spTree>
       <p:nvGrpSpPr>
@@ -10458,7 +10894,7 @@
 </file>
 
 <file path=ppt/slides/slide4.xml><?xml version="1.0" encoding="utf-8"?>
-<p:sld xmlns:a="http://schemas.openxmlformats.org/drawingml/2006/main" xmlns:r="http://schemas.openxmlformats.org/officeDocument/2006/relationships" xmlns:p="http://schemas.openxmlformats.org/presentationml/2006/main">
+<p:sld xmlns:a="http://schemas.openxmlformats.org/drawingml/2006/main" xmlns:r="http://schemas.openxmlformats.org/officeDocument/2006/relationships" xmlns:p="http://schemas.openxmlformats.org/presentationml/2006/main" show="0">
   <p:cSld>
     <p:spTree>
       <p:nvGrpSpPr>

--- a/Midterm-PPT.pptx
+++ b/Midterm-PPT.pptx
@@ -8724,7 +8724,7 @@
 </file>
 
 <file path=ppt/slides/slide2.xml><?xml version="1.0" encoding="utf-8"?>
-<p:sld xmlns:a="http://schemas.openxmlformats.org/drawingml/2006/main" xmlns:r="http://schemas.openxmlformats.org/officeDocument/2006/relationships" xmlns:p="http://schemas.openxmlformats.org/presentationml/2006/main" show="0">
+<p:sld xmlns:a="http://schemas.openxmlformats.org/drawingml/2006/main" xmlns:r="http://schemas.openxmlformats.org/officeDocument/2006/relationships" xmlns:p="http://schemas.openxmlformats.org/presentationml/2006/main">
   <p:cSld>
     <p:spTree>
       <p:nvGrpSpPr>
@@ -10457,7 +10457,7 @@
 </file>
 
 <file path=ppt/slides/slide3.xml><?xml version="1.0" encoding="utf-8"?>
-<p:sld xmlns:a="http://schemas.openxmlformats.org/drawingml/2006/main" xmlns:r="http://schemas.openxmlformats.org/officeDocument/2006/relationships" xmlns:p="http://schemas.openxmlformats.org/presentationml/2006/main" show="0">
+<p:sld xmlns:a="http://schemas.openxmlformats.org/drawingml/2006/main" xmlns:r="http://schemas.openxmlformats.org/officeDocument/2006/relationships" xmlns:p="http://schemas.openxmlformats.org/presentationml/2006/main">
   <p:cSld>
     <p:spTree>
       <p:nvGrpSpPr>
@@ -10894,7 +10894,7 @@
 </file>
 
 <file path=ppt/slides/slide4.xml><?xml version="1.0" encoding="utf-8"?>
-<p:sld xmlns:a="http://schemas.openxmlformats.org/drawingml/2006/main" xmlns:r="http://schemas.openxmlformats.org/officeDocument/2006/relationships" xmlns:p="http://schemas.openxmlformats.org/presentationml/2006/main" show="0">
+<p:sld xmlns:a="http://schemas.openxmlformats.org/drawingml/2006/main" xmlns:r="http://schemas.openxmlformats.org/officeDocument/2006/relationships" xmlns:p="http://schemas.openxmlformats.org/presentationml/2006/main">
   <p:cSld>
     <p:spTree>
       <p:nvGrpSpPr>
@@ -11265,7 +11265,19 @@
           <a:p>
             <a:r>
               <a:rPr lang="en-PH" sz="7200" dirty="0"/>
+              <a:t>13 </a:t>
+            </a:r>
+            <a:r>
+              <a:rPr lang="en-PH" sz="7200" dirty="0">
+                <a:solidFill>
+                  <a:schemeClr val="bg1"/>
+                </a:solidFill>
+              </a:rPr>
               <a:t>DIAGRAMS</a:t>
+            </a:r>
+            <a:r>
+              <a:rPr lang="en-PH" sz="7200" dirty="0"/>
+              <a:t> WHY?</a:t>
             </a:r>
           </a:p>
         </p:txBody>
